--- a/doc/work/rocketmq分享手稿.pptx
+++ b/doc/work/rocketmq分享手稿.pptx
@@ -5,50 +5,50 @@
     <p:sldMasterId id="2147483648" r:id="rId1"/>
   </p:sldMasterIdLst>
   <p:notesMasterIdLst>
-    <p:notesMasterId r:id="rId44"/>
+    <p:notesMasterId r:id="rId43"/>
   </p:notesMasterIdLst>
   <p:sldIdLst>
-    <p:sldId id="256" r:id="rId3"/>
-    <p:sldId id="364" r:id="rId4"/>
-    <p:sldId id="430" r:id="rId5"/>
-    <p:sldId id="371" r:id="rId6"/>
-    <p:sldId id="260" r:id="rId7"/>
-    <p:sldId id="326" r:id="rId8"/>
-    <p:sldId id="266" r:id="rId9"/>
-    <p:sldId id="296" r:id="rId10"/>
-    <p:sldId id="295" r:id="rId11"/>
-    <p:sldId id="258" r:id="rId12"/>
-    <p:sldId id="271" r:id="rId13"/>
-    <p:sldId id="270" r:id="rId14"/>
-    <p:sldId id="274" r:id="rId15"/>
-    <p:sldId id="268" r:id="rId16"/>
-    <p:sldId id="297" r:id="rId17"/>
-    <p:sldId id="269" r:id="rId18"/>
-    <p:sldId id="272" r:id="rId19"/>
-    <p:sldId id="273" r:id="rId20"/>
-    <p:sldId id="275" r:id="rId21"/>
-    <p:sldId id="276" r:id="rId22"/>
-    <p:sldId id="369" r:id="rId23"/>
-    <p:sldId id="403" r:id="rId24"/>
-    <p:sldId id="468" r:id="rId25"/>
-    <p:sldId id="367" r:id="rId26"/>
-    <p:sldId id="277" r:id="rId27"/>
-    <p:sldId id="278" r:id="rId28"/>
-    <p:sldId id="327" r:id="rId29"/>
-    <p:sldId id="359" r:id="rId30"/>
-    <p:sldId id="284" r:id="rId31"/>
-    <p:sldId id="362" r:id="rId32"/>
-    <p:sldId id="363" r:id="rId33"/>
-    <p:sldId id="418" r:id="rId34"/>
-    <p:sldId id="419" r:id="rId35"/>
-    <p:sldId id="421" r:id="rId36"/>
-    <p:sldId id="420" r:id="rId37"/>
-    <p:sldId id="280" r:id="rId38"/>
-    <p:sldId id="281" r:id="rId39"/>
-    <p:sldId id="286" r:id="rId40"/>
-    <p:sldId id="265" r:id="rId41"/>
-    <p:sldId id="428" r:id="rId42"/>
-    <p:sldId id="287" r:id="rId43"/>
+    <p:sldId id="256" r:id="rId2"/>
+    <p:sldId id="364" r:id="rId3"/>
+    <p:sldId id="430" r:id="rId4"/>
+    <p:sldId id="371" r:id="rId5"/>
+    <p:sldId id="260" r:id="rId6"/>
+    <p:sldId id="326" r:id="rId7"/>
+    <p:sldId id="266" r:id="rId8"/>
+    <p:sldId id="296" r:id="rId9"/>
+    <p:sldId id="295" r:id="rId10"/>
+    <p:sldId id="258" r:id="rId11"/>
+    <p:sldId id="271" r:id="rId12"/>
+    <p:sldId id="270" r:id="rId13"/>
+    <p:sldId id="274" r:id="rId14"/>
+    <p:sldId id="268" r:id="rId15"/>
+    <p:sldId id="297" r:id="rId16"/>
+    <p:sldId id="269" r:id="rId17"/>
+    <p:sldId id="272" r:id="rId18"/>
+    <p:sldId id="273" r:id="rId19"/>
+    <p:sldId id="275" r:id="rId20"/>
+    <p:sldId id="276" r:id="rId21"/>
+    <p:sldId id="369" r:id="rId22"/>
+    <p:sldId id="403" r:id="rId23"/>
+    <p:sldId id="468" r:id="rId24"/>
+    <p:sldId id="367" r:id="rId25"/>
+    <p:sldId id="277" r:id="rId26"/>
+    <p:sldId id="278" r:id="rId27"/>
+    <p:sldId id="327" r:id="rId28"/>
+    <p:sldId id="359" r:id="rId29"/>
+    <p:sldId id="284" r:id="rId30"/>
+    <p:sldId id="362" r:id="rId31"/>
+    <p:sldId id="363" r:id="rId32"/>
+    <p:sldId id="418" r:id="rId33"/>
+    <p:sldId id="419" r:id="rId34"/>
+    <p:sldId id="421" r:id="rId35"/>
+    <p:sldId id="420" r:id="rId36"/>
+    <p:sldId id="280" r:id="rId37"/>
+    <p:sldId id="281" r:id="rId38"/>
+    <p:sldId id="286" r:id="rId39"/>
+    <p:sldId id="265" r:id="rId40"/>
+    <p:sldId id="428" r:id="rId41"/>
+    <p:sldId id="287" r:id="rId42"/>
   </p:sldIdLst>
   <p:sldSz cx="9144000" cy="6858000" type="screen4x3"/>
   <p:notesSz cx="6858000" cy="9144000"/>
@@ -147,6 +147,22 @@
       </a:defRPr>
     </a:lvl9pPr>
   </p:defaultTextStyle>
+  <p:extLst>
+    <p:ext uri="{EFAFB233-063F-42B5-8137-9DF3F51BA10A}">
+      <p15:sldGuideLst xmlns:p15="http://schemas.microsoft.com/office/powerpoint/2012/main">
+        <p15:guide id="1" orient="horz" pos="2195">
+          <p15:clr>
+            <a:srgbClr val="A4A3A4"/>
+          </p15:clr>
+        </p15:guide>
+        <p15:guide id="2" pos="2880">
+          <p15:clr>
+            <a:srgbClr val="A4A3A4"/>
+          </p15:clr>
+        </p15:guide>
+      </p15:sldGuideLst>
+    </p:ext>
+  </p:extLst>
 </p:presentation>
 </file>
 
@@ -232,6 +248,7 @@
           <a:p>
             <a:fld id="{D2A48B96-639E-45A3-A0BA-2464DFDB1FAA}" type="datetimeFigureOut">
               <a:rPr lang="zh-CN" altLang="en-US" smtClean="0"/>
+              <a:t>2020/12/13</a:t>
             </a:fld>
             <a:endParaRPr lang="zh-CN" altLang="en-US"/>
           </a:p>
@@ -295,42 +312,37 @@
           <a:p>
             <a:pPr lvl="0"/>
             <a:r>
-              <a:rPr lang="zh-CN" altLang="en-US" smtClean="0"/>
+              <a:rPr lang="zh-CN" altLang="en-US"/>
               <a:t>单击此处编辑母版文本样式</a:t>
             </a:r>
-            <a:endParaRPr lang="zh-CN" altLang="en-US" smtClean="0"/>
           </a:p>
           <a:p>
             <a:pPr lvl="1"/>
             <a:r>
-              <a:rPr lang="zh-CN" altLang="en-US" smtClean="0"/>
+              <a:rPr lang="zh-CN" altLang="en-US"/>
               <a:t>第二级</a:t>
             </a:r>
-            <a:endParaRPr lang="zh-CN" altLang="en-US" smtClean="0"/>
           </a:p>
           <a:p>
             <a:pPr lvl="2"/>
             <a:r>
-              <a:rPr lang="zh-CN" altLang="en-US" smtClean="0"/>
+              <a:rPr lang="zh-CN" altLang="en-US"/>
               <a:t>第三级</a:t>
             </a:r>
-            <a:endParaRPr lang="zh-CN" altLang="en-US" smtClean="0"/>
           </a:p>
           <a:p>
             <a:pPr lvl="3"/>
             <a:r>
-              <a:rPr lang="zh-CN" altLang="en-US" smtClean="0"/>
+              <a:rPr lang="zh-CN" altLang="en-US"/>
               <a:t>第四级</a:t>
             </a:r>
-            <a:endParaRPr lang="zh-CN" altLang="en-US" smtClean="0"/>
           </a:p>
           <a:p>
             <a:pPr lvl="4"/>
             <a:r>
-              <a:rPr lang="zh-CN" altLang="en-US" smtClean="0"/>
+              <a:rPr lang="zh-CN" altLang="en-US"/>
               <a:t>第五级</a:t>
             </a:r>
-            <a:endParaRPr lang="zh-CN" altLang="en-US"/>
           </a:p>
         </p:txBody>
       </p:sp>
@@ -394,6 +406,7 @@
           <a:p>
             <a:fld id="{A6837353-30EB-4A48-80EB-173D804AEFBD}" type="slidenum">
               <a:rPr lang="zh-CN" altLang="en-US" smtClean="0"/>
+              <a:t>‹#›</a:t>
             </a:fld>
             <a:endParaRPr lang="zh-CN" altLang="en-US"/>
           </a:p>
@@ -498,7 +511,7 @@
 </file>
 
 <file path=ppt/slideLayouts/slideLayout1.xml><?xml version="1.0" encoding="utf-8"?>
-<p:sldLayout xmlns:a="http://schemas.openxmlformats.org/drawingml/2006/main" xmlns:r="http://schemas.openxmlformats.org/officeDocument/2006/relationships" xmlns:p="http://schemas.openxmlformats.org/presentationml/2006/main" type="title" preserve="1" showMasterSp="0">
+<p:sldLayout xmlns:a="http://schemas.openxmlformats.org/drawingml/2006/main" xmlns:r="http://schemas.openxmlformats.org/officeDocument/2006/relationships" xmlns:p="http://schemas.openxmlformats.org/presentationml/2006/main" showMasterSp="0" type="title" preserve="1">
   <p:cSld name="标题幻灯片">
     <p:bg>
       <p:bgRef idx="1002">
@@ -789,7 +802,7 @@
           </a:lstStyle>
           <a:p>
             <a:r>
-              <a:rPr kumimoji="0" lang="zh-CN" altLang="en-US" smtClean="0"/>
+              <a:rPr kumimoji="0" lang="zh-CN" altLang="en-US"/>
               <a:t>单击此处编辑母版标题样式</a:t>
             </a:r>
             <a:endParaRPr kumimoji="0" lang="en-US"/>
@@ -853,7 +866,7 @@
           </a:lstStyle>
           <a:p>
             <a:r>
-              <a:rPr kumimoji="0" lang="zh-CN" altLang="en-US" smtClean="0"/>
+              <a:rPr kumimoji="0" lang="zh-CN" altLang="en-US"/>
               <a:t>单击此处编辑母版副标题样式</a:t>
             </a:r>
             <a:endParaRPr kumimoji="0" lang="en-US"/>
@@ -877,6 +890,7 @@
           <a:p>
             <a:fld id="{F5A9ADE2-26F2-48BB-A97D-1CCDE6165635}" type="datetimeFigureOut">
               <a:rPr lang="zh-CN" altLang="en-US" smtClean="0"/>
+              <a:t>2020/12/13</a:t>
             </a:fld>
             <a:endParaRPr lang="zh-CN" altLang="en-US"/>
           </a:p>
@@ -918,6 +932,7 @@
           <a:p>
             <a:fld id="{74116332-4630-44AB-BF5A-954235E97337}" type="slidenum">
               <a:rPr lang="zh-CN" altLang="en-US" smtClean="0"/>
+              <a:t>‹#›</a:t>
             </a:fld>
             <a:endParaRPr lang="zh-CN" altLang="en-US"/>
           </a:p>
@@ -964,7 +979,7 @@
           <a:lstStyle/>
           <a:p>
             <a:r>
-              <a:rPr kumimoji="0" lang="zh-CN" altLang="en-US" smtClean="0"/>
+              <a:rPr kumimoji="0" lang="zh-CN" altLang="en-US"/>
               <a:t>单击此处编辑母版标题样式</a:t>
             </a:r>
             <a:endParaRPr kumimoji="0" lang="en-US"/>
@@ -988,39 +1003,35 @@
           <a:p>
             <a:pPr lvl="0" eaLnBrk="1" latinLnBrk="0" hangingPunct="1"/>
             <a:r>
-              <a:rPr lang="zh-CN" altLang="en-US" smtClean="0"/>
+              <a:rPr lang="zh-CN" altLang="en-US"/>
               <a:t>单击此处编辑母版文本样式</a:t>
             </a:r>
-            <a:endParaRPr lang="zh-CN" altLang="en-US" smtClean="0"/>
           </a:p>
           <a:p>
             <a:pPr lvl="1" eaLnBrk="1" latinLnBrk="0" hangingPunct="1"/>
             <a:r>
-              <a:rPr lang="zh-CN" altLang="en-US" smtClean="0"/>
+              <a:rPr lang="zh-CN" altLang="en-US"/>
               <a:t>第二级</a:t>
             </a:r>
-            <a:endParaRPr lang="zh-CN" altLang="en-US" smtClean="0"/>
           </a:p>
           <a:p>
             <a:pPr lvl="2" eaLnBrk="1" latinLnBrk="0" hangingPunct="1"/>
             <a:r>
-              <a:rPr lang="zh-CN" altLang="en-US" smtClean="0"/>
+              <a:rPr lang="zh-CN" altLang="en-US"/>
               <a:t>第三级</a:t>
             </a:r>
-            <a:endParaRPr lang="zh-CN" altLang="en-US" smtClean="0"/>
           </a:p>
           <a:p>
             <a:pPr lvl="3" eaLnBrk="1" latinLnBrk="0" hangingPunct="1"/>
             <a:r>
-              <a:rPr lang="zh-CN" altLang="en-US" smtClean="0"/>
+              <a:rPr lang="zh-CN" altLang="en-US"/>
               <a:t>第四级</a:t>
             </a:r>
-            <a:endParaRPr lang="zh-CN" altLang="en-US" smtClean="0"/>
           </a:p>
           <a:p>
             <a:pPr lvl="4" eaLnBrk="1" latinLnBrk="0" hangingPunct="1"/>
             <a:r>
-              <a:rPr lang="zh-CN" altLang="en-US" smtClean="0"/>
+              <a:rPr lang="zh-CN" altLang="en-US"/>
               <a:t>第五级</a:t>
             </a:r>
             <a:endParaRPr kumimoji="0" lang="en-US"/>
@@ -1044,6 +1055,7 @@
           <a:p>
             <a:fld id="{F5A9ADE2-26F2-48BB-A97D-1CCDE6165635}" type="datetimeFigureOut">
               <a:rPr lang="zh-CN" altLang="en-US" smtClean="0"/>
+              <a:t>2020/12/13</a:t>
             </a:fld>
             <a:endParaRPr lang="zh-CN" altLang="en-US"/>
           </a:p>
@@ -1085,6 +1097,7 @@
           <a:p>
             <a:fld id="{74116332-4630-44AB-BF5A-954235E97337}" type="slidenum">
               <a:rPr lang="zh-CN" altLang="en-US" smtClean="0"/>
+              <a:t>‹#›</a:t>
             </a:fld>
             <a:endParaRPr lang="zh-CN" altLang="en-US"/>
           </a:p>
@@ -1136,7 +1149,7 @@
           <a:lstStyle/>
           <a:p>
             <a:r>
-              <a:rPr kumimoji="0" lang="zh-CN" altLang="en-US" smtClean="0"/>
+              <a:rPr kumimoji="0" lang="zh-CN" altLang="en-US"/>
               <a:t>单击此处编辑母版标题样式</a:t>
             </a:r>
             <a:endParaRPr kumimoji="0" lang="en-US"/>
@@ -1165,39 +1178,35 @@
           <a:p>
             <a:pPr lvl="0" eaLnBrk="1" latinLnBrk="0" hangingPunct="1"/>
             <a:r>
-              <a:rPr lang="zh-CN" altLang="en-US" smtClean="0"/>
+              <a:rPr lang="zh-CN" altLang="en-US"/>
               <a:t>单击此处编辑母版文本样式</a:t>
             </a:r>
-            <a:endParaRPr lang="zh-CN" altLang="en-US" smtClean="0"/>
           </a:p>
           <a:p>
             <a:pPr lvl="1" eaLnBrk="1" latinLnBrk="0" hangingPunct="1"/>
             <a:r>
-              <a:rPr lang="zh-CN" altLang="en-US" smtClean="0"/>
+              <a:rPr lang="zh-CN" altLang="en-US"/>
               <a:t>第二级</a:t>
             </a:r>
-            <a:endParaRPr lang="zh-CN" altLang="en-US" smtClean="0"/>
           </a:p>
           <a:p>
             <a:pPr lvl="2" eaLnBrk="1" latinLnBrk="0" hangingPunct="1"/>
             <a:r>
-              <a:rPr lang="zh-CN" altLang="en-US" smtClean="0"/>
+              <a:rPr lang="zh-CN" altLang="en-US"/>
               <a:t>第三级</a:t>
             </a:r>
-            <a:endParaRPr lang="zh-CN" altLang="en-US" smtClean="0"/>
           </a:p>
           <a:p>
             <a:pPr lvl="3" eaLnBrk="1" latinLnBrk="0" hangingPunct="1"/>
             <a:r>
-              <a:rPr lang="zh-CN" altLang="en-US" smtClean="0"/>
+              <a:rPr lang="zh-CN" altLang="en-US"/>
               <a:t>第四级</a:t>
             </a:r>
-            <a:endParaRPr lang="zh-CN" altLang="en-US" smtClean="0"/>
           </a:p>
           <a:p>
             <a:pPr lvl="4" eaLnBrk="1" latinLnBrk="0" hangingPunct="1"/>
             <a:r>
-              <a:rPr lang="zh-CN" altLang="en-US" smtClean="0"/>
+              <a:rPr lang="zh-CN" altLang="en-US"/>
               <a:t>第五级</a:t>
             </a:r>
             <a:endParaRPr kumimoji="0" lang="en-US"/>
@@ -1221,6 +1230,7 @@
           <a:p>
             <a:fld id="{F5A9ADE2-26F2-48BB-A97D-1CCDE6165635}" type="datetimeFigureOut">
               <a:rPr lang="zh-CN" altLang="en-US" smtClean="0"/>
+              <a:t>2020/12/13</a:t>
             </a:fld>
             <a:endParaRPr lang="zh-CN" altLang="en-US"/>
           </a:p>
@@ -1262,6 +1272,7 @@
           <a:p>
             <a:fld id="{74116332-4630-44AB-BF5A-954235E97337}" type="slidenum">
               <a:rPr lang="zh-CN" altLang="en-US" smtClean="0"/>
+              <a:t>‹#›</a:t>
             </a:fld>
             <a:endParaRPr lang="zh-CN" altLang="en-US"/>
           </a:p>
@@ -1312,7 +1323,7 @@
           </a:lstStyle>
           <a:p>
             <a:r>
-              <a:rPr kumimoji="0" lang="zh-CN" altLang="en-US" smtClean="0"/>
+              <a:rPr kumimoji="0" lang="zh-CN" altLang="en-US"/>
               <a:t>单击此处编辑母版标题样式</a:t>
             </a:r>
             <a:endParaRPr kumimoji="0" lang="en-US"/>
@@ -1336,39 +1347,35 @@
           <a:p>
             <a:pPr lvl="0" eaLnBrk="1" latinLnBrk="0" hangingPunct="1"/>
             <a:r>
-              <a:rPr lang="zh-CN" altLang="en-US" smtClean="0"/>
+              <a:rPr lang="zh-CN" altLang="en-US"/>
               <a:t>单击此处编辑母版文本样式</a:t>
             </a:r>
-            <a:endParaRPr lang="zh-CN" altLang="en-US" smtClean="0"/>
           </a:p>
           <a:p>
             <a:pPr lvl="1" eaLnBrk="1" latinLnBrk="0" hangingPunct="1"/>
             <a:r>
-              <a:rPr lang="zh-CN" altLang="en-US" smtClean="0"/>
+              <a:rPr lang="zh-CN" altLang="en-US"/>
               <a:t>第二级</a:t>
             </a:r>
-            <a:endParaRPr lang="zh-CN" altLang="en-US" smtClean="0"/>
           </a:p>
           <a:p>
             <a:pPr lvl="2" eaLnBrk="1" latinLnBrk="0" hangingPunct="1"/>
             <a:r>
-              <a:rPr lang="zh-CN" altLang="en-US" smtClean="0"/>
+              <a:rPr lang="zh-CN" altLang="en-US"/>
               <a:t>第三级</a:t>
             </a:r>
-            <a:endParaRPr lang="zh-CN" altLang="en-US" smtClean="0"/>
           </a:p>
           <a:p>
             <a:pPr lvl="3" eaLnBrk="1" latinLnBrk="0" hangingPunct="1"/>
             <a:r>
-              <a:rPr lang="zh-CN" altLang="en-US" smtClean="0"/>
+              <a:rPr lang="zh-CN" altLang="en-US"/>
               <a:t>第四级</a:t>
             </a:r>
-            <a:endParaRPr lang="zh-CN" altLang="en-US" smtClean="0"/>
           </a:p>
           <a:p>
             <a:pPr lvl="4" eaLnBrk="1" latinLnBrk="0" hangingPunct="1"/>
             <a:r>
-              <a:rPr lang="zh-CN" altLang="en-US" smtClean="0"/>
+              <a:rPr lang="zh-CN" altLang="en-US"/>
               <a:t>第五级</a:t>
             </a:r>
             <a:endParaRPr kumimoji="0" lang="en-US"/>
@@ -1392,6 +1399,7 @@
           <a:p>
             <a:fld id="{F5A9ADE2-26F2-48BB-A97D-1CCDE6165635}" type="datetimeFigureOut">
               <a:rPr lang="zh-CN" altLang="en-US" smtClean="0"/>
+              <a:t>2020/12/13</a:t>
             </a:fld>
             <a:endParaRPr lang="zh-CN" altLang="en-US"/>
           </a:p>
@@ -1433,6 +1441,7 @@
           <a:p>
             <a:fld id="{74116332-4630-44AB-BF5A-954235E97337}" type="slidenum">
               <a:rPr lang="zh-CN" altLang="en-US" smtClean="0"/>
+              <a:t>‹#›</a:t>
             </a:fld>
             <a:endParaRPr lang="zh-CN" altLang="en-US"/>
           </a:p>
@@ -1447,7 +1456,7 @@
 </file>
 
 <file path=ppt/slideLayouts/slideLayout3.xml><?xml version="1.0" encoding="utf-8"?>
-<p:sldLayout xmlns:a="http://schemas.openxmlformats.org/drawingml/2006/main" xmlns:r="http://schemas.openxmlformats.org/officeDocument/2006/relationships" xmlns:p="http://schemas.openxmlformats.org/presentationml/2006/main" type="secHead" preserve="1" showMasterSp="0">
+<p:sldLayout xmlns:a="http://schemas.openxmlformats.org/drawingml/2006/main" xmlns:r="http://schemas.openxmlformats.org/officeDocument/2006/relationships" xmlns:p="http://schemas.openxmlformats.org/presentationml/2006/main" showMasterSp="0" type="secHead" preserve="1">
   <p:cSld name="节标题">
     <p:bg>
       <p:bgRef idx="1002">
@@ -1739,7 +1748,7 @@
           </a:lstStyle>
           <a:p>
             <a:r>
-              <a:rPr kumimoji="0" lang="zh-CN" altLang="en-US" smtClean="0"/>
+              <a:rPr kumimoji="0" lang="zh-CN" altLang="en-US"/>
               <a:t>单击此处编辑母版标题样式</a:t>
             </a:r>
             <a:endParaRPr kumimoji="0" lang="en-US"/>
@@ -1818,10 +1827,9 @@
           <a:p>
             <a:pPr lvl="0" eaLnBrk="1" latinLnBrk="0" hangingPunct="1"/>
             <a:r>
-              <a:rPr kumimoji="0" lang="zh-CN" altLang="en-US" smtClean="0"/>
+              <a:rPr kumimoji="0" lang="zh-CN" altLang="en-US"/>
               <a:t>单击此处编辑母版文本样式</a:t>
             </a:r>
-            <a:endParaRPr kumimoji="0" lang="zh-CN" altLang="en-US" smtClean="0"/>
           </a:p>
         </p:txBody>
       </p:sp>
@@ -1842,6 +1850,7 @@
           <a:p>
             <a:fld id="{F5A9ADE2-26F2-48BB-A97D-1CCDE6165635}" type="datetimeFigureOut">
               <a:rPr lang="zh-CN" altLang="en-US" smtClean="0"/>
+              <a:t>2020/12/13</a:t>
             </a:fld>
             <a:endParaRPr lang="zh-CN" altLang="en-US"/>
           </a:p>
@@ -1883,6 +1892,7 @@
           <a:p>
             <a:fld id="{74116332-4630-44AB-BF5A-954235E97337}" type="slidenum">
               <a:rPr lang="zh-CN" altLang="en-US" smtClean="0"/>
+              <a:t>‹#›</a:t>
             </a:fld>
             <a:endParaRPr lang="zh-CN" altLang="en-US"/>
           </a:p>
@@ -1934,7 +1944,7 @@
           <a:lstStyle/>
           <a:p>
             <a:r>
-              <a:rPr kumimoji="0" lang="zh-CN" altLang="en-US" smtClean="0"/>
+              <a:rPr kumimoji="0" lang="zh-CN" altLang="en-US"/>
               <a:t>单击此处编辑母版标题样式</a:t>
             </a:r>
             <a:endParaRPr kumimoji="0" lang="en-US"/>
@@ -1979,39 +1989,35 @@
           <a:p>
             <a:pPr lvl="0" eaLnBrk="1" latinLnBrk="0" hangingPunct="1"/>
             <a:r>
-              <a:rPr lang="zh-CN" altLang="en-US" smtClean="0"/>
+              <a:rPr lang="zh-CN" altLang="en-US"/>
               <a:t>单击此处编辑母版文本样式</a:t>
             </a:r>
-            <a:endParaRPr lang="zh-CN" altLang="en-US" smtClean="0"/>
           </a:p>
           <a:p>
             <a:pPr lvl="1" eaLnBrk="1" latinLnBrk="0" hangingPunct="1"/>
             <a:r>
-              <a:rPr lang="zh-CN" altLang="en-US" smtClean="0"/>
+              <a:rPr lang="zh-CN" altLang="en-US"/>
               <a:t>第二级</a:t>
             </a:r>
-            <a:endParaRPr lang="zh-CN" altLang="en-US" smtClean="0"/>
           </a:p>
           <a:p>
             <a:pPr lvl="2" eaLnBrk="1" latinLnBrk="0" hangingPunct="1"/>
             <a:r>
-              <a:rPr lang="zh-CN" altLang="en-US" smtClean="0"/>
+              <a:rPr lang="zh-CN" altLang="en-US"/>
               <a:t>第三级</a:t>
             </a:r>
-            <a:endParaRPr lang="zh-CN" altLang="en-US" smtClean="0"/>
           </a:p>
           <a:p>
             <a:pPr lvl="3" eaLnBrk="1" latinLnBrk="0" hangingPunct="1"/>
             <a:r>
-              <a:rPr lang="zh-CN" altLang="en-US" smtClean="0"/>
+              <a:rPr lang="zh-CN" altLang="en-US"/>
               <a:t>第四级</a:t>
             </a:r>
-            <a:endParaRPr lang="zh-CN" altLang="en-US" smtClean="0"/>
           </a:p>
           <a:p>
             <a:pPr lvl="4" eaLnBrk="1" latinLnBrk="0" hangingPunct="1"/>
             <a:r>
-              <a:rPr lang="zh-CN" altLang="en-US" smtClean="0"/>
+              <a:rPr lang="zh-CN" altLang="en-US"/>
               <a:t>第五级</a:t>
             </a:r>
             <a:endParaRPr kumimoji="0" lang="en-US"/>
@@ -2056,39 +2062,35 @@
           <a:p>
             <a:pPr lvl="0" eaLnBrk="1" latinLnBrk="0" hangingPunct="1"/>
             <a:r>
-              <a:rPr lang="zh-CN" altLang="en-US" smtClean="0"/>
+              <a:rPr lang="zh-CN" altLang="en-US"/>
               <a:t>单击此处编辑母版文本样式</a:t>
             </a:r>
-            <a:endParaRPr lang="zh-CN" altLang="en-US" smtClean="0"/>
           </a:p>
           <a:p>
             <a:pPr lvl="1" eaLnBrk="1" latinLnBrk="0" hangingPunct="1"/>
             <a:r>
-              <a:rPr lang="zh-CN" altLang="en-US" smtClean="0"/>
+              <a:rPr lang="zh-CN" altLang="en-US"/>
               <a:t>第二级</a:t>
             </a:r>
-            <a:endParaRPr lang="zh-CN" altLang="en-US" smtClean="0"/>
           </a:p>
           <a:p>
             <a:pPr lvl="2" eaLnBrk="1" latinLnBrk="0" hangingPunct="1"/>
             <a:r>
-              <a:rPr lang="zh-CN" altLang="en-US" smtClean="0"/>
+              <a:rPr lang="zh-CN" altLang="en-US"/>
               <a:t>第三级</a:t>
             </a:r>
-            <a:endParaRPr lang="zh-CN" altLang="en-US" smtClean="0"/>
           </a:p>
           <a:p>
             <a:pPr lvl="3" eaLnBrk="1" latinLnBrk="0" hangingPunct="1"/>
             <a:r>
-              <a:rPr lang="zh-CN" altLang="en-US" smtClean="0"/>
+              <a:rPr lang="zh-CN" altLang="en-US"/>
               <a:t>第四级</a:t>
             </a:r>
-            <a:endParaRPr lang="zh-CN" altLang="en-US" smtClean="0"/>
           </a:p>
           <a:p>
             <a:pPr lvl="4" eaLnBrk="1" latinLnBrk="0" hangingPunct="1"/>
             <a:r>
-              <a:rPr lang="zh-CN" altLang="en-US" smtClean="0"/>
+              <a:rPr lang="zh-CN" altLang="en-US"/>
               <a:t>第五级</a:t>
             </a:r>
             <a:endParaRPr kumimoji="0" lang="en-US"/>
@@ -2112,6 +2114,7 @@
           <a:p>
             <a:fld id="{F5A9ADE2-26F2-48BB-A97D-1CCDE6165635}" type="datetimeFigureOut">
               <a:rPr lang="zh-CN" altLang="en-US" smtClean="0"/>
+              <a:t>2020/12/13</a:t>
             </a:fld>
             <a:endParaRPr lang="zh-CN" altLang="en-US"/>
           </a:p>
@@ -2153,6 +2156,7 @@
           <a:p>
             <a:fld id="{74116332-4630-44AB-BF5A-954235E97337}" type="slidenum">
               <a:rPr lang="zh-CN" altLang="en-US" smtClean="0"/>
+              <a:t>‹#›</a:t>
             </a:fld>
             <a:endParaRPr lang="zh-CN" altLang="en-US"/>
           </a:p>
@@ -2167,7 +2171,7 @@
 </file>
 
 <file path=ppt/slideLayouts/slideLayout5.xml><?xml version="1.0" encoding="utf-8"?>
-<p:sldLayout xmlns:a="http://schemas.openxmlformats.org/drawingml/2006/main" xmlns:r="http://schemas.openxmlformats.org/officeDocument/2006/relationships" xmlns:p="http://schemas.openxmlformats.org/presentationml/2006/main" type="twoTxTwoObj" preserve="1" showMasterSp="0">
+<p:sldLayout xmlns:a="http://schemas.openxmlformats.org/drawingml/2006/main" xmlns:r="http://schemas.openxmlformats.org/officeDocument/2006/relationships" xmlns:p="http://schemas.openxmlformats.org/presentationml/2006/main" showMasterSp="0" type="twoTxTwoObj" preserve="1">
   <p:cSld name="比较">
     <p:spTree>
       <p:nvGrpSpPr>
@@ -2208,7 +2212,7 @@
           </a:lstStyle>
           <a:p>
             <a:r>
-              <a:rPr kumimoji="0" lang="zh-CN" altLang="en-US" smtClean="0"/>
+              <a:rPr kumimoji="0" lang="zh-CN" altLang="en-US"/>
               <a:t>单击此处编辑母版标题样式</a:t>
             </a:r>
             <a:endParaRPr kumimoji="0" lang="en-US"/>
@@ -2262,10 +2266,9 @@
           <a:p>
             <a:pPr lvl="0" eaLnBrk="1" latinLnBrk="0" hangingPunct="1"/>
             <a:r>
-              <a:rPr kumimoji="0" lang="zh-CN" altLang="en-US" smtClean="0"/>
+              <a:rPr kumimoji="0" lang="zh-CN" altLang="en-US"/>
               <a:t>单击此处编辑母版文本样式</a:t>
             </a:r>
-            <a:endParaRPr kumimoji="0" lang="zh-CN" altLang="en-US" smtClean="0"/>
           </a:p>
         </p:txBody>
       </p:sp>
@@ -2316,10 +2319,9 @@
           <a:p>
             <a:pPr lvl="0" eaLnBrk="1" latinLnBrk="0" hangingPunct="1"/>
             <a:r>
-              <a:rPr kumimoji="0" lang="zh-CN" altLang="en-US" smtClean="0"/>
+              <a:rPr kumimoji="0" lang="zh-CN" altLang="en-US"/>
               <a:t>单击此处编辑母版文本样式</a:t>
             </a:r>
-            <a:endParaRPr kumimoji="0" lang="zh-CN" altLang="en-US" smtClean="0"/>
           </a:p>
         </p:txBody>
       </p:sp>
@@ -2361,39 +2363,35 @@
           <a:p>
             <a:pPr lvl="0" eaLnBrk="1" latinLnBrk="0" hangingPunct="1"/>
             <a:r>
-              <a:rPr lang="zh-CN" altLang="en-US" smtClean="0"/>
+              <a:rPr lang="zh-CN" altLang="en-US"/>
               <a:t>单击此处编辑母版文本样式</a:t>
             </a:r>
-            <a:endParaRPr lang="zh-CN" altLang="en-US" smtClean="0"/>
           </a:p>
           <a:p>
             <a:pPr lvl="1" eaLnBrk="1" latinLnBrk="0" hangingPunct="1"/>
             <a:r>
-              <a:rPr lang="zh-CN" altLang="en-US" smtClean="0"/>
+              <a:rPr lang="zh-CN" altLang="en-US"/>
               <a:t>第二级</a:t>
             </a:r>
-            <a:endParaRPr lang="zh-CN" altLang="en-US" smtClean="0"/>
           </a:p>
           <a:p>
             <a:pPr lvl="2" eaLnBrk="1" latinLnBrk="0" hangingPunct="1"/>
             <a:r>
-              <a:rPr lang="zh-CN" altLang="en-US" smtClean="0"/>
+              <a:rPr lang="zh-CN" altLang="en-US"/>
               <a:t>第三级</a:t>
             </a:r>
-            <a:endParaRPr lang="zh-CN" altLang="en-US" smtClean="0"/>
           </a:p>
           <a:p>
             <a:pPr lvl="3" eaLnBrk="1" latinLnBrk="0" hangingPunct="1"/>
             <a:r>
-              <a:rPr lang="zh-CN" altLang="en-US" smtClean="0"/>
+              <a:rPr lang="zh-CN" altLang="en-US"/>
               <a:t>第四级</a:t>
             </a:r>
-            <a:endParaRPr lang="zh-CN" altLang="en-US" smtClean="0"/>
           </a:p>
           <a:p>
             <a:pPr lvl="4" eaLnBrk="1" latinLnBrk="0" hangingPunct="1"/>
             <a:r>
-              <a:rPr lang="zh-CN" altLang="en-US" smtClean="0"/>
+              <a:rPr lang="zh-CN" altLang="en-US"/>
               <a:t>第五级</a:t>
             </a:r>
             <a:endParaRPr kumimoji="0" lang="en-US"/>
@@ -2438,39 +2436,35 @@
           <a:p>
             <a:pPr lvl="0" eaLnBrk="1" latinLnBrk="0" hangingPunct="1"/>
             <a:r>
-              <a:rPr lang="zh-CN" altLang="en-US" smtClean="0"/>
+              <a:rPr lang="zh-CN" altLang="en-US"/>
               <a:t>单击此处编辑母版文本样式</a:t>
             </a:r>
-            <a:endParaRPr lang="zh-CN" altLang="en-US" smtClean="0"/>
           </a:p>
           <a:p>
             <a:pPr lvl="1" eaLnBrk="1" latinLnBrk="0" hangingPunct="1"/>
             <a:r>
-              <a:rPr lang="zh-CN" altLang="en-US" smtClean="0"/>
+              <a:rPr lang="zh-CN" altLang="en-US"/>
               <a:t>第二级</a:t>
             </a:r>
-            <a:endParaRPr lang="zh-CN" altLang="en-US" smtClean="0"/>
           </a:p>
           <a:p>
             <a:pPr lvl="2" eaLnBrk="1" latinLnBrk="0" hangingPunct="1"/>
             <a:r>
-              <a:rPr lang="zh-CN" altLang="en-US" smtClean="0"/>
+              <a:rPr lang="zh-CN" altLang="en-US"/>
               <a:t>第三级</a:t>
             </a:r>
-            <a:endParaRPr lang="zh-CN" altLang="en-US" smtClean="0"/>
           </a:p>
           <a:p>
             <a:pPr lvl="3" eaLnBrk="1" latinLnBrk="0" hangingPunct="1"/>
             <a:r>
-              <a:rPr lang="zh-CN" altLang="en-US" smtClean="0"/>
+              <a:rPr lang="zh-CN" altLang="en-US"/>
               <a:t>第四级</a:t>
             </a:r>
-            <a:endParaRPr lang="zh-CN" altLang="en-US" smtClean="0"/>
           </a:p>
           <a:p>
             <a:pPr lvl="4" eaLnBrk="1" latinLnBrk="0" hangingPunct="1"/>
             <a:r>
-              <a:rPr lang="zh-CN" altLang="en-US" smtClean="0"/>
+              <a:rPr lang="zh-CN" altLang="en-US"/>
               <a:t>第五级</a:t>
             </a:r>
             <a:endParaRPr kumimoji="0" lang="en-US"/>
@@ -2494,6 +2488,7 @@
           <a:p>
             <a:fld id="{F5A9ADE2-26F2-48BB-A97D-1CCDE6165635}" type="datetimeFigureOut">
               <a:rPr lang="zh-CN" altLang="en-US" smtClean="0"/>
+              <a:t>2020/12/13</a:t>
             </a:fld>
             <a:endParaRPr lang="zh-CN" altLang="en-US"/>
           </a:p>
@@ -2535,6 +2530,7 @@
           <a:p>
             <a:fld id="{74116332-4630-44AB-BF5A-954235E97337}" type="slidenum">
               <a:rPr lang="zh-CN" altLang="en-US" smtClean="0"/>
+              <a:t>‹#›</a:t>
             </a:fld>
             <a:endParaRPr lang="zh-CN" altLang="en-US"/>
           </a:p>
@@ -2590,7 +2586,7 @@
           </a:lstStyle>
           <a:p>
             <a:r>
-              <a:rPr kumimoji="0" lang="zh-CN" altLang="en-US" smtClean="0"/>
+              <a:rPr kumimoji="0" lang="zh-CN" altLang="en-US"/>
               <a:t>单击此处编辑母版标题样式</a:t>
             </a:r>
             <a:endParaRPr kumimoji="0" lang="en-US"/>
@@ -2614,6 +2610,7 @@
           <a:p>
             <a:fld id="{F5A9ADE2-26F2-48BB-A97D-1CCDE6165635}" type="datetimeFigureOut">
               <a:rPr lang="zh-CN" altLang="en-US" smtClean="0"/>
+              <a:t>2020/12/13</a:t>
             </a:fld>
             <a:endParaRPr lang="zh-CN" altLang="en-US"/>
           </a:p>
@@ -2636,6 +2633,7 @@
           <a:p>
             <a:fld id="{74116332-4630-44AB-BF5A-954235E97337}" type="slidenum">
               <a:rPr lang="zh-CN" altLang="en-US" smtClean="0"/>
+              <a:t>‹#›</a:t>
             </a:fld>
             <a:endParaRPr lang="zh-CN" altLang="en-US"/>
           </a:p>
@@ -2702,6 +2700,7 @@
           <a:p>
             <a:fld id="{F5A9ADE2-26F2-48BB-A97D-1CCDE6165635}" type="datetimeFigureOut">
               <a:rPr lang="zh-CN" altLang="en-US" smtClean="0"/>
+              <a:t>2020/12/13</a:t>
             </a:fld>
             <a:endParaRPr lang="zh-CN" altLang="en-US"/>
           </a:p>
@@ -2743,6 +2742,7 @@
           <a:p>
             <a:fld id="{74116332-4630-44AB-BF5A-954235E97337}" type="slidenum">
               <a:rPr lang="zh-CN" altLang="en-US" smtClean="0"/>
+              <a:t>‹#›</a:t>
             </a:fld>
             <a:endParaRPr lang="zh-CN" altLang="en-US"/>
           </a:p>
@@ -2803,7 +2803,7 @@
           </a:lstStyle>
           <a:p>
             <a:r>
-              <a:rPr kumimoji="0" lang="zh-CN" altLang="en-US" smtClean="0"/>
+              <a:rPr kumimoji="0" lang="zh-CN" altLang="en-US"/>
               <a:t>单击此处编辑母版标题样式</a:t>
             </a:r>
             <a:endParaRPr kumimoji="0" lang="en-US"/>
@@ -2853,10 +2853,9 @@
           <a:p>
             <a:pPr lvl="0" eaLnBrk="1" latinLnBrk="0" hangingPunct="1"/>
             <a:r>
-              <a:rPr kumimoji="0" lang="zh-CN" altLang="en-US" smtClean="0"/>
+              <a:rPr kumimoji="0" lang="zh-CN" altLang="en-US"/>
               <a:t>单击此处编辑母版文本样式</a:t>
             </a:r>
-            <a:endParaRPr kumimoji="0" lang="zh-CN" altLang="en-US" smtClean="0"/>
           </a:p>
         </p:txBody>
       </p:sp>
@@ -2898,39 +2897,35 @@
           <a:p>
             <a:pPr lvl="0" eaLnBrk="1" latinLnBrk="0" hangingPunct="1"/>
             <a:r>
-              <a:rPr lang="zh-CN" altLang="en-US" smtClean="0"/>
+              <a:rPr lang="zh-CN" altLang="en-US"/>
               <a:t>单击此处编辑母版文本样式</a:t>
             </a:r>
-            <a:endParaRPr lang="zh-CN" altLang="en-US" smtClean="0"/>
           </a:p>
           <a:p>
             <a:pPr lvl="1" eaLnBrk="1" latinLnBrk="0" hangingPunct="1"/>
             <a:r>
-              <a:rPr lang="zh-CN" altLang="en-US" smtClean="0"/>
+              <a:rPr lang="zh-CN" altLang="en-US"/>
               <a:t>第二级</a:t>
             </a:r>
-            <a:endParaRPr lang="zh-CN" altLang="en-US" smtClean="0"/>
           </a:p>
           <a:p>
             <a:pPr lvl="2" eaLnBrk="1" latinLnBrk="0" hangingPunct="1"/>
             <a:r>
-              <a:rPr lang="zh-CN" altLang="en-US" smtClean="0"/>
+              <a:rPr lang="zh-CN" altLang="en-US"/>
               <a:t>第三级</a:t>
             </a:r>
-            <a:endParaRPr lang="zh-CN" altLang="en-US" smtClean="0"/>
           </a:p>
           <a:p>
             <a:pPr lvl="3" eaLnBrk="1" latinLnBrk="0" hangingPunct="1"/>
             <a:r>
-              <a:rPr lang="zh-CN" altLang="en-US" smtClean="0"/>
+              <a:rPr lang="zh-CN" altLang="en-US"/>
               <a:t>第四级</a:t>
             </a:r>
-            <a:endParaRPr lang="zh-CN" altLang="en-US" smtClean="0"/>
           </a:p>
           <a:p>
             <a:pPr lvl="4" eaLnBrk="1" latinLnBrk="0" hangingPunct="1"/>
             <a:r>
-              <a:rPr lang="zh-CN" altLang="en-US" smtClean="0"/>
+              <a:rPr lang="zh-CN" altLang="en-US"/>
               <a:t>第五级</a:t>
             </a:r>
             <a:endParaRPr kumimoji="0" lang="en-US"/>
@@ -2954,6 +2949,7 @@
           <a:p>
             <a:fld id="{F5A9ADE2-26F2-48BB-A97D-1CCDE6165635}" type="datetimeFigureOut">
               <a:rPr lang="zh-CN" altLang="en-US" smtClean="0"/>
+              <a:t>2020/12/13</a:t>
             </a:fld>
             <a:endParaRPr lang="zh-CN" altLang="en-US"/>
           </a:p>
@@ -3000,6 +2996,7 @@
           <a:p>
             <a:fld id="{74116332-4630-44AB-BF5A-954235E97337}" type="slidenum">
               <a:rPr lang="zh-CN" altLang="en-US" smtClean="0"/>
+              <a:t>‹#›</a:t>
             </a:fld>
             <a:endParaRPr lang="zh-CN" altLang="en-US"/>
           </a:p>
@@ -3014,7 +3011,7 @@
 </file>
 
 <file path=ppt/slideLayouts/slideLayout9.xml><?xml version="1.0" encoding="utf-8"?>
-<p:sldLayout xmlns:a="http://schemas.openxmlformats.org/drawingml/2006/main" xmlns:r="http://schemas.openxmlformats.org/officeDocument/2006/relationships" xmlns:p="http://schemas.openxmlformats.org/presentationml/2006/main" type="picTx" preserve="1" showMasterSp="0">
+<p:sldLayout xmlns:a="http://schemas.openxmlformats.org/drawingml/2006/main" xmlns:r="http://schemas.openxmlformats.org/officeDocument/2006/relationships" xmlns:p="http://schemas.openxmlformats.org/presentationml/2006/main" showMasterSp="0" type="picTx" preserve="1">
   <p:cSld name="图片与标题">
     <p:spTree>
       <p:nvGrpSpPr>
@@ -3060,7 +3057,7 @@
           </a:lstStyle>
           <a:p>
             <a:r>
-              <a:rPr kumimoji="0" lang="zh-CN" altLang="en-US" smtClean="0"/>
+              <a:rPr kumimoji="0" lang="zh-CN" altLang="en-US"/>
               <a:t>单击此处编辑母版标题样式</a:t>
             </a:r>
             <a:endParaRPr kumimoji="0" lang="en-US"/>
@@ -3128,7 +3125,7 @@
           </a:lstStyle>
           <a:p>
             <a:r>
-              <a:rPr kumimoji="0" lang="zh-CN" altLang="en-US" smtClean="0"/>
+              <a:rPr kumimoji="0" lang="zh-CN" altLang="en-US"/>
               <a:t>单击图标添加图片</a:t>
             </a:r>
             <a:endParaRPr kumimoji="0" lang="en-US" dirty="0"/>
@@ -3183,10 +3180,9 @@
           <a:p>
             <a:pPr lvl="0" eaLnBrk="1" latinLnBrk="0" hangingPunct="1"/>
             <a:r>
-              <a:rPr kumimoji="0" lang="zh-CN" altLang="en-US" smtClean="0"/>
+              <a:rPr kumimoji="0" lang="zh-CN" altLang="en-US"/>
               <a:t>单击此处编辑母版文本样式</a:t>
             </a:r>
-            <a:endParaRPr kumimoji="0" lang="zh-CN" altLang="en-US" smtClean="0"/>
           </a:p>
         </p:txBody>
       </p:sp>
@@ -3212,6 +3208,7 @@
           <a:p>
             <a:fld id="{F5A9ADE2-26F2-48BB-A97D-1CCDE6165635}" type="datetimeFigureOut">
               <a:rPr lang="zh-CN" altLang="en-US" smtClean="0"/>
+              <a:t>2020/12/13</a:t>
             </a:fld>
             <a:endParaRPr lang="zh-CN" altLang="en-US"/>
           </a:p>
@@ -3253,6 +3250,7 @@
           <a:p>
             <a:fld id="{74116332-4630-44AB-BF5A-954235E97337}" type="slidenum">
               <a:rPr lang="zh-CN" altLang="en-US" smtClean="0"/>
+              <a:t>‹#›</a:t>
             </a:fld>
             <a:endParaRPr lang="zh-CN" altLang="en-US"/>
           </a:p>
@@ -3506,7 +3504,7 @@
           <a:lstStyle/>
           <a:p>
             <a:r>
-              <a:rPr kumimoji="0" lang="zh-CN" altLang="en-US" smtClean="0"/>
+              <a:rPr kumimoji="0" lang="zh-CN" altLang="en-US"/>
               <a:t>单击此处编辑母版标题样式</a:t>
             </a:r>
             <a:endParaRPr kumimoji="0" lang="en-US"/>
@@ -3540,39 +3538,35 @@
           <a:p>
             <a:pPr lvl="0" eaLnBrk="1" latinLnBrk="0" hangingPunct="1"/>
             <a:r>
-              <a:rPr kumimoji="0" lang="zh-CN" altLang="en-US" smtClean="0"/>
+              <a:rPr kumimoji="0" lang="zh-CN" altLang="en-US"/>
               <a:t>单击此处编辑母版文本样式</a:t>
             </a:r>
-            <a:endParaRPr kumimoji="0" lang="zh-CN" altLang="en-US" smtClean="0"/>
           </a:p>
           <a:p>
             <a:pPr lvl="1" eaLnBrk="1" latinLnBrk="0" hangingPunct="1"/>
             <a:r>
-              <a:rPr kumimoji="0" lang="zh-CN" altLang="en-US" smtClean="0"/>
+              <a:rPr kumimoji="0" lang="zh-CN" altLang="en-US"/>
               <a:t>第二级</a:t>
             </a:r>
-            <a:endParaRPr kumimoji="0" lang="zh-CN" altLang="en-US" smtClean="0"/>
           </a:p>
           <a:p>
             <a:pPr lvl="2" eaLnBrk="1" latinLnBrk="0" hangingPunct="1"/>
             <a:r>
-              <a:rPr kumimoji="0" lang="zh-CN" altLang="en-US" smtClean="0"/>
+              <a:rPr kumimoji="0" lang="zh-CN" altLang="en-US"/>
               <a:t>第三级</a:t>
             </a:r>
-            <a:endParaRPr kumimoji="0" lang="zh-CN" altLang="en-US" smtClean="0"/>
           </a:p>
           <a:p>
             <a:pPr lvl="3" eaLnBrk="1" latinLnBrk="0" hangingPunct="1"/>
             <a:r>
-              <a:rPr kumimoji="0" lang="zh-CN" altLang="en-US" smtClean="0"/>
+              <a:rPr kumimoji="0" lang="zh-CN" altLang="en-US"/>
               <a:t>第四级</a:t>
             </a:r>
-            <a:endParaRPr kumimoji="0" lang="zh-CN" altLang="en-US" smtClean="0"/>
           </a:p>
           <a:p>
             <a:pPr lvl="4" eaLnBrk="1" latinLnBrk="0" hangingPunct="1"/>
             <a:r>
-              <a:rPr kumimoji="0" lang="zh-CN" altLang="en-US" smtClean="0"/>
+              <a:rPr kumimoji="0" lang="zh-CN" altLang="en-US"/>
               <a:t>第五级</a:t>
             </a:r>
             <a:endParaRPr kumimoji="0" lang="en-US"/>
@@ -3614,6 +3608,7 @@
           <a:p>
             <a:fld id="{F5A9ADE2-26F2-48BB-A97D-1CCDE6165635}" type="datetimeFigureOut">
               <a:rPr lang="zh-CN" altLang="en-US" smtClean="0"/>
+              <a:t>2020/12/13</a:t>
             </a:fld>
             <a:endParaRPr lang="zh-CN" altLang="en-US"/>
           </a:p>
@@ -3691,6 +3686,7 @@
           <a:p>
             <a:fld id="{74116332-4630-44AB-BF5A-954235E97337}" type="slidenum">
               <a:rPr lang="zh-CN" altLang="en-US" smtClean="0"/>
+              <a:t>‹#›</a:t>
             </a:fld>
             <a:endParaRPr lang="zh-CN" altLang="en-US"/>
           </a:p>
@@ -4028,14 +4024,13 @@
           <a:lstStyle/>
           <a:p>
             <a:r>
-              <a:rPr lang="en-US" altLang="zh-CN" dirty="0" err="1" smtClean="0"/>
+              <a:rPr lang="en-US" altLang="zh-CN" dirty="0" err="1"/>
               <a:t>Rocketmq</a:t>
             </a:r>
             <a:r>
-              <a:rPr lang="zh-CN" altLang="en-US" dirty="0" smtClean="0"/>
+              <a:rPr lang="zh-CN" altLang="en-US" dirty="0"/>
               <a:t>消息中间件</a:t>
             </a:r>
-            <a:endParaRPr lang="zh-CN" altLang="en-US" dirty="0"/>
           </a:p>
         </p:txBody>
       </p:sp>
@@ -4055,18 +4050,17 @@
           <a:lstStyle/>
           <a:p>
             <a:r>
-              <a:rPr lang="zh-CN" altLang="en-US" dirty="0" smtClean="0"/>
+              <a:rPr lang="zh-CN" altLang="en-US" dirty="0"/>
               <a:t>高鹏</a:t>
             </a:r>
             <a:r>
-              <a:rPr lang="en-US" altLang="zh-CN" dirty="0" smtClean="0"/>
+              <a:rPr lang="en-US" altLang="zh-CN" dirty="0"/>
               <a:t> </a:t>
             </a:r>
             <a:r>
-              <a:rPr lang="zh-CN" altLang="en-US" dirty="0" smtClean="0"/>
+              <a:rPr lang="zh-CN" altLang="en-US" dirty="0"/>
               <a:t>姜洋</a:t>
             </a:r>
-            <a:endParaRPr lang="zh-CN" altLang="en-US" dirty="0" smtClean="0"/>
           </a:p>
         </p:txBody>
       </p:sp>
@@ -4112,10 +4106,9 @@
           <a:p>
             <a:pPr algn="ctr"/>
             <a:r>
-              <a:rPr lang="zh-CN" altLang="en-US" dirty="0" smtClean="0"/>
+              <a:rPr lang="zh-CN" altLang="en-US" dirty="0"/>
               <a:t>简单系统结构</a:t>
             </a:r>
-            <a:endParaRPr lang="zh-CN" altLang="en-US" dirty="0"/>
           </a:p>
         </p:txBody>
       </p:sp>
@@ -4156,18 +4149,17 @@
           <a:p>
             <a:pPr algn="ctr"/>
             <a:r>
-              <a:rPr lang="zh-CN" altLang="en-US" dirty="0" smtClean="0"/>
+              <a:rPr lang="zh-CN" altLang="en-US" dirty="0"/>
               <a:t>生产者（</a:t>
             </a:r>
             <a:r>
-              <a:rPr lang="en-US" altLang="zh-CN" dirty="0" smtClean="0"/>
+              <a:rPr lang="en-US" altLang="zh-CN" dirty="0"/>
               <a:t>Producer</a:t>
             </a:r>
             <a:r>
-              <a:rPr lang="zh-CN" altLang="en-US" dirty="0" smtClean="0"/>
+              <a:rPr lang="zh-CN" altLang="en-US" dirty="0"/>
               <a:t>）</a:t>
             </a:r>
-            <a:endParaRPr lang="zh-CN" altLang="en-US" dirty="0"/>
           </a:p>
         </p:txBody>
       </p:sp>
@@ -4208,18 +4200,17 @@
           <a:p>
             <a:pPr algn="ctr"/>
             <a:r>
-              <a:rPr lang="zh-CN" altLang="en-US" dirty="0" smtClean="0"/>
+              <a:rPr lang="zh-CN" altLang="en-US" dirty="0"/>
               <a:t>消息队列（</a:t>
             </a:r>
             <a:r>
-              <a:rPr lang="en-US" altLang="zh-CN" dirty="0" smtClean="0"/>
+              <a:rPr lang="en-US" altLang="zh-CN" dirty="0"/>
               <a:t>Broker</a:t>
             </a:r>
             <a:r>
-              <a:rPr lang="zh-CN" altLang="en-US" dirty="0" smtClean="0"/>
+              <a:rPr lang="zh-CN" altLang="en-US" dirty="0"/>
               <a:t>）</a:t>
             </a:r>
-            <a:endParaRPr lang="zh-CN" altLang="en-US" dirty="0"/>
           </a:p>
         </p:txBody>
       </p:sp>
@@ -4260,18 +4251,17 @@
           <a:p>
             <a:pPr algn="ctr"/>
             <a:r>
-              <a:rPr lang="zh-CN" altLang="en-US" dirty="0" smtClean="0"/>
+              <a:rPr lang="zh-CN" altLang="en-US" dirty="0"/>
               <a:t>消费者（</a:t>
             </a:r>
             <a:r>
-              <a:rPr lang="en-US" altLang="zh-CN" dirty="0" smtClean="0"/>
+              <a:rPr lang="en-US" altLang="zh-CN" dirty="0"/>
               <a:t>Consumer</a:t>
             </a:r>
             <a:r>
-              <a:rPr lang="zh-CN" altLang="en-US" dirty="0" smtClean="0"/>
+              <a:rPr lang="zh-CN" altLang="en-US" dirty="0"/>
               <a:t>）</a:t>
             </a:r>
-            <a:endParaRPr lang="zh-CN" altLang="en-US" dirty="0"/>
           </a:p>
         </p:txBody>
       </p:sp>
@@ -4312,10 +4302,9 @@
           <a:p>
             <a:pPr algn="ctr"/>
             <a:r>
-              <a:rPr lang="zh-CN" altLang="en-US" dirty="0" smtClean="0"/>
+              <a:rPr lang="zh-CN" altLang="en-US" dirty="0"/>
               <a:t>发送</a:t>
             </a:r>
-            <a:endParaRPr lang="zh-CN" altLang="en-US" dirty="0"/>
           </a:p>
         </p:txBody>
       </p:sp>
@@ -4356,10 +4345,9 @@
           <a:p>
             <a:pPr algn="ctr"/>
             <a:r>
-              <a:rPr lang="zh-CN" altLang="en-US" dirty="0" smtClean="0"/>
+              <a:rPr lang="zh-CN" altLang="en-US" dirty="0"/>
               <a:t>消费</a:t>
             </a:r>
-            <a:endParaRPr lang="zh-CN" altLang="en-US" dirty="0"/>
           </a:p>
         </p:txBody>
       </p:sp>
@@ -4400,10 +4388,9 @@
           <a:p>
             <a:pPr algn="ctr"/>
             <a:r>
-              <a:rPr lang="zh-CN" altLang="en-US" dirty="0" smtClean="0"/>
+              <a:rPr lang="zh-CN" altLang="en-US" dirty="0"/>
               <a:t>确认</a:t>
             </a:r>
-            <a:endParaRPr lang="zh-CN" altLang="en-US" dirty="0"/>
           </a:p>
         </p:txBody>
       </p:sp>
@@ -4412,13 +4399,6 @@
   <p:clrMapOvr>
     <a:masterClrMapping/>
   </p:clrMapOvr>
-  <p:timing>
-    <p:tnLst>
-      <p:par>
-        <p:cTn id="1" dur="indefinite" restart="never" nodeType="tmRoot"/>
-      </p:par>
-    </p:tnLst>
-  </p:timing>
 </p:sld>
 </file>
 
@@ -4456,10 +4436,9 @@
           <a:p>
             <a:pPr algn="ctr"/>
             <a:r>
-              <a:rPr lang="zh-CN" altLang="en-US" dirty="0" smtClean="0"/>
+              <a:rPr lang="zh-CN" altLang="en-US" dirty="0"/>
               <a:t>集群结构</a:t>
             </a:r>
-            <a:endParaRPr lang="zh-CN" altLang="en-US" dirty="0"/>
           </a:p>
         </p:txBody>
       </p:sp>
@@ -4500,7 +4479,7 @@
           <a:p>
             <a:pPr algn="ctr"/>
             <a:r>
-              <a:rPr lang="en-US" altLang="zh-CN" dirty="0" smtClean="0"/>
+              <a:rPr lang="en-US" altLang="zh-CN" dirty="0"/>
               <a:t>Broker</a:t>
             </a:r>
             <a:endParaRPr lang="zh-CN" altLang="en-US" dirty="0"/>
@@ -4544,7 +4523,7 @@
           <a:p>
             <a:pPr algn="ctr"/>
             <a:r>
-              <a:rPr lang="en-US" altLang="zh-CN" dirty="0" smtClean="0"/>
+              <a:rPr lang="en-US" altLang="zh-CN" dirty="0"/>
               <a:t>Broker</a:t>
             </a:r>
             <a:endParaRPr lang="zh-CN" altLang="en-US" dirty="0"/>
@@ -4588,7 +4567,7 @@
           <a:p>
             <a:pPr algn="ctr"/>
             <a:r>
-              <a:rPr lang="en-US" altLang="zh-CN" dirty="0" smtClean="0">
+              <a:rPr lang="en-US" altLang="zh-CN" dirty="0">
                 <a:sym typeface="+mn-ea"/>
               </a:rPr>
               <a:t>Producer1</a:t>
@@ -4634,10 +4613,9 @@
           <a:p>
             <a:pPr algn="ctr"/>
             <a:r>
-              <a:rPr lang="zh-CN" altLang="en-US" dirty="0" smtClean="0"/>
+              <a:rPr lang="zh-CN" altLang="en-US" dirty="0"/>
               <a:t>发送</a:t>
             </a:r>
-            <a:endParaRPr lang="zh-CN" altLang="en-US" dirty="0"/>
           </a:p>
         </p:txBody>
       </p:sp>
@@ -4678,18 +4656,17 @@
           <a:p>
             <a:pPr algn="ctr"/>
             <a:r>
-              <a:rPr lang="zh-CN" altLang="en-US" dirty="0" smtClean="0"/>
+              <a:rPr lang="zh-CN" altLang="en-US" dirty="0"/>
               <a:t>消费</a:t>
             </a:r>
             <a:r>
-              <a:rPr lang="en-US" altLang="zh-CN" dirty="0" smtClean="0"/>
+              <a:rPr lang="en-US" altLang="zh-CN" dirty="0"/>
               <a:t>/</a:t>
             </a:r>
             <a:r>
-              <a:rPr lang="zh-CN" altLang="en-US" dirty="0" smtClean="0"/>
+              <a:rPr lang="zh-CN" altLang="en-US" dirty="0"/>
               <a:t>确认</a:t>
             </a:r>
-            <a:endParaRPr lang="zh-CN" altLang="en-US" dirty="0"/>
           </a:p>
         </p:txBody>
       </p:sp>
@@ -4717,18 +4694,17 @@
           <a:p>
             <a:pPr algn="ctr"/>
             <a:r>
-              <a:rPr lang="zh-CN" altLang="en-US" dirty="0" smtClean="0"/>
+              <a:rPr lang="zh-CN" altLang="en-US" dirty="0"/>
               <a:t>生产者集群（</a:t>
             </a:r>
             <a:r>
-              <a:rPr lang="en-US" altLang="zh-CN" dirty="0" smtClean="0"/>
+              <a:rPr lang="en-US" altLang="zh-CN" dirty="0"/>
               <a:t>Producer Group</a:t>
             </a:r>
             <a:r>
-              <a:rPr lang="zh-CN" altLang="en-US" dirty="0" smtClean="0"/>
+              <a:rPr lang="zh-CN" altLang="en-US" dirty="0"/>
               <a:t>）</a:t>
             </a:r>
-            <a:endParaRPr lang="zh-CN" altLang="en-US" dirty="0"/>
           </a:p>
         </p:txBody>
       </p:sp>
@@ -4757,21 +4733,16 @@
             <a:pPr algn="ctr"/>
             <a:r>
               <a:rPr lang="zh-CN" altLang="en-US" dirty="0"/>
-              <a:t>消费</a:t>
-            </a:r>
-            <a:r>
-              <a:rPr lang="zh-CN" altLang="en-US" dirty="0" smtClean="0"/>
-              <a:t>者集群（</a:t>
-            </a:r>
-            <a:r>
-              <a:rPr lang="en-US" altLang="zh-CN" dirty="0" smtClean="0"/>
+              <a:t>消费者集群（</a:t>
+            </a:r>
+            <a:r>
+              <a:rPr lang="en-US" altLang="zh-CN" dirty="0"/>
               <a:t>Consumer Group</a:t>
             </a:r>
             <a:r>
-              <a:rPr lang="zh-CN" altLang="en-US" dirty="0" smtClean="0"/>
+              <a:rPr lang="zh-CN" altLang="en-US" dirty="0"/>
               <a:t>）</a:t>
             </a:r>
-            <a:endParaRPr lang="zh-CN" altLang="en-US" dirty="0"/>
           </a:p>
         </p:txBody>
       </p:sp>
@@ -4808,10 +4779,11 @@
         </p:style>
         <p:txBody>
           <a:bodyPr rtlCol="0" anchor="ctr"/>
+          <a:lstStyle/>
           <a:p>
             <a:pPr algn="ctr"/>
             <a:r>
-              <a:rPr lang="en-US" altLang="zh-CN" dirty="0" smtClean="0">
+              <a:rPr lang="en-US" altLang="zh-CN" dirty="0">
                 <a:sym typeface="+mn-ea"/>
               </a:rPr>
               <a:t>Producer2</a:t>
@@ -4857,7 +4829,7 @@
           <a:p>
             <a:pPr algn="ctr"/>
             <a:r>
-              <a:rPr lang="en-US" altLang="zh-CN" dirty="0" smtClean="0">
+              <a:rPr lang="en-US" altLang="zh-CN" dirty="0">
                 <a:sym typeface="+mn-ea"/>
               </a:rPr>
               <a:t>Producer3</a:t>
@@ -4903,7 +4875,7 @@
           <a:p>
             <a:pPr algn="ctr"/>
             <a:r>
-              <a:rPr lang="en-US" altLang="zh-CN" dirty="0" smtClean="0">
+              <a:rPr lang="en-US" altLang="zh-CN" dirty="0">
                 <a:sym typeface="+mn-ea"/>
               </a:rPr>
               <a:t>Producer4</a:t>
@@ -4945,10 +4917,11 @@
         </p:style>
         <p:txBody>
           <a:bodyPr rtlCol="0" anchor="ctr"/>
+          <a:lstStyle/>
           <a:p>
             <a:pPr algn="ctr"/>
             <a:r>
-              <a:rPr lang="en-US" altLang="zh-CN" dirty="0" smtClean="0">
+              <a:rPr lang="en-US" altLang="zh-CN" dirty="0">
                 <a:sym typeface="+mn-ea"/>
               </a:rPr>
               <a:t>Consumer1</a:t>
@@ -4990,10 +4963,11 @@
         </p:style>
         <p:txBody>
           <a:bodyPr rtlCol="0" anchor="ctr"/>
+          <a:lstStyle/>
           <a:p>
             <a:pPr algn="ctr"/>
             <a:r>
-              <a:rPr lang="en-US" altLang="zh-CN" dirty="0" smtClean="0">
+              <a:rPr lang="en-US" altLang="zh-CN" dirty="0">
                 <a:sym typeface="+mn-ea"/>
               </a:rPr>
               <a:t>Consumer2</a:t>
@@ -5035,10 +5009,11 @@
         </p:style>
         <p:txBody>
           <a:bodyPr rtlCol="0" anchor="ctr"/>
+          <a:lstStyle/>
           <a:p>
             <a:pPr algn="ctr"/>
             <a:r>
-              <a:rPr lang="en-US" altLang="zh-CN" dirty="0" smtClean="0">
+              <a:rPr lang="en-US" altLang="zh-CN" dirty="0">
                 <a:sym typeface="+mn-ea"/>
               </a:rPr>
               <a:t>Consumer3</a:t>
@@ -5052,13 +5027,6 @@
   <p:clrMapOvr>
     <a:masterClrMapping/>
   </p:clrMapOvr>
-  <p:timing>
-    <p:tnLst>
-      <p:par>
-        <p:cTn id="1" dur="indefinite" restart="never" nodeType="tmRoot"/>
-      </p:par>
-    </p:tnLst>
-  </p:timing>
 </p:sld>
 </file>
 
@@ -5096,10 +5064,9 @@
           <a:p>
             <a:pPr algn="ctr"/>
             <a:r>
-              <a:rPr lang="zh-CN" altLang="en-US" dirty="0" smtClean="0"/>
+              <a:rPr lang="zh-CN" altLang="en-US" dirty="0"/>
               <a:t>消息模型</a:t>
             </a:r>
-            <a:endParaRPr lang="zh-CN" altLang="en-US" dirty="0"/>
           </a:p>
         </p:txBody>
       </p:sp>
@@ -5119,42 +5086,37 @@
           <a:lstStyle/>
           <a:p>
             <a:r>
-              <a:rPr lang="en-US" altLang="zh-CN" dirty="0" smtClean="0"/>
+              <a:rPr lang="en-US" altLang="zh-CN" dirty="0"/>
               <a:t>Publish/Subscribe</a:t>
             </a:r>
             <a:r>
-              <a:rPr lang="zh-CN" altLang="en-US" dirty="0" smtClean="0"/>
+              <a:rPr lang="zh-CN" altLang="en-US" dirty="0"/>
               <a:t>（发送</a:t>
             </a:r>
             <a:r>
-              <a:rPr lang="en-US" altLang="zh-CN" dirty="0" smtClean="0"/>
+              <a:rPr lang="en-US" altLang="zh-CN" dirty="0"/>
               <a:t>/</a:t>
             </a:r>
             <a:r>
-              <a:rPr lang="zh-CN" altLang="en-US" dirty="0" smtClean="0"/>
+              <a:rPr lang="zh-CN" altLang="en-US" dirty="0"/>
               <a:t>订阅）</a:t>
             </a:r>
-            <a:endParaRPr lang="en-US" altLang="zh-CN" dirty="0" smtClean="0"/>
+            <a:endParaRPr lang="en-US" altLang="zh-CN" dirty="0"/>
           </a:p>
           <a:p>
             <a:pPr lvl="1"/>
             <a:r>
-              <a:rPr lang="zh-CN" altLang="en-US" dirty="0" smtClean="0"/>
+              <a:rPr lang="zh-CN" altLang="en-US" dirty="0"/>
               <a:t>每个消息可以有多个订阅者</a:t>
             </a:r>
-            <a:endParaRPr lang="en-US" altLang="zh-CN" dirty="0" smtClean="0"/>
+            <a:endParaRPr lang="en-US" altLang="zh-CN" dirty="0"/>
           </a:p>
           <a:p>
             <a:pPr lvl="1"/>
             <a:r>
               <a:rPr lang="zh-CN" altLang="en-US" dirty="0"/>
-              <a:t>客户端</a:t>
-            </a:r>
-            <a:r>
-              <a:rPr lang="zh-CN" altLang="en-US" dirty="0" smtClean="0"/>
-              <a:t>只有订阅后才能接收消息</a:t>
-            </a:r>
-            <a:endParaRPr lang="zh-CN" altLang="en-US" dirty="0"/>
+              <a:t>客户端只有订阅后才能接收消息</a:t>
+            </a:r>
           </a:p>
         </p:txBody>
       </p:sp>
@@ -5195,7 +5157,7 @@
           <a:p>
             <a:pPr algn="ctr"/>
             <a:r>
-              <a:rPr lang="en-US" altLang="zh-CN" dirty="0" smtClean="0"/>
+              <a:rPr lang="en-US" altLang="zh-CN" dirty="0"/>
               <a:t>Client1</a:t>
             </a:r>
             <a:endParaRPr lang="zh-CN" altLang="en-US" dirty="0"/>
@@ -5283,7 +5245,7 @@
           <a:p>
             <a:pPr algn="ctr"/>
             <a:r>
-              <a:rPr lang="en-US" altLang="zh-CN" dirty="0" smtClean="0"/>
+              <a:rPr lang="en-US" altLang="zh-CN" dirty="0"/>
               <a:t>Client2</a:t>
             </a:r>
             <a:endParaRPr lang="zh-CN" altLang="en-US" dirty="0"/>
@@ -5327,7 +5289,7 @@
           <a:p>
             <a:pPr algn="ctr"/>
             <a:r>
-              <a:rPr lang="en-US" altLang="zh-CN" dirty="0" smtClean="0"/>
+              <a:rPr lang="en-US" altLang="zh-CN" dirty="0"/>
               <a:t>Client3</a:t>
             </a:r>
             <a:endParaRPr lang="zh-CN" altLang="en-US" dirty="0"/>
@@ -5371,10 +5333,9 @@
           <a:p>
             <a:pPr algn="ctr"/>
             <a:r>
-              <a:rPr lang="zh-CN" altLang="en-US" dirty="0" smtClean="0"/>
+              <a:rPr lang="zh-CN" altLang="en-US" dirty="0"/>
               <a:t>发送</a:t>
             </a:r>
-            <a:endParaRPr lang="zh-CN" altLang="en-US" dirty="0"/>
           </a:p>
         </p:txBody>
       </p:sp>
@@ -5599,10 +5560,9 @@
           <a:lstStyle/>
           <a:p>
             <a:r>
-              <a:rPr lang="zh-CN" altLang="en-US" dirty="0" smtClean="0"/>
+              <a:rPr lang="zh-CN" altLang="en-US" dirty="0"/>
               <a:t>订阅</a:t>
             </a:r>
-            <a:endParaRPr lang="zh-CN" altLang="en-US" dirty="0"/>
           </a:p>
         </p:txBody>
       </p:sp>
@@ -5629,10 +5589,9 @@
           <a:lstStyle/>
           <a:p>
             <a:r>
-              <a:rPr lang="zh-CN" altLang="en-US" dirty="0" smtClean="0"/>
+              <a:rPr lang="zh-CN" altLang="en-US" dirty="0"/>
               <a:t>消费</a:t>
             </a:r>
-            <a:endParaRPr lang="zh-CN" altLang="en-US" dirty="0"/>
           </a:p>
         </p:txBody>
       </p:sp>
@@ -5662,7 +5621,6 @@
               <a:rPr lang="zh-CN" altLang="en-US" dirty="0"/>
               <a:t>确认</a:t>
             </a:r>
-            <a:endParaRPr lang="zh-CN" altLang="en-US" dirty="0"/>
           </a:p>
         </p:txBody>
       </p:sp>
@@ -5689,10 +5647,9 @@
           <a:lstStyle/>
           <a:p>
             <a:r>
-              <a:rPr lang="zh-CN" altLang="en-US" dirty="0" smtClean="0"/>
+              <a:rPr lang="zh-CN" altLang="en-US" dirty="0"/>
               <a:t>订阅</a:t>
             </a:r>
-            <a:endParaRPr lang="zh-CN" altLang="en-US" dirty="0"/>
           </a:p>
         </p:txBody>
       </p:sp>
@@ -5722,7 +5679,6 @@
               <a:rPr lang="zh-CN" altLang="en-US" dirty="0"/>
               <a:t>消费</a:t>
             </a:r>
-            <a:endParaRPr lang="zh-CN" altLang="en-US" dirty="0"/>
           </a:p>
         </p:txBody>
       </p:sp>
@@ -5749,10 +5705,9 @@
           <a:lstStyle/>
           <a:p>
             <a:r>
-              <a:rPr lang="zh-CN" altLang="en-US" dirty="0" smtClean="0"/>
+              <a:rPr lang="zh-CN" altLang="en-US" dirty="0"/>
               <a:t>确认</a:t>
             </a:r>
-            <a:endParaRPr lang="zh-CN" altLang="en-US" dirty="0"/>
           </a:p>
         </p:txBody>
       </p:sp>
@@ -5793,7 +5748,7 @@
           <a:p>
             <a:pPr algn="ctr"/>
             <a:r>
-              <a:rPr lang="en-US" altLang="zh-CN" dirty="0" smtClean="0"/>
+              <a:rPr lang="en-US" altLang="zh-CN" dirty="0"/>
               <a:t>MSG</a:t>
             </a:r>
             <a:endParaRPr lang="zh-CN" altLang="en-US" dirty="0"/>
@@ -5837,7 +5792,7 @@
           <a:p>
             <a:pPr algn="ctr"/>
             <a:r>
-              <a:rPr lang="en-US" altLang="zh-CN" dirty="0" smtClean="0"/>
+              <a:rPr lang="en-US" altLang="zh-CN" dirty="0"/>
               <a:t>MSG</a:t>
             </a:r>
             <a:endParaRPr lang="zh-CN" altLang="en-US" dirty="0"/>
@@ -5881,7 +5836,7 @@
           <a:p>
             <a:pPr algn="ctr"/>
             <a:r>
-              <a:rPr lang="en-US" altLang="zh-CN" dirty="0" smtClean="0"/>
+              <a:rPr lang="en-US" altLang="zh-CN" dirty="0"/>
               <a:t>MSG</a:t>
             </a:r>
             <a:endParaRPr lang="zh-CN" altLang="en-US" dirty="0"/>
@@ -5925,7 +5880,7 @@
           <a:p>
             <a:pPr algn="ctr"/>
             <a:r>
-              <a:rPr lang="en-US" altLang="zh-CN" dirty="0" smtClean="0"/>
+              <a:rPr lang="en-US" altLang="zh-CN" dirty="0"/>
               <a:t>MSG</a:t>
             </a:r>
             <a:endParaRPr lang="zh-CN" altLang="en-US" dirty="0"/>
@@ -6282,14 +6237,13 @@
           <a:p>
             <a:pPr algn="ctr"/>
             <a:r>
-              <a:rPr lang="en-US" altLang="zh-CN" dirty="0" err="1" smtClean="0"/>
+              <a:rPr lang="en-US" altLang="zh-CN" dirty="0" err="1"/>
               <a:t>RocketMQ</a:t>
             </a:r>
             <a:r>
-              <a:rPr lang="zh-CN" altLang="en-US" dirty="0" smtClean="0"/>
+              <a:rPr lang="zh-CN" altLang="en-US" dirty="0"/>
               <a:t>部署结构</a:t>
             </a:r>
-            <a:endParaRPr lang="zh-CN" altLang="en-US" dirty="0"/>
           </a:p>
         </p:txBody>
       </p:sp>
@@ -6302,7 +6256,7 @@
           <p:nvPr/>
         </p:nvPicPr>
         <p:blipFill>
-          <a:blip r:embed="rId1">
+          <a:blip r:embed="rId2">
             <a:extLst>
               <a:ext uri="{28A0092B-C50C-407E-A947-70E740481C1C}">
                 <a14:useLocalDpi xmlns:a14="http://schemas.microsoft.com/office/drawing/2010/main" val="0"/>
@@ -6357,18 +6311,81 @@
           </a:extLst>
         </p:spPr>
       </p:pic>
+      <p:pic>
+        <p:nvPicPr>
+          <p:cNvPr id="4" name="Picture 2">
+            <a:extLst>
+              <a:ext uri="{FF2B5EF4-FFF2-40B4-BE49-F238E27FC236}">
+                <a16:creationId xmlns:a16="http://schemas.microsoft.com/office/drawing/2014/main" id="{E13D5304-67EB-4C32-9167-2DE554725321}"/>
+              </a:ext>
+            </a:extLst>
+          </p:cNvPr>
+          <p:cNvPicPr>
+            <a:picLocks noChangeAspect="1" noChangeArrowheads="1"/>
+          </p:cNvPicPr>
+          <p:nvPr/>
+        </p:nvPicPr>
+        <p:blipFill>
+          <a:blip r:embed="rId2">
+            <a:extLst>
+              <a:ext uri="{28A0092B-C50C-407E-A947-70E740481C1C}">
+                <a14:useLocalDpi xmlns:a14="http://schemas.microsoft.com/office/drawing/2010/main" val="0"/>
+              </a:ext>
+            </a:extLst>
+          </a:blip>
+          <a:srcRect/>
+          <a:stretch>
+            <a:fillRect/>
+          </a:stretch>
+        </p:blipFill>
+        <p:spPr bwMode="auto">
+          <a:xfrm>
+            <a:off x="132320" y="1417638"/>
+            <a:ext cx="8879359" cy="5116621"/>
+          </a:xfrm>
+          <a:prstGeom prst="rect">
+            <a:avLst/>
+          </a:prstGeom>
+          <a:noFill/>
+          <a:ln>
+            <a:noFill/>
+          </a:ln>
+          <a:effectLst/>
+          <a:extLst>
+            <a:ext uri="{909E8E84-426E-40DD-AFC4-6F175D3DCCD1}">
+              <a14:hiddenFill xmlns:a14="http://schemas.microsoft.com/office/drawing/2010/main">
+                <a:solidFill>
+                  <a:schemeClr val="accent1"/>
+                </a:solidFill>
+              </a14:hiddenFill>
+            </a:ext>
+            <a:ext uri="{91240B29-F687-4F45-9708-019B960494DF}">
+              <a14:hiddenLine xmlns:a14="http://schemas.microsoft.com/office/drawing/2010/main" w="9525">
+                <a:solidFill>
+                  <a:schemeClr val="tx1"/>
+                </a:solidFill>
+                <a:miter lim="800000"/>
+                <a:headEnd/>
+                <a:tailEnd/>
+              </a14:hiddenLine>
+            </a:ext>
+            <a:ext uri="{AF507438-7753-43E0-B8FC-AC1667EBCBE1}">
+              <a14:hiddenEffects xmlns:a14="http://schemas.microsoft.com/office/drawing/2010/main">
+                <a:effectLst>
+                  <a:outerShdw dist="35921" dir="2700000" algn="ctr" rotWithShape="0">
+                    <a:schemeClr val="bg2"/>
+                  </a:outerShdw>
+                </a:effectLst>
+              </a14:hiddenEffects>
+            </a:ext>
+          </a:extLst>
+        </p:spPr>
+      </p:pic>
     </p:spTree>
   </p:cSld>
   <p:clrMapOvr>
     <a:masterClrMapping/>
   </p:clrMapOvr>
-  <p:timing>
-    <p:tnLst>
-      <p:par>
-        <p:cTn id="1" dur="indefinite" restart="never" nodeType="tmRoot"/>
-      </p:par>
-    </p:tnLst>
-  </p:timing>
 </p:sld>
 </file>
 
@@ -6406,10 +6423,9 @@
           <a:p>
             <a:pPr algn="ctr"/>
             <a:r>
-              <a:rPr lang="zh-CN" altLang="en-US" dirty="0" smtClean="0"/>
+              <a:rPr lang="zh-CN" altLang="en-US" dirty="0"/>
               <a:t>队列模型</a:t>
             </a:r>
-            <a:endParaRPr lang="zh-CN" altLang="en-US" dirty="0"/>
           </a:p>
         </p:txBody>
       </p:sp>
@@ -6422,7 +6438,7 @@
           <p:nvPr/>
         </p:nvPicPr>
         <p:blipFill>
-          <a:blip r:embed="rId1">
+          <a:blip r:embed="rId2">
             <a:extLst>
               <a:ext uri="{28A0092B-C50C-407E-A947-70E740481C1C}">
                 <a14:useLocalDpi xmlns:a14="http://schemas.microsoft.com/office/drawing/2010/main" val="0"/>
@@ -6482,13 +6498,6 @@
   <p:clrMapOvr>
     <a:masterClrMapping/>
   </p:clrMapOvr>
-  <p:timing>
-    <p:tnLst>
-      <p:par>
-        <p:cTn id="1" dur="indefinite" restart="never" nodeType="tmRoot"/>
-      </p:par>
-    </p:tnLst>
-  </p:timing>
 </p:sld>
 </file>
 
@@ -6501,7 +6510,14 @@
         <p:cNvGrpSpPr/>
         <p:nvPr/>
       </p:nvGrpSpPr>
-      <p:grpSpPr/>
+      <p:grpSpPr>
+        <a:xfrm>
+          <a:off x="0" y="0"/>
+          <a:ext cx="0" cy="0"/>
+          <a:chOff x="0" y="0"/>
+          <a:chExt cx="0" cy="0"/>
+        </a:xfrm>
+      </p:grpSpPr>
       <p:sp>
         <p:nvSpPr>
           <p:cNvPr id="2" name="标题 1"/>
@@ -6515,10 +6531,11 @@
         <p:spPr/>
         <p:txBody>
           <a:bodyPr/>
+          <a:lstStyle/>
           <a:p>
             <a:pPr algn="ctr"/>
             <a:r>
-              <a:rPr lang="zh-CN" altLang="en-US" dirty="0" smtClean="0">
+              <a:rPr lang="zh-CN" altLang="en-US" dirty="0">
                 <a:sym typeface="+mn-ea"/>
               </a:rPr>
               <a:t>队列模型</a:t>
@@ -6531,14 +6548,14 @@
         <p:nvPicPr>
           <p:cNvPr id="4" name="内容占位符 3"/>
           <p:cNvPicPr>
-            <a:picLocks noChangeAspect="1"/>
+            <a:picLocks noGrp="1" noChangeAspect="1"/>
           </p:cNvPicPr>
           <p:nvPr>
             <p:ph idx="1"/>
           </p:nvPr>
         </p:nvPicPr>
         <p:blipFill>
-          <a:blip r:embed="rId1"/>
+          <a:blip r:embed="rId2"/>
           <a:stretch>
             <a:fillRect/>
           </a:stretch>
@@ -6595,10 +6612,9 @@
           <a:p>
             <a:pPr algn="ctr"/>
             <a:r>
-              <a:rPr lang="zh-CN" altLang="en-US" dirty="0" smtClean="0"/>
+              <a:rPr lang="zh-CN" altLang="en-US" dirty="0"/>
               <a:t>发送负载均衡</a:t>
             </a:r>
-            <a:endParaRPr lang="zh-CN" altLang="en-US" dirty="0"/>
           </a:p>
         </p:txBody>
       </p:sp>
@@ -6611,7 +6627,7 @@
           <p:nvPr/>
         </p:nvPicPr>
         <p:blipFill>
-          <a:blip r:embed="rId1">
+          <a:blip r:embed="rId2">
             <a:extLst>
               <a:ext uri="{28A0092B-C50C-407E-A947-70E740481C1C}">
                 <a14:useLocalDpi xmlns:a14="http://schemas.microsoft.com/office/drawing/2010/main" val="0"/>
@@ -6671,13 +6687,6 @@
   <p:clrMapOvr>
     <a:masterClrMapping/>
   </p:clrMapOvr>
-  <p:timing>
-    <p:tnLst>
-      <p:par>
-        <p:cTn id="1" dur="indefinite" restart="never" nodeType="tmRoot"/>
-      </p:par>
-    </p:tnLst>
-  </p:timing>
 </p:sld>
 </file>
 
@@ -6715,10 +6724,9 @@
           <a:p>
             <a:pPr algn="ctr"/>
             <a:r>
-              <a:rPr lang="zh-CN" altLang="en-US" dirty="0" smtClean="0"/>
+              <a:rPr lang="zh-CN" altLang="en-US" dirty="0"/>
               <a:t>消费负载均衡</a:t>
             </a:r>
-            <a:endParaRPr lang="zh-CN" altLang="en-US" dirty="0"/>
           </a:p>
         </p:txBody>
       </p:sp>
@@ -6731,7 +6739,7 @@
           <p:nvPr/>
         </p:nvPicPr>
         <p:blipFill>
-          <a:blip r:embed="rId1">
+          <a:blip r:embed="rId2">
             <a:extLst>
               <a:ext uri="{28A0092B-C50C-407E-A947-70E740481C1C}">
                 <a14:useLocalDpi xmlns:a14="http://schemas.microsoft.com/office/drawing/2010/main" val="0"/>
@@ -6791,13 +6799,6 @@
   <p:clrMapOvr>
     <a:masterClrMapping/>
   </p:clrMapOvr>
-  <p:timing>
-    <p:tnLst>
-      <p:par>
-        <p:cTn id="1" dur="indefinite" restart="never" nodeType="tmRoot"/>
-      </p:par>
-    </p:tnLst>
-  </p:timing>
 </p:sld>
 </file>
 
@@ -6838,7 +6839,6 @@
               <a:rPr lang="zh-CN" altLang="en-US" dirty="0"/>
               <a:t>消费负载均衡</a:t>
             </a:r>
-            <a:endParaRPr lang="zh-CN" altLang="en-US" dirty="0"/>
           </a:p>
         </p:txBody>
       </p:sp>
@@ -6851,7 +6851,7 @@
           <p:nvPr/>
         </p:nvPicPr>
         <p:blipFill>
-          <a:blip r:embed="rId1">
+          <a:blip r:embed="rId2">
             <a:extLst>
               <a:ext uri="{28A0092B-C50C-407E-A947-70E740481C1C}">
                 <a14:useLocalDpi xmlns:a14="http://schemas.microsoft.com/office/drawing/2010/main" val="0"/>
@@ -6911,13 +6911,6 @@
   <p:clrMapOvr>
     <a:masterClrMapping/>
   </p:clrMapOvr>
-  <p:timing>
-    <p:tnLst>
-      <p:par>
-        <p:cTn id="1" dur="indefinite" restart="never" nodeType="tmRoot"/>
-      </p:par>
-    </p:tnLst>
-  </p:timing>
 </p:sld>
 </file>
 
@@ -6955,18 +6948,17 @@
           <a:p>
             <a:pPr algn="ctr"/>
             <a:r>
-              <a:rPr lang="zh-CN" altLang="en-US" dirty="0" smtClean="0"/>
+              <a:rPr lang="zh-CN" altLang="en-US" dirty="0"/>
               <a:t>消息质量（</a:t>
             </a:r>
             <a:r>
-              <a:rPr lang="en-US" altLang="zh-CN" dirty="0" smtClean="0"/>
+              <a:rPr lang="en-US" altLang="zh-CN" dirty="0"/>
               <a:t>QOS</a:t>
             </a:r>
             <a:r>
-              <a:rPr lang="zh-CN" altLang="en-US" dirty="0" smtClean="0"/>
+              <a:rPr lang="zh-CN" altLang="en-US" dirty="0"/>
               <a:t>）级别</a:t>
             </a:r>
-            <a:endParaRPr lang="zh-CN" altLang="en-US" dirty="0"/>
           </a:p>
         </p:txBody>
       </p:sp>
@@ -6986,48 +6978,45 @@
           <a:lstStyle/>
           <a:p>
             <a:r>
-              <a:rPr lang="en-US" altLang="zh-CN" dirty="0" smtClean="0"/>
+              <a:rPr lang="en-US" altLang="zh-CN" dirty="0"/>
               <a:t>Exactly-once</a:t>
             </a:r>
-            <a:endParaRPr lang="en-US" altLang="zh-CN" dirty="0" smtClean="0"/>
           </a:p>
           <a:p>
             <a:pPr lvl="1"/>
             <a:r>
-              <a:rPr lang="zh-CN" altLang="en-US" dirty="0" smtClean="0"/>
+              <a:rPr lang="zh-CN" altLang="en-US" dirty="0"/>
               <a:t>投递且仅投递一次</a:t>
             </a:r>
-            <a:endParaRPr lang="en-US" altLang="zh-CN" dirty="0" smtClean="0"/>
-          </a:p>
-          <a:p>
-            <a:r>
-              <a:rPr lang="en-US" altLang="zh-CN" dirty="0" smtClean="0"/>
+            <a:endParaRPr lang="en-US" altLang="zh-CN" dirty="0"/>
+          </a:p>
+          <a:p>
+            <a:r>
+              <a:rPr lang="en-US" altLang="zh-CN" dirty="0"/>
               <a:t>At-least-once</a:t>
             </a:r>
-            <a:endParaRPr lang="en-US" altLang="zh-CN" dirty="0" smtClean="0"/>
           </a:p>
           <a:p>
             <a:pPr lvl="1"/>
             <a:r>
-              <a:rPr lang="zh-CN" altLang="en-US" dirty="0" smtClean="0"/>
+              <a:rPr lang="zh-CN" altLang="en-US" dirty="0"/>
               <a:t>最少投递一次，可能有重复消息</a:t>
             </a:r>
-            <a:endParaRPr lang="en-US" altLang="zh-CN" dirty="0" smtClean="0"/>
-          </a:p>
-          <a:p>
-            <a:r>
-              <a:rPr lang="en-US" altLang="zh-CN" dirty="0" smtClean="0"/>
+            <a:endParaRPr lang="en-US" altLang="zh-CN" dirty="0"/>
+          </a:p>
+          <a:p>
+            <a:r>
+              <a:rPr lang="en-US" altLang="zh-CN" dirty="0"/>
               <a:t>At-most-once</a:t>
             </a:r>
-            <a:endParaRPr lang="en-US" altLang="zh-CN" dirty="0" smtClean="0"/>
           </a:p>
           <a:p>
             <a:pPr lvl="1"/>
             <a:r>
-              <a:rPr lang="zh-CN" altLang="en-US" dirty="0" smtClean="0"/>
+              <a:rPr lang="zh-CN" altLang="en-US" dirty="0"/>
               <a:t>最多投递一次，有可能丢消息</a:t>
             </a:r>
-            <a:endParaRPr lang="en-US" altLang="zh-CN" dirty="0" smtClean="0"/>
+            <a:endParaRPr lang="en-US" altLang="zh-CN" dirty="0"/>
           </a:p>
         </p:txBody>
       </p:sp>
@@ -7036,13 +7025,6 @@
   <p:clrMapOvr>
     <a:masterClrMapping/>
   </p:clrMapOvr>
-  <p:timing>
-    <p:tnLst>
-      <p:par>
-        <p:cTn id="1" dur="indefinite" restart="never" nodeType="tmRoot"/>
-      </p:par>
-    </p:tnLst>
-  </p:timing>
 </p:sld>
 </file>
 
@@ -7055,7 +7037,14 @@
         <p:cNvGrpSpPr/>
         <p:nvPr/>
       </p:nvGrpSpPr>
-      <p:grpSpPr/>
+      <p:grpSpPr>
+        <a:xfrm>
+          <a:off x="0" y="0"/>
+          <a:ext cx="0" cy="0"/>
+          <a:chOff x="0" y="0"/>
+          <a:chExt cx="0" cy="0"/>
+        </a:xfrm>
+      </p:grpSpPr>
       <p:sp>
         <p:nvSpPr>
           <p:cNvPr id="2" name="标题 1"/>
@@ -7069,13 +7058,13 @@
         <p:spPr/>
         <p:txBody>
           <a:bodyPr/>
+          <a:lstStyle/>
           <a:p>
             <a:pPr algn="ctr"/>
             <a:r>
               <a:rPr lang="zh-CN" altLang="en-US"/>
               <a:t>目录</a:t>
             </a:r>
-            <a:endParaRPr lang="zh-CN" altLang="en-US"/>
           </a:p>
         </p:txBody>
       </p:sp>
@@ -7097,216 +7086,21 @@
         </p:spPr>
         <p:txBody>
           <a:bodyPr>
-            <a:normAutofit fontScale="40000"/>
+            <a:normAutofit fontScale="47500" lnSpcReduction="10000"/>
           </a:bodyPr>
-          <a:p>
-            <a:r>
-              <a:rPr lang="en-US" altLang="zh-CN" dirty="0" smtClean="0">
+          <a:lstStyle/>
+          <a:p>
+            <a:r>
+              <a:rPr lang="en-US" altLang="zh-CN" dirty="0">
                 <a:sym typeface="+mn-ea"/>
               </a:rPr>
               <a:t>MQ</a:t>
             </a:r>
             <a:r>
-              <a:rPr lang="zh-CN" altLang="en-US" dirty="0" smtClean="0">
+              <a:rPr lang="zh-CN" altLang="en-US" dirty="0">
                 <a:sym typeface="+mn-ea"/>
               </a:rPr>
               <a:t>特点</a:t>
-            </a:r>
-            <a:endParaRPr lang="en-US" altLang="zh-CN" dirty="0" smtClean="0">
-              <a:sym typeface="+mn-ea"/>
-            </a:endParaRPr>
-          </a:p>
-          <a:p>
-            <a:r>
-              <a:rPr lang="en-US" altLang="zh-CN" dirty="0" smtClean="0">
-                <a:sym typeface="+mn-ea"/>
-              </a:rPr>
-              <a:t>MQ</a:t>
-            </a:r>
-            <a:r>
-              <a:rPr lang="zh-CN" altLang="en-US" dirty="0" smtClean="0">
-                <a:sym typeface="+mn-ea"/>
-              </a:rPr>
-              <a:t>使用场景</a:t>
-            </a:r>
-            <a:endParaRPr lang="zh-CN" altLang="en-US" dirty="0" smtClean="0"/>
-          </a:p>
-          <a:p>
-            <a:r>
-              <a:rPr lang="zh-CN" altLang="en-US" dirty="0" smtClean="0">
-                <a:sym typeface="+mn-ea"/>
-              </a:rPr>
-              <a:t>常用</a:t>
-            </a:r>
-            <a:r>
-              <a:rPr lang="en-US" altLang="zh-CN" dirty="0" smtClean="0">
-                <a:sym typeface="+mn-ea"/>
-              </a:rPr>
-              <a:t>MQ</a:t>
-            </a:r>
-            <a:r>
-              <a:rPr lang="zh-CN" altLang="en-US" dirty="0" smtClean="0">
-                <a:sym typeface="+mn-ea"/>
-              </a:rPr>
-              <a:t>对比</a:t>
-            </a:r>
-            <a:endParaRPr lang="en-US" altLang="zh-CN" dirty="0" smtClean="0"/>
-          </a:p>
-          <a:p>
-            <a:r>
-              <a:rPr lang="zh-CN" altLang="en-US" dirty="0" smtClean="0"/>
-              <a:t>专业术语</a:t>
-            </a:r>
-            <a:r>
-              <a:rPr lang="en-US" altLang="zh-CN" dirty="0" smtClean="0"/>
-              <a:t>(producer/consumer)</a:t>
-            </a:r>
-            <a:endParaRPr lang="en-US" altLang="zh-CN" dirty="0" smtClean="0"/>
-          </a:p>
-          <a:p>
-            <a:r>
-              <a:rPr lang="zh-CN" altLang="en-US" dirty="0"/>
-              <a:t>消息系统结构</a:t>
-            </a:r>
-            <a:endParaRPr lang="zh-CN" altLang="en-US" dirty="0"/>
-          </a:p>
-          <a:p>
-            <a:r>
-              <a:rPr lang="en-US" altLang="zh-CN" dirty="0"/>
-              <a:t>rocketmq</a:t>
-            </a:r>
-            <a:r>
-              <a:rPr lang="zh-CN" altLang="en-US" dirty="0"/>
-              <a:t>部署结构</a:t>
-            </a:r>
-            <a:endParaRPr lang="zh-CN" altLang="en-US" dirty="0"/>
-          </a:p>
-          <a:p>
-            <a:r>
-              <a:rPr lang="zh-CN" altLang="en-US" dirty="0"/>
-              <a:t>队列模型</a:t>
-            </a:r>
-            <a:endParaRPr lang="zh-CN" altLang="en-US" dirty="0"/>
-          </a:p>
-          <a:p>
-            <a:r>
-              <a:rPr lang="zh-CN" altLang="en-US" dirty="0"/>
-              <a:t>发送与消费的负载均衡</a:t>
-            </a:r>
-            <a:endParaRPr lang="zh-CN" altLang="en-US" dirty="0"/>
-          </a:p>
-          <a:p>
-            <a:r>
-              <a:rPr lang="en-US" altLang="zh-CN" dirty="0"/>
-              <a:t>QOS(</a:t>
-            </a:r>
-            <a:r>
-              <a:rPr lang="en-US" altLang="zh-CN" dirty="0" smtClean="0">
-                <a:sym typeface="+mn-ea"/>
-              </a:rPr>
-              <a:t>At-least-once</a:t>
-            </a:r>
-            <a:r>
-              <a:rPr lang="en-US" altLang="zh-CN" dirty="0"/>
-              <a:t>)</a:t>
-            </a:r>
-            <a:endParaRPr lang="en-US" altLang="zh-CN" dirty="0"/>
-          </a:p>
-          <a:p>
-            <a:r>
-              <a:rPr lang="zh-CN" altLang="en-US" dirty="0">
-                <a:sym typeface="+mn-ea"/>
-              </a:rPr>
-              <a:t>发送</a:t>
-            </a:r>
-            <a:r>
-              <a:rPr lang="en-US" altLang="zh-CN" dirty="0">
-                <a:sym typeface="+mn-ea"/>
-              </a:rPr>
-              <a:t>/</a:t>
-            </a:r>
-            <a:r>
-              <a:rPr lang="zh-CN" altLang="en-US" dirty="0">
-                <a:sym typeface="+mn-ea"/>
-              </a:rPr>
-              <a:t>消费注意事项</a:t>
-            </a:r>
-            <a:endParaRPr lang="zh-CN" altLang="en-US" dirty="0"/>
-          </a:p>
-          <a:p>
-            <a:r>
-              <a:rPr lang="zh-CN" altLang="en-US" dirty="0"/>
-              <a:t>事务消息</a:t>
-            </a:r>
-            <a:endParaRPr lang="zh-CN" altLang="en-US" dirty="0"/>
-          </a:p>
-          <a:p>
-            <a:r>
-              <a:rPr lang="zh-CN" altLang="en-US" dirty="0"/>
-              <a:t>顺序消息</a:t>
-            </a:r>
-            <a:endParaRPr lang="en-US" altLang="zh-CN" dirty="0"/>
-          </a:p>
-          <a:p>
-            <a:r>
-              <a:rPr lang="zh-CN" altLang="en-US" dirty="0"/>
-              <a:t>关于</a:t>
-            </a:r>
-            <a:r>
-              <a:rPr lang="en-US" altLang="zh-CN" dirty="0"/>
-              <a:t>tag</a:t>
-            </a:r>
-            <a:endParaRPr lang="en-US" altLang="zh-CN" dirty="0"/>
-          </a:p>
-          <a:p>
-            <a:r>
-              <a:rPr lang="zh-CN" altLang="en-US" dirty="0"/>
-              <a:t>消息结构</a:t>
-            </a:r>
-            <a:endParaRPr lang="zh-CN" altLang="en-US" dirty="0"/>
-          </a:p>
-          <a:p>
-            <a:r>
-              <a:rPr lang="zh-CN" altLang="en-US" dirty="0"/>
-              <a:t>存储结构详解</a:t>
-            </a:r>
-            <a:endParaRPr lang="zh-CN" altLang="en-US" dirty="0"/>
-          </a:p>
-          <a:p>
-            <a:r>
-              <a:rPr lang="zh-CN" altLang="en-US" dirty="0">
-                <a:sym typeface="+mn-ea"/>
-              </a:rPr>
-              <a:t>同步</a:t>
-            </a:r>
-            <a:r>
-              <a:rPr lang="en-US" altLang="zh-CN" dirty="0">
-                <a:sym typeface="+mn-ea"/>
-              </a:rPr>
-              <a:t>/</a:t>
-            </a:r>
-            <a:r>
-              <a:rPr lang="zh-CN" altLang="en-US" dirty="0">
-                <a:sym typeface="+mn-ea"/>
-              </a:rPr>
-              <a:t>异步存储</a:t>
-            </a:r>
-            <a:endParaRPr lang="zh-CN" altLang="en-US" dirty="0">
-              <a:sym typeface="+mn-ea"/>
-            </a:endParaRPr>
-          </a:p>
-          <a:p>
-            <a:r>
-              <a:rPr lang="en-US" altLang="zh-CN" dirty="0">
-                <a:sym typeface="+mn-ea"/>
-              </a:rPr>
-              <a:t>master-slave</a:t>
-            </a:r>
-            <a:r>
-              <a:rPr lang="zh-CN" altLang="en-US" dirty="0">
-                <a:sym typeface="+mn-ea"/>
-              </a:rPr>
-              <a:t>复制</a:t>
             </a:r>
             <a:endParaRPr lang="en-US" altLang="zh-CN" dirty="0">
               <a:sym typeface="+mn-ea"/>
@@ -7314,6 +7108,189 @@
           </a:p>
           <a:p>
             <a:r>
+              <a:rPr lang="en-US" altLang="zh-CN" dirty="0">
+                <a:sym typeface="+mn-ea"/>
+              </a:rPr>
+              <a:t>MQ</a:t>
+            </a:r>
+            <a:r>
+              <a:rPr lang="zh-CN" altLang="en-US" dirty="0">
+                <a:sym typeface="+mn-ea"/>
+              </a:rPr>
+              <a:t>使用场景</a:t>
+            </a:r>
+            <a:endParaRPr lang="zh-CN" altLang="en-US" dirty="0"/>
+          </a:p>
+          <a:p>
+            <a:r>
+              <a:rPr lang="zh-CN" altLang="en-US" dirty="0">
+                <a:sym typeface="+mn-ea"/>
+              </a:rPr>
+              <a:t>常用</a:t>
+            </a:r>
+            <a:r>
+              <a:rPr lang="en-US" altLang="zh-CN" dirty="0">
+                <a:sym typeface="+mn-ea"/>
+              </a:rPr>
+              <a:t>MQ</a:t>
+            </a:r>
+            <a:r>
+              <a:rPr lang="zh-CN" altLang="en-US" dirty="0">
+                <a:sym typeface="+mn-ea"/>
+              </a:rPr>
+              <a:t>对比</a:t>
+            </a:r>
+            <a:endParaRPr lang="en-US" altLang="zh-CN" dirty="0"/>
+          </a:p>
+          <a:p>
+            <a:r>
+              <a:rPr lang="zh-CN" altLang="en-US" dirty="0"/>
+              <a:t>专业术语</a:t>
+            </a:r>
+            <a:r>
+              <a:rPr lang="en-US" altLang="zh-CN" dirty="0"/>
+              <a:t>(producer/consumer)</a:t>
+            </a:r>
+          </a:p>
+          <a:p>
+            <a:r>
+              <a:rPr lang="zh-CN" altLang="en-US" dirty="0"/>
+              <a:t>消息系统结构</a:t>
+            </a:r>
+          </a:p>
+          <a:p>
+            <a:r>
+              <a:rPr lang="en-US" altLang="zh-CN" dirty="0"/>
+              <a:t>rocketmq</a:t>
+            </a:r>
+            <a:r>
+              <a:rPr lang="zh-CN" altLang="en-US" dirty="0"/>
+              <a:t>部署结构</a:t>
+            </a:r>
+          </a:p>
+          <a:p>
+            <a:r>
+              <a:rPr lang="zh-CN" altLang="en-US" dirty="0"/>
+              <a:t>队列模型</a:t>
+            </a:r>
+          </a:p>
+          <a:p>
+            <a:r>
+              <a:rPr lang="zh-CN" altLang="en-US" dirty="0"/>
+              <a:t>发送与消费的负载均衡</a:t>
+            </a:r>
+          </a:p>
+          <a:p>
+            <a:r>
+              <a:rPr lang="en-US" altLang="zh-CN" dirty="0"/>
+              <a:t>QOS(</a:t>
+            </a:r>
+            <a:r>
+              <a:rPr lang="en-US" altLang="zh-CN" dirty="0">
+                <a:sym typeface="+mn-ea"/>
+              </a:rPr>
+              <a:t>At-least-once</a:t>
+            </a:r>
+            <a:r>
+              <a:rPr lang="en-US" altLang="zh-CN" dirty="0"/>
+              <a:t>)</a:t>
+            </a:r>
+          </a:p>
+          <a:p>
+            <a:r>
+              <a:rPr lang="zh-CN" altLang="en-US" dirty="0">
+                <a:sym typeface="+mn-ea"/>
+              </a:rPr>
+              <a:t>发送</a:t>
+            </a:r>
+            <a:r>
+              <a:rPr lang="en-US" altLang="zh-CN" dirty="0">
+                <a:sym typeface="+mn-ea"/>
+              </a:rPr>
+              <a:t>/</a:t>
+            </a:r>
+            <a:r>
+              <a:rPr lang="zh-CN" altLang="en-US" dirty="0">
+                <a:sym typeface="+mn-ea"/>
+              </a:rPr>
+              <a:t>消费注意事项</a:t>
+            </a:r>
+            <a:endParaRPr lang="zh-CN" altLang="en-US" dirty="0"/>
+          </a:p>
+          <a:p>
+            <a:r>
+              <a:rPr lang="zh-CN" altLang="en-US" dirty="0"/>
+              <a:t>事务消息</a:t>
+            </a:r>
+          </a:p>
+          <a:p>
+            <a:r>
+              <a:rPr lang="zh-CN" altLang="en-US" dirty="0"/>
+              <a:t>顺序消息</a:t>
+            </a:r>
+            <a:endParaRPr lang="en-US" altLang="zh-CN" dirty="0"/>
+          </a:p>
+          <a:p>
+            <a:r>
+              <a:rPr lang="zh-CN" altLang="en-US" dirty="0"/>
+              <a:t>关于</a:t>
+            </a:r>
+            <a:r>
+              <a:rPr lang="en-US" altLang="zh-CN" dirty="0"/>
+              <a:t>tag</a:t>
+            </a:r>
+          </a:p>
+          <a:p>
+            <a:r>
+              <a:rPr lang="zh-CN" altLang="en-US" dirty="0"/>
+              <a:t>消息结构</a:t>
+            </a:r>
+          </a:p>
+          <a:p>
+            <a:r>
+              <a:rPr lang="zh-CN" altLang="en-US" dirty="0"/>
+              <a:t>存储结构详解</a:t>
+            </a:r>
+          </a:p>
+          <a:p>
+            <a:r>
+              <a:rPr lang="zh-CN" altLang="en-US" dirty="0">
+                <a:sym typeface="+mn-ea"/>
+              </a:rPr>
+              <a:t>同步</a:t>
+            </a:r>
+            <a:r>
+              <a:rPr lang="en-US" altLang="zh-CN" dirty="0">
+                <a:sym typeface="+mn-ea"/>
+              </a:rPr>
+              <a:t>/</a:t>
+            </a:r>
+            <a:r>
+              <a:rPr lang="zh-CN" altLang="en-US" dirty="0">
+                <a:sym typeface="+mn-ea"/>
+              </a:rPr>
+              <a:t>异步存储</a:t>
+            </a:r>
+          </a:p>
+          <a:p>
+            <a:r>
+              <a:rPr lang="en-US" altLang="zh-CN" dirty="0">
+                <a:sym typeface="+mn-ea"/>
+              </a:rPr>
+              <a:t>master-slave</a:t>
+            </a:r>
+            <a:r>
+              <a:rPr lang="zh-CN" altLang="en-US" dirty="0">
+                <a:sym typeface="+mn-ea"/>
+              </a:rPr>
+              <a:t>复制</a:t>
+            </a:r>
+            <a:endParaRPr lang="en-US" altLang="zh-CN" dirty="0">
+              <a:sym typeface="+mn-ea"/>
+            </a:endParaRPr>
+          </a:p>
+          <a:p>
+            <a:r>
               <a:rPr lang="zh-CN" altLang="en-US">
                 <a:sym typeface="+mn-ea"/>
               </a:rPr>
@@ -7338,32 +7315,28 @@
               <a:rPr lang="zh-CN" altLang="en-US" dirty="0"/>
               <a:t>监控控制台</a:t>
             </a:r>
-            <a:endParaRPr lang="zh-CN" altLang="en-US" dirty="0"/>
           </a:p>
           <a:p>
             <a:r>
               <a:rPr lang="zh-CN" altLang="en-US" dirty="0"/>
               <a:t>重要配置</a:t>
             </a:r>
-            <a:endParaRPr lang="zh-CN" altLang="en-US" dirty="0"/>
-          </a:p>
-          <a:p>
-            <a:r>
-              <a:rPr lang="zh-CN" altLang="en-US" dirty="0" smtClean="0"/>
+          </a:p>
+          <a:p>
+            <a:r>
+              <a:rPr lang="zh-CN" altLang="en-US" dirty="0"/>
               <a:t>链接</a:t>
             </a:r>
-            <a:endParaRPr lang="zh-CN" altLang="en-US" dirty="0" smtClean="0"/>
-          </a:p>
-          <a:p>
-            <a:r>
-              <a:rPr lang="zh-CN" altLang="en-US" dirty="0" smtClean="0"/>
+          </a:p>
+          <a:p>
+            <a:r>
+              <a:rPr lang="zh-CN" altLang="en-US" dirty="0"/>
               <a:t>升级</a:t>
             </a:r>
             <a:r>
-              <a:rPr lang="en-US" altLang="zh-CN" dirty="0" smtClean="0"/>
+              <a:rPr lang="en-US" altLang="zh-CN" dirty="0"/>
               <a:t>4.4.0</a:t>
             </a:r>
-            <a:endParaRPr lang="en-US" altLang="zh-CN" dirty="0" smtClean="0"/>
           </a:p>
           <a:p>
             <a:r>
@@ -7418,136 +7391,121 @@
           <a:p>
             <a:pPr algn="ctr"/>
             <a:r>
-              <a:rPr lang="zh-CN" altLang="en-US" dirty="0" smtClean="0"/>
+              <a:rPr lang="zh-CN" altLang="en-US" dirty="0"/>
               <a:t>消费端注意事项</a:t>
             </a:r>
+          </a:p>
+        </p:txBody>
+      </p:sp>
+      <p:sp>
+        <p:nvSpPr>
+          <p:cNvPr id="3" name="内容占位符 2"/>
+          <p:cNvSpPr>
+            <a:spLocks noGrp="1"/>
+          </p:cNvSpPr>
+          <p:nvPr>
+            <p:ph idx="1"/>
+          </p:nvPr>
+        </p:nvSpPr>
+        <p:spPr/>
+        <p:txBody>
+          <a:bodyPr>
+            <a:normAutofit fontScale="77500" lnSpcReduction="10000"/>
+          </a:bodyPr>
+          <a:lstStyle/>
+          <a:p>
+            <a:r>
+              <a:rPr lang="zh-CN" altLang="en-US" dirty="0"/>
+              <a:t>由于不能丢消息，所以选择</a:t>
+            </a:r>
+            <a:r>
+              <a:rPr lang="en-US" altLang="zh-CN" dirty="0"/>
+              <a:t>At-least-once</a:t>
+            </a:r>
+          </a:p>
+          <a:p>
+            <a:r>
+              <a:rPr lang="zh-CN" altLang="en-US" dirty="0"/>
+              <a:t>有可能产生重复消息</a:t>
+            </a:r>
+            <a:endParaRPr lang="en-US" altLang="zh-CN" dirty="0"/>
+          </a:p>
+          <a:p>
+            <a:r>
+              <a:rPr lang="zh-CN" altLang="en-US" dirty="0"/>
+              <a:t>消费端逻辑幂等</a:t>
+            </a:r>
+            <a:endParaRPr lang="en-US" altLang="zh-CN" dirty="0"/>
+          </a:p>
+          <a:p>
+            <a:r>
+              <a:rPr lang="zh-CN" altLang="en-US" dirty="0"/>
+              <a:t>可以通过数据库唯一键做到完全幂等</a:t>
+            </a:r>
+            <a:endParaRPr lang="en-US" altLang="zh-CN" dirty="0"/>
+          </a:p>
+          <a:p>
+            <a:r>
+              <a:rPr lang="zh-CN" altLang="en-US" dirty="0"/>
+              <a:t>也可以通过缓存等其它组件做到伪幂等</a:t>
+            </a:r>
+          </a:p>
+          <a:p>
+            <a:r>
+              <a:rPr lang="zh-CN" altLang="en-US" dirty="0">
+                <a:sym typeface="+mn-ea"/>
+              </a:rPr>
+              <a:t>打印消费消息日志，利于排查问题</a:t>
+            </a:r>
             <a:endParaRPr lang="zh-CN" altLang="en-US" dirty="0"/>
           </a:p>
-        </p:txBody>
-      </p:sp>
-      <p:sp>
-        <p:nvSpPr>
-          <p:cNvPr id="3" name="内容占位符 2"/>
-          <p:cNvSpPr>
-            <a:spLocks noGrp="1"/>
-          </p:cNvSpPr>
-          <p:nvPr>
-            <p:ph idx="1"/>
-          </p:nvPr>
-        </p:nvSpPr>
-        <p:spPr/>
-        <p:txBody>
-          <a:bodyPr>
-            <a:normAutofit fontScale="70000"/>
-          </a:bodyPr>
-          <a:lstStyle/>
-          <a:p>
-            <a:r>
-              <a:rPr lang="zh-CN" altLang="en-US" dirty="0"/>
-              <a:t>由于不能丢消息，所以选择</a:t>
-            </a:r>
-            <a:r>
-              <a:rPr lang="en-US" altLang="zh-CN" dirty="0" smtClean="0"/>
-              <a:t>At-least-once</a:t>
-            </a:r>
-            <a:endParaRPr lang="en-US" altLang="zh-CN" dirty="0" smtClean="0"/>
-          </a:p>
-          <a:p>
-            <a:r>
-              <a:rPr lang="zh-CN" altLang="en-US" dirty="0"/>
-              <a:t>有</a:t>
-            </a:r>
-            <a:r>
-              <a:rPr lang="zh-CN" altLang="en-US" dirty="0" smtClean="0"/>
-              <a:t>可能产生重复消息</a:t>
-            </a:r>
-            <a:endParaRPr lang="en-US" altLang="zh-CN" dirty="0" smtClean="0"/>
-          </a:p>
-          <a:p>
-            <a:r>
-              <a:rPr lang="zh-CN" altLang="en-US" dirty="0"/>
-              <a:t>消费</a:t>
-            </a:r>
-            <a:r>
-              <a:rPr lang="zh-CN" altLang="en-US" dirty="0" smtClean="0"/>
-              <a:t>端逻辑幂等</a:t>
-            </a:r>
-            <a:endParaRPr lang="en-US" altLang="zh-CN" dirty="0" smtClean="0"/>
-          </a:p>
-          <a:p>
-            <a:r>
-              <a:rPr lang="zh-CN" altLang="en-US" dirty="0" smtClean="0"/>
-              <a:t>可以通过数据库唯一键做到完全幂等</a:t>
-            </a:r>
-            <a:endParaRPr lang="en-US" altLang="zh-CN" dirty="0" smtClean="0"/>
-          </a:p>
-          <a:p>
-            <a:r>
-              <a:rPr lang="zh-CN" altLang="en-US" dirty="0"/>
-              <a:t>也</a:t>
-            </a:r>
-            <a:r>
-              <a:rPr lang="zh-CN" altLang="en-US" dirty="0" smtClean="0"/>
-              <a:t>可以通过缓存等其它组件做到伪幂等</a:t>
-            </a:r>
-            <a:endParaRPr lang="zh-CN" altLang="en-US" dirty="0" smtClean="0"/>
-          </a:p>
-          <a:p>
-            <a:r>
-              <a:rPr lang="zh-CN" altLang="en-US" dirty="0" smtClean="0">
-                <a:sym typeface="+mn-ea"/>
-              </a:rPr>
-              <a:t>打印消费消息日志，利于排查问题</a:t>
-            </a:r>
-            <a:endParaRPr lang="zh-CN" altLang="en-US" dirty="0"/>
-          </a:p>
-          <a:p>
-            <a:r>
-              <a:rPr lang="zh-CN" altLang="en-US" sz="3000" dirty="0" smtClean="0">
+          <a:p>
+            <a:r>
+              <a:rPr lang="zh-CN" altLang="en-US" sz="3000" dirty="0">
                 <a:sym typeface="+mn-ea"/>
               </a:rPr>
               <a:t>错误处理</a:t>
             </a:r>
-            <a:endParaRPr lang="en-US" altLang="zh-CN" sz="3000" dirty="0" smtClean="0"/>
+            <a:endParaRPr lang="en-US" altLang="zh-CN" sz="3000" dirty="0"/>
           </a:p>
           <a:p>
             <a:pPr lvl="1"/>
             <a:r>
-              <a:rPr lang="zh-CN" altLang="en-US" sz="3000" dirty="0" smtClean="0">
+              <a:rPr lang="zh-CN" altLang="en-US" sz="3000" dirty="0">
                 <a:sym typeface="+mn-ea"/>
               </a:rPr>
               <a:t>业务逻辑错误，例如某个用户的个人信息不符合业务逻辑，调用一个外部的</a:t>
             </a:r>
             <a:r>
-              <a:rPr lang="en-US" altLang="zh-CN" sz="3000" dirty="0" err="1" smtClean="0">
+              <a:rPr lang="en-US" altLang="zh-CN" sz="3000" dirty="0" err="1">
                 <a:sym typeface="+mn-ea"/>
               </a:rPr>
               <a:t>rpc</a:t>
             </a:r>
             <a:r>
-              <a:rPr lang="zh-CN" altLang="en-US" sz="3000" dirty="0" smtClean="0">
+              <a:rPr lang="zh-CN" altLang="en-US" sz="3000" dirty="0">
                 <a:sym typeface="+mn-ea"/>
               </a:rPr>
               <a:t>接口超时这种小规模的失败，可以直接让</a:t>
             </a:r>
             <a:r>
-              <a:rPr lang="en-US" altLang="zh-CN" sz="3000" dirty="0" smtClean="0">
+              <a:rPr lang="en-US" altLang="zh-CN" sz="3000" dirty="0">
                 <a:sym typeface="+mn-ea"/>
               </a:rPr>
               <a:t>broker</a:t>
             </a:r>
             <a:r>
-              <a:rPr lang="zh-CN" altLang="en-US" sz="3000" dirty="0" smtClean="0">
+              <a:rPr lang="zh-CN" altLang="en-US" sz="3000" dirty="0">
                 <a:sym typeface="+mn-ea"/>
               </a:rPr>
               <a:t>稍后投递</a:t>
             </a:r>
-            <a:endParaRPr lang="en-US" altLang="zh-CN" sz="3000" dirty="0" smtClean="0"/>
+            <a:endParaRPr lang="en-US" altLang="zh-CN" sz="3000" dirty="0"/>
           </a:p>
           <a:p>
             <a:pPr lvl="1"/>
             <a:r>
-              <a:rPr lang="en-US" altLang="zh-CN" sz="3000" dirty="0" err="1" smtClean="0">
+              <a:rPr lang="en-US" altLang="zh-CN" sz="3000" dirty="0" err="1">
                 <a:sym typeface="+mn-ea"/>
               </a:rPr>
               <a:t>Db</a:t>
@@ -7556,34 +7514,28 @@
               <a:rPr lang="zh-CN" altLang="en-US" sz="3000" dirty="0">
                 <a:sym typeface="+mn-ea"/>
               </a:rPr>
-              <a:t>不</a:t>
-            </a:r>
-            <a:r>
-              <a:rPr lang="zh-CN" altLang="en-US" sz="3000" dirty="0" smtClean="0">
-                <a:sym typeface="+mn-ea"/>
-              </a:rPr>
-              <a:t>可用或者外部资源短时间内不可用的，可以消费端进行</a:t>
-            </a:r>
-            <a:r>
-              <a:rPr lang="en-US" altLang="zh-CN" sz="3000" dirty="0" smtClean="0">
+              <a:t>不可用或者外部资源短时间内不可用的，可以消费端进行</a:t>
+            </a:r>
+            <a:r>
+              <a:rPr lang="en-US" altLang="zh-CN" sz="3000" dirty="0">
                 <a:sym typeface="+mn-ea"/>
               </a:rPr>
               <a:t>sleep</a:t>
             </a:r>
             <a:r>
-              <a:rPr lang="zh-CN" altLang="en-US" sz="3000" dirty="0" smtClean="0">
+              <a:rPr lang="zh-CN" altLang="en-US" sz="3000" dirty="0">
                 <a:sym typeface="+mn-ea"/>
               </a:rPr>
               <a:t>，减少</a:t>
             </a:r>
             <a:r>
-              <a:rPr lang="en-US" altLang="zh-CN" sz="3000" dirty="0" smtClean="0">
+              <a:rPr lang="en-US" altLang="zh-CN" sz="3000" dirty="0">
                 <a:sym typeface="+mn-ea"/>
               </a:rPr>
               <a:t>broker</a:t>
             </a:r>
             <a:r>
-              <a:rPr lang="zh-CN" altLang="en-US" sz="3000" dirty="0" smtClean="0">
+              <a:rPr lang="zh-CN" altLang="en-US" sz="3000" dirty="0">
                 <a:sym typeface="+mn-ea"/>
               </a:rPr>
               <a:t>的重投压力</a:t>
@@ -7600,13 +7552,6 @@
   <p:clrMapOvr>
     <a:masterClrMapping/>
   </p:clrMapOvr>
-  <p:timing>
-    <p:tnLst>
-      <p:par>
-        <p:cTn id="1" dur="indefinite" restart="never" nodeType="tmRoot"/>
-      </p:par>
-    </p:tnLst>
-  </p:timing>
 </p:sld>
 </file>
 
@@ -7619,7 +7564,14 @@
         <p:cNvGrpSpPr/>
         <p:nvPr/>
       </p:nvGrpSpPr>
-      <p:grpSpPr/>
+      <p:grpSpPr>
+        <a:xfrm>
+          <a:off x="0" y="0"/>
+          <a:ext cx="0" cy="0"/>
+          <a:chOff x="0" y="0"/>
+          <a:chExt cx="0" cy="0"/>
+        </a:xfrm>
+      </p:grpSpPr>
       <p:sp>
         <p:nvSpPr>
           <p:cNvPr id="2" name="标题 1"/>
@@ -7633,13 +7585,13 @@
         <p:spPr/>
         <p:txBody>
           <a:bodyPr/>
+          <a:lstStyle/>
           <a:p>
             <a:pPr algn="ctr"/>
             <a:r>
               <a:rPr lang="zh-CN" altLang="en-US"/>
               <a:t>消费失败重试</a:t>
             </a:r>
-            <a:endParaRPr lang="zh-CN" altLang="en-US"/>
           </a:p>
         </p:txBody>
       </p:sp>
@@ -7656,12 +7608,12 @@
         <p:spPr/>
         <p:txBody>
           <a:bodyPr/>
+          <a:lstStyle/>
           <a:p>
             <a:r>
               <a:rPr lang="zh-CN" altLang="en-US"/>
               <a:t>1s 5s 10s 30s 1m 2m 3m 4m 5m 6m 7m 8m 9m 10m 20m 30m 1h 2h</a:t>
             </a:r>
-            <a:endParaRPr lang="zh-CN" altLang="en-US"/>
           </a:p>
           <a:p>
             <a:r>
@@ -7684,7 +7636,6 @@
               <a:rPr lang="zh-CN" altLang="en-US"/>
               <a:t>后重试</a:t>
             </a:r>
-            <a:endParaRPr lang="zh-CN" altLang="en-US"/>
           </a:p>
           <a:p>
             <a:r>
@@ -7717,9 +7668,6 @@
               </a:rPr>
               <a:t>后重试</a:t>
             </a:r>
-            <a:endParaRPr lang="zh-CN" altLang="en-US">
-              <a:sym typeface="+mn-ea"/>
-            </a:endParaRPr>
           </a:p>
           <a:p>
             <a:r>
@@ -7752,9 +7700,6 @@
               </a:rPr>
               <a:t>后重试</a:t>
             </a:r>
-            <a:endParaRPr lang="zh-CN" altLang="en-US">
-              <a:sym typeface="+mn-ea"/>
-            </a:endParaRPr>
           </a:p>
           <a:p>
             <a:r>
@@ -7787,7 +7732,14 @@
         <p:cNvGrpSpPr/>
         <p:nvPr/>
       </p:nvGrpSpPr>
-      <p:grpSpPr/>
+      <p:grpSpPr>
+        <a:xfrm>
+          <a:off x="0" y="0"/>
+          <a:ext cx="0" cy="0"/>
+          <a:chOff x="0" y="0"/>
+          <a:chExt cx="0" cy="0"/>
+        </a:xfrm>
+      </p:grpSpPr>
       <p:sp>
         <p:nvSpPr>
           <p:cNvPr id="2" name="标题 1"/>
@@ -7803,6 +7755,7 @@
           <a:bodyPr>
             <a:normAutofit/>
           </a:bodyPr>
+          <a:lstStyle/>
           <a:p>
             <a:pPr algn="ctr"/>
             <a:r>
@@ -7811,9 +7764,6 @@
               </a:rPr>
               <a:t>pushConsumer</a:t>
             </a:r>
-            <a:endParaRPr lang="en-US" altLang="zh-CN">
-              <a:sym typeface="+mn-ea"/>
-            </a:endParaRPr>
           </a:p>
         </p:txBody>
       </p:sp>
@@ -7821,7 +7771,7 @@
         <p:nvGraphicFramePr>
           <p:cNvPr id="7" name="内容占位符 6"/>
           <p:cNvGraphicFramePr>
-            <a:graphicFrameLocks noChangeAspect="1"/>
+            <a:graphicFrameLocks noGrp="1" noChangeAspect="1"/>
           </p:cNvGraphicFramePr>
           <p:nvPr>
             <p:ph idx="1"/>
@@ -7835,12 +7785,12 @@
           <a:graphicData uri="http://schemas.openxmlformats.org/presentationml/2006/ole">
             <mc:AlternateContent xmlns:mc="http://schemas.openxmlformats.org/markup-compatibility/2006">
               <mc:Choice xmlns:v="urn:schemas-microsoft-com:vml" Requires="v">
-                <p:oleObj spid="_x0000_s8" name="" r:id="rId1" imgW="5740400" imgH="1917700" progId="Visio.Drawing.15">
+                <p:oleObj spid="_x0000_s2051" r:id="rId3" imgW="5740400" imgH="1917700" progId="Visio.Drawing.15">
                   <p:embed/>
                 </p:oleObj>
               </mc:Choice>
               <mc:Fallback>
-                <p:oleObj name="" r:id="rId1" imgW="5740400" imgH="1917700" progId="Visio.Drawing.15">
+                <p:oleObj r:id="rId3" imgW="5740400" imgH="1917700" progId="Visio.Drawing.15">
                   <p:embed/>
                   <p:pic>
                     <p:nvPicPr>
@@ -7849,7 +7799,7 @@
                       <p:nvPr/>
                     </p:nvPicPr>
                     <p:blipFill>
-                      <a:blip r:embed="rId2"/>
+                      <a:blip r:embed="rId4"/>
                       <a:stretch>
                         <a:fillRect/>
                       </a:stretch>
@@ -7890,100 +7840,95 @@
           <a:bodyPr wrap="square" rtlCol="0" anchor="t">
             <a:spAutoFit/>
           </a:bodyPr>
+          <a:lstStyle/>
           <a:p>
             <a:pPr algn="l"/>
             <a:r>
-              <a:rPr lang="en-US" altLang="zh-CN" dirty="0" smtClean="0">
+              <a:rPr lang="en-US" altLang="zh-CN" dirty="0">
                 <a:sym typeface="+mn-ea"/>
               </a:rPr>
               <a:t>rocketmq</a:t>
             </a:r>
             <a:r>
-              <a:rPr lang="zh-CN" altLang="en-US" dirty="0" smtClean="0">
+              <a:rPr lang="zh-CN" altLang="en-US" dirty="0">
                 <a:sym typeface="+mn-ea"/>
               </a:rPr>
               <a:t> 基于</a:t>
             </a:r>
             <a:r>
-              <a:rPr lang="en-US" altLang="zh-CN" dirty="0" smtClean="0">
+              <a:rPr lang="en-US" altLang="zh-CN" dirty="0">
                 <a:sym typeface="+mn-ea"/>
               </a:rPr>
               <a:t>long polling</a:t>
             </a:r>
             <a:r>
-              <a:rPr lang="zh-CN" altLang="en-US" dirty="0" smtClean="0">
+              <a:rPr lang="zh-CN" altLang="en-US" dirty="0">
                 <a:sym typeface="+mn-ea"/>
               </a:rPr>
               <a:t>定时拉取消息，如果有消息则立即返回，</a:t>
             </a:r>
-            <a:endParaRPr lang="zh-CN" altLang="en-US" dirty="0" smtClean="0">
-              <a:sym typeface="+mn-ea"/>
-            </a:endParaRPr>
           </a:p>
           <a:p>
             <a:pPr algn="l"/>
             <a:r>
-              <a:rPr lang="zh-CN" altLang="en-US" dirty="0" smtClean="0">
+              <a:rPr lang="zh-CN" altLang="en-US" dirty="0">
                 <a:sym typeface="+mn-ea"/>
               </a:rPr>
               <a:t>如果没有消息则等待等待</a:t>
             </a:r>
             <a:r>
-              <a:rPr lang="en-US" altLang="zh-CN" dirty="0" smtClean="0">
+              <a:rPr lang="en-US" altLang="zh-CN" dirty="0">
                 <a:sym typeface="+mn-ea"/>
               </a:rPr>
               <a:t>15s</a:t>
             </a:r>
             <a:r>
-              <a:rPr lang="zh-CN" altLang="en-US" dirty="0" smtClean="0">
+              <a:rPr lang="zh-CN" altLang="en-US" dirty="0">
                 <a:sym typeface="+mn-ea"/>
               </a:rPr>
               <a:t>，期间如果产生消息则</a:t>
             </a:r>
             <a:r>
-              <a:rPr lang="en-US" altLang="zh-CN" dirty="0" smtClean="0">
+              <a:rPr lang="en-US" altLang="zh-CN" dirty="0">
                 <a:sym typeface="+mn-ea"/>
               </a:rPr>
               <a:t>push</a:t>
             </a:r>
             <a:r>
-              <a:rPr lang="zh-CN" altLang="en-US" dirty="0" smtClean="0">
+              <a:rPr lang="zh-CN" altLang="en-US" dirty="0">
                 <a:sym typeface="+mn-ea"/>
               </a:rPr>
               <a:t>给</a:t>
             </a:r>
             <a:r>
-              <a:rPr lang="en-US" altLang="zh-CN" dirty="0" smtClean="0">
+              <a:rPr lang="en-US" altLang="zh-CN" dirty="0">
                 <a:sym typeface="+mn-ea"/>
               </a:rPr>
               <a:t>consumer</a:t>
             </a:r>
             <a:r>
-              <a:rPr lang="zh-CN" altLang="en-US" dirty="0" smtClean="0">
+              <a:rPr lang="zh-CN" altLang="en-US" dirty="0">
                 <a:sym typeface="+mn-ea"/>
               </a:rPr>
               <a:t>。</a:t>
             </a:r>
-            <a:endParaRPr lang="zh-CN" altLang="en-US" dirty="0" smtClean="0">
-              <a:sym typeface="+mn-ea"/>
-            </a:endParaRPr>
           </a:p>
           <a:p>
             <a:pPr algn="l"/>
             <a:r>
-              <a:rPr lang="zh-CN" altLang="en-US" dirty="0" smtClean="0">
+              <a:rPr lang="zh-CN" altLang="en-US" dirty="0">
                 <a:sym typeface="+mn-ea"/>
               </a:rPr>
               <a:t>目前天狗网使用此方式</a:t>
             </a:r>
             <a:r>
-              <a:rPr lang="en-US" altLang="zh-CN" dirty="0" smtClean="0">
+              <a:rPr lang="en-US" altLang="zh-CN" dirty="0">
                 <a:sym typeface="+mn-ea"/>
               </a:rPr>
               <a:t>consumer</a:t>
             </a:r>
             <a:r>
-              <a:rPr lang="zh-CN" altLang="en-US" dirty="0" smtClean="0">
+              <a:rPr lang="zh-CN" altLang="en-US" dirty="0">
                 <a:sym typeface="+mn-ea"/>
               </a:rPr>
               <a:t>消息。</a:t>
@@ -8009,7 +7954,14 @@
         <p:cNvGrpSpPr/>
         <p:nvPr/>
       </p:nvGrpSpPr>
-      <p:grpSpPr/>
+      <p:grpSpPr>
+        <a:xfrm>
+          <a:off x="0" y="0"/>
+          <a:ext cx="0" cy="0"/>
+          <a:chOff x="0" y="0"/>
+          <a:chExt cx="0" cy="0"/>
+        </a:xfrm>
+      </p:grpSpPr>
       <p:sp>
         <p:nvSpPr>
           <p:cNvPr id="2" name="标题 1"/>
@@ -8025,6 +7977,7 @@
           <a:bodyPr>
             <a:normAutofit/>
           </a:bodyPr>
+          <a:lstStyle/>
           <a:p>
             <a:pPr algn="ctr"/>
             <a:r>
@@ -8033,9 +7986,6 @@
               </a:rPr>
               <a:t>pushConsumer</a:t>
             </a:r>
-            <a:endParaRPr lang="en-US" altLang="zh-CN">
-              <a:sym typeface="+mn-ea"/>
-            </a:endParaRPr>
           </a:p>
         </p:txBody>
       </p:sp>
@@ -8043,7 +7993,7 @@
         <p:nvGraphicFramePr>
           <p:cNvPr id="7" name="内容占位符 6"/>
           <p:cNvGraphicFramePr>
-            <a:graphicFrameLocks noChangeAspect="1"/>
+            <a:graphicFrameLocks noGrp="1" noChangeAspect="1"/>
           </p:cNvGraphicFramePr>
           <p:nvPr>
             <p:ph idx="1"/>
@@ -8057,12 +8007,12 @@
           <a:graphicData uri="http://schemas.openxmlformats.org/presentationml/2006/ole">
             <mc:AlternateContent xmlns:mc="http://schemas.openxmlformats.org/markup-compatibility/2006">
               <mc:Choice xmlns:v="urn:schemas-microsoft-com:vml" Requires="v">
-                <p:oleObj spid="_x0000_s8" name="" r:id="rId1" imgW="5740400" imgH="1917700" progId="Visio.Drawing.15">
+                <p:oleObj spid="_x0000_s3075" r:id="rId3" imgW="5740400" imgH="1917700" progId="Visio.Drawing.15">
                   <p:embed/>
                 </p:oleObj>
               </mc:Choice>
               <mc:Fallback>
-                <p:oleObj name="" r:id="rId1" imgW="5740400" imgH="1917700" progId="Visio.Drawing.15">
+                <p:oleObj r:id="rId3" imgW="5740400" imgH="1917700" progId="Visio.Drawing.15">
                   <p:embed/>
                   <p:pic>
                     <p:nvPicPr>
@@ -8071,7 +8021,7 @@
                       <p:nvPr/>
                     </p:nvPicPr>
                     <p:blipFill>
-                      <a:blip r:embed="rId2"/>
+                      <a:blip r:embed="rId4"/>
                       <a:stretch>
                         <a:fillRect/>
                       </a:stretch>
@@ -8112,107 +8062,99 @@
           <a:bodyPr wrap="none" rtlCol="0" anchor="t">
             <a:spAutoFit/>
           </a:bodyPr>
+          <a:lstStyle/>
           <a:p>
             <a:pPr algn="l"/>
             <a:r>
-              <a:rPr lang="en-US" altLang="zh-CN" dirty="0" smtClean="0">
+              <a:rPr lang="en-US" altLang="zh-CN" dirty="0">
                 <a:sym typeface="+mn-ea"/>
               </a:rPr>
               <a:t>rocketmq</a:t>
             </a:r>
             <a:r>
-              <a:rPr lang="zh-CN" altLang="en-US" dirty="0" smtClean="0">
+              <a:rPr lang="zh-CN" altLang="en-US" dirty="0">
                 <a:sym typeface="+mn-ea"/>
               </a:rPr>
               <a:t> 基于</a:t>
             </a:r>
             <a:r>
-              <a:rPr lang="en-US" altLang="zh-CN" dirty="0" smtClean="0">
+              <a:rPr lang="en-US" altLang="zh-CN" dirty="0">
                 <a:sym typeface="+mn-ea"/>
               </a:rPr>
               <a:t>long polling</a:t>
             </a:r>
             <a:r>
-              <a:rPr lang="zh-CN" altLang="en-US" dirty="0" smtClean="0">
+              <a:rPr lang="zh-CN" altLang="en-US" dirty="0">
                 <a:sym typeface="+mn-ea"/>
               </a:rPr>
               <a:t>定时拉取消息，如果有消息则立即返回，</a:t>
             </a:r>
-            <a:endParaRPr lang="zh-CN" altLang="en-US" dirty="0" smtClean="0">
-              <a:sym typeface="+mn-ea"/>
-            </a:endParaRPr>
           </a:p>
           <a:p>
             <a:pPr algn="l"/>
             <a:r>
-              <a:rPr lang="zh-CN" altLang="en-US" dirty="0" smtClean="0">
+              <a:rPr lang="zh-CN" altLang="en-US" dirty="0">
                 <a:sym typeface="+mn-ea"/>
               </a:rPr>
               <a:t>如果没有消息则等待等待</a:t>
             </a:r>
             <a:r>
-              <a:rPr lang="en-US" altLang="zh-CN" dirty="0" smtClean="0">
+              <a:rPr lang="en-US" altLang="zh-CN" dirty="0">
                 <a:sym typeface="+mn-ea"/>
               </a:rPr>
               <a:t>15s</a:t>
             </a:r>
             <a:r>
-              <a:rPr lang="zh-CN" altLang="en-US" dirty="0" smtClean="0">
+              <a:rPr lang="zh-CN" altLang="en-US" dirty="0">
                 <a:sym typeface="+mn-ea"/>
               </a:rPr>
               <a:t>，期间如果产生消息则</a:t>
             </a:r>
             <a:r>
-              <a:rPr lang="en-US" altLang="zh-CN" dirty="0" smtClean="0">
+              <a:rPr lang="en-US" altLang="zh-CN" dirty="0">
                 <a:sym typeface="+mn-ea"/>
               </a:rPr>
               <a:t>push</a:t>
             </a:r>
             <a:r>
-              <a:rPr lang="zh-CN" altLang="en-US" dirty="0" smtClean="0">
+              <a:rPr lang="zh-CN" altLang="en-US" dirty="0">
                 <a:sym typeface="+mn-ea"/>
               </a:rPr>
               <a:t>给</a:t>
             </a:r>
             <a:r>
-              <a:rPr lang="en-US" altLang="zh-CN" dirty="0" smtClean="0">
+              <a:rPr lang="en-US" altLang="zh-CN" dirty="0">
                 <a:sym typeface="+mn-ea"/>
               </a:rPr>
               <a:t>consumer</a:t>
             </a:r>
             <a:r>
-              <a:rPr lang="zh-CN" altLang="en-US" dirty="0" smtClean="0">
+              <a:rPr lang="zh-CN" altLang="en-US" dirty="0">
                 <a:sym typeface="+mn-ea"/>
               </a:rPr>
               <a:t>。</a:t>
             </a:r>
-            <a:endParaRPr lang="zh-CN" altLang="en-US" dirty="0" smtClean="0">
-              <a:sym typeface="+mn-ea"/>
-            </a:endParaRPr>
           </a:p>
           <a:p>
             <a:pPr algn="l"/>
             <a:r>
-              <a:rPr lang="zh-CN" altLang="en-US" dirty="0" smtClean="0">
+              <a:rPr lang="zh-CN" altLang="en-US" dirty="0">
                 <a:sym typeface="+mn-ea"/>
               </a:rPr>
               <a:t>目前天狗网使用此方式</a:t>
             </a:r>
             <a:r>
-              <a:rPr lang="en-US" altLang="zh-CN" dirty="0" smtClean="0">
+              <a:rPr lang="en-US" altLang="zh-CN" dirty="0">
                 <a:sym typeface="+mn-ea"/>
               </a:rPr>
               <a:t>consumer</a:t>
             </a:r>
             <a:r>
-              <a:rPr lang="zh-CN" altLang="en-US" dirty="0" smtClean="0">
+              <a:rPr lang="zh-CN" altLang="en-US" dirty="0">
                 <a:sym typeface="+mn-ea"/>
               </a:rPr>
               <a:t>消息。</a:t>
             </a:r>
-            <a:endParaRPr lang="zh-CN" altLang="en-US" dirty="0" smtClean="0">
-              <a:sym typeface="+mn-ea"/>
-            </a:endParaRPr>
           </a:p>
         </p:txBody>
       </p:sp>
@@ -8258,10 +8200,9 @@
           <a:p>
             <a:pPr algn="ctr"/>
             <a:r>
-              <a:rPr lang="zh-CN" altLang="en-US" dirty="0" smtClean="0"/>
+              <a:rPr lang="zh-CN" altLang="en-US" dirty="0"/>
               <a:t>发送消息注意事项</a:t>
             </a:r>
-            <a:endParaRPr lang="zh-CN" altLang="en-US" dirty="0"/>
           </a:p>
         </p:txBody>
       </p:sp>
@@ -8288,12 +8229,8 @@
           <a:lstStyle/>
           <a:p>
             <a:r>
-              <a:rPr lang="zh-CN" altLang="en-US" dirty="0" smtClean="0"/>
-              <a:t>一</a:t>
-            </a:r>
-            <a:r>
-              <a:rPr lang="zh-CN" altLang="en-US" dirty="0"/>
-              <a:t>个应用尽可能用一个</a:t>
+              <a:rPr lang="zh-CN" altLang="en-US" dirty="0"/>
+              <a:t>一个应用尽可能用一个</a:t>
             </a:r>
             <a:r>
               <a:rPr lang="en-US" altLang="zh-CN" dirty="0"/>
@@ -8341,13 +8278,9 @@
             </a:r>
             <a:r>
               <a:rPr lang="zh-CN" altLang="en-US" dirty="0"/>
-              <a:t>做消息</a:t>
-            </a:r>
-            <a:r>
-              <a:rPr lang="zh-CN" altLang="en-US" dirty="0" smtClean="0"/>
-              <a:t>过滤。</a:t>
-            </a:r>
-            <a:endParaRPr lang="en-US" altLang="zh-CN" dirty="0" smtClean="0"/>
+              <a:t>做消息过滤。</a:t>
+            </a:r>
+            <a:endParaRPr lang="en-US" altLang="zh-CN" dirty="0"/>
           </a:p>
           <a:p>
             <a:endParaRPr lang="zh-CN" altLang="en-US" dirty="0"/>
@@ -8389,7 +8322,6 @@
               <a:rPr lang="zh-CN" altLang="en-US" dirty="0"/>
               <a:t>尽可能唯一，这样可以避免潜在的哈希冲突</a:t>
             </a:r>
-            <a:endParaRPr lang="zh-CN" altLang="en-US" dirty="0"/>
           </a:p>
           <a:p>
             <a:endParaRPr lang="zh-CN" altLang="en-US" dirty="0"/>
@@ -8412,56 +8344,43 @@
               <a:t>key</a:t>
             </a:r>
             <a:r>
-              <a:rPr lang="zh-CN" altLang="en-US" dirty="0" smtClean="0"/>
+              <a:rPr lang="zh-CN" altLang="en-US" dirty="0"/>
               <a:t>字段，尤其是</a:t>
             </a:r>
             <a:r>
-              <a:rPr lang="en-US" altLang="zh-CN" dirty="0" err="1" smtClean="0"/>
+              <a:rPr lang="en-US" altLang="zh-CN" dirty="0" err="1"/>
               <a:t>SendResult</a:t>
             </a:r>
             <a:r>
-              <a:rPr lang="zh-CN" altLang="en-US" dirty="0" smtClean="0"/>
+              <a:rPr lang="zh-CN" altLang="en-US" dirty="0"/>
               <a:t>中的</a:t>
             </a:r>
             <a:r>
-              <a:rPr lang="en-US" altLang="zh-CN" dirty="0" err="1" smtClean="0"/>
+              <a:rPr lang="en-US" altLang="zh-CN" dirty="0" err="1"/>
               <a:t>msgId</a:t>
             </a:r>
             <a:endParaRPr lang="zh-CN" altLang="en-US" dirty="0"/>
           </a:p>
           <a:p>
             <a:r>
-              <a:rPr lang="zh-CN" altLang="en-US" dirty="0" smtClean="0"/>
-              <a:t>对于</a:t>
-            </a:r>
-            <a:r>
-              <a:rPr lang="zh-CN" altLang="en-US" dirty="0"/>
-              <a:t>消息不可丢失应用，务必要有消息重发机制 </a:t>
-            </a:r>
-            <a:r>
-              <a:rPr lang="zh-CN" altLang="en-US" dirty="0" smtClean="0"/>
-              <a:t>。</a:t>
-            </a:r>
-            <a:r>
-              <a:rPr lang="zh-CN" altLang="en-US" dirty="0"/>
-              <a:t>例如如果消息发送失败，存储到数据库，能有定时程序尝试重发，或者人工触发重发。 </a:t>
-            </a:r>
-            <a:endParaRPr lang="zh-CN" altLang="en-US" dirty="0"/>
-          </a:p>
-          <a:p>
-            <a:r>
-              <a:rPr lang="zh-CN" altLang="en-US" dirty="0" smtClean="0"/>
+              <a:rPr lang="zh-CN" altLang="en-US" dirty="0"/>
+              <a:t>对于消息不可丢失应用，务必要有消息重发机制 。例如如果消息发送失败，存储到数据库，能有定时程序尝试重发，或者人工触发重发。 </a:t>
+            </a:r>
+          </a:p>
+          <a:p>
+            <a:r>
+              <a:rPr lang="zh-CN" altLang="en-US" dirty="0"/>
               <a:t>对于性能要求高，而对消息可靠性要求低的，可以通过</a:t>
             </a:r>
             <a:r>
-              <a:rPr lang="en-US" altLang="zh-CN" dirty="0" err="1" smtClean="0"/>
+              <a:rPr lang="en-US" altLang="zh-CN" dirty="0" err="1"/>
               <a:t>sendOneway</a:t>
             </a:r>
             <a:r>
-              <a:rPr lang="zh-CN" altLang="en-US" dirty="0" smtClean="0"/>
+              <a:rPr lang="zh-CN" altLang="en-US" dirty="0"/>
               <a:t>进行发送，如果需要处理结果的，可以通过异步发送接口异步处理发送结果</a:t>
             </a:r>
-            <a:endParaRPr lang="en-US" altLang="zh-CN" dirty="0" smtClean="0"/>
+            <a:endParaRPr lang="en-US" altLang="zh-CN" dirty="0"/>
           </a:p>
         </p:txBody>
       </p:sp>
@@ -8470,13 +8389,6 @@
   <p:clrMapOvr>
     <a:masterClrMapping/>
   </p:clrMapOvr>
-  <p:timing>
-    <p:tnLst>
-      <p:par>
-        <p:cTn id="1" dur="indefinite" restart="never" nodeType="tmRoot"/>
-      </p:par>
-    </p:tnLst>
-  </p:timing>
 </p:sld>
 </file>
 
@@ -8514,14 +8426,13 @@
           <a:p>
             <a:pPr algn="ctr"/>
             <a:r>
-              <a:rPr lang="en-US" altLang="zh-CN" dirty="0" smtClean="0"/>
+              <a:rPr lang="en-US" altLang="zh-CN" dirty="0"/>
               <a:t>XA</a:t>
             </a:r>
             <a:r>
-              <a:rPr lang="zh-CN" altLang="en-US" dirty="0" smtClean="0"/>
+              <a:rPr lang="zh-CN" altLang="en-US" dirty="0"/>
               <a:t>分布式事务</a:t>
             </a:r>
-            <a:endParaRPr lang="zh-CN" altLang="en-US" dirty="0"/>
           </a:p>
         </p:txBody>
       </p:sp>
@@ -8541,61 +8452,51 @@
           <a:lstStyle/>
           <a:p>
             <a:r>
-              <a:rPr lang="zh-CN" altLang="en-US" dirty="0" smtClean="0"/>
+              <a:rPr lang="zh-CN" altLang="en-US" dirty="0"/>
               <a:t>优点</a:t>
             </a:r>
-            <a:endParaRPr lang="en-US" altLang="zh-CN" dirty="0" smtClean="0"/>
+            <a:endParaRPr lang="en-US" altLang="zh-CN" dirty="0"/>
           </a:p>
           <a:p>
             <a:pPr lvl="1"/>
             <a:r>
               <a:rPr lang="zh-CN" altLang="en-US" dirty="0"/>
-              <a:t>多</a:t>
-            </a:r>
-            <a:r>
-              <a:rPr lang="zh-CN" altLang="en-US" dirty="0" smtClean="0"/>
-              <a:t>资源之间的</a:t>
-            </a:r>
-            <a:r>
-              <a:rPr lang="en-US" altLang="zh-CN" dirty="0" smtClean="0"/>
+              <a:t>多资源之间的</a:t>
+            </a:r>
+            <a:r>
+              <a:rPr lang="en-US" altLang="zh-CN" dirty="0"/>
               <a:t>ACID</a:t>
             </a:r>
-            <a:endParaRPr lang="en-US" altLang="zh-CN" dirty="0" smtClean="0"/>
           </a:p>
           <a:p>
             <a:pPr lvl="1"/>
             <a:r>
               <a:rPr lang="zh-CN" altLang="en-US" dirty="0"/>
-              <a:t>编程</a:t>
-            </a:r>
-            <a:r>
-              <a:rPr lang="zh-CN" altLang="en-US" dirty="0" smtClean="0"/>
-              <a:t>模型简单统一</a:t>
-            </a:r>
-            <a:endParaRPr lang="en-US" altLang="zh-CN" dirty="0" smtClean="0"/>
-          </a:p>
-          <a:p>
-            <a:r>
-              <a:rPr lang="zh-CN" altLang="en-US" dirty="0" smtClean="0"/>
+              <a:t>编程模型简单统一</a:t>
+            </a:r>
+            <a:endParaRPr lang="en-US" altLang="zh-CN" dirty="0"/>
+          </a:p>
+          <a:p>
+            <a:r>
+              <a:rPr lang="zh-CN" altLang="en-US" dirty="0"/>
               <a:t>缺点</a:t>
             </a:r>
-            <a:endParaRPr lang="en-US" altLang="zh-CN" dirty="0" smtClean="0"/>
+            <a:endParaRPr lang="en-US" altLang="zh-CN" dirty="0"/>
           </a:p>
           <a:p>
             <a:pPr lvl="1"/>
             <a:r>
-              <a:rPr lang="zh-CN" altLang="en-US" dirty="0" smtClean="0"/>
+              <a:rPr lang="zh-CN" altLang="en-US" dirty="0"/>
               <a:t>性能和可用性不高</a:t>
             </a:r>
-            <a:endParaRPr lang="en-US" altLang="zh-CN" dirty="0" smtClean="0"/>
+            <a:endParaRPr lang="en-US" altLang="zh-CN" dirty="0"/>
           </a:p>
           <a:p>
             <a:pPr lvl="1"/>
             <a:r>
-              <a:rPr lang="zh-CN" altLang="en-US" dirty="0" smtClean="0"/>
+              <a:rPr lang="zh-CN" altLang="en-US" dirty="0"/>
               <a:t>故障难于恢复</a:t>
             </a:r>
-            <a:endParaRPr lang="zh-CN" altLang="en-US" dirty="0"/>
           </a:p>
         </p:txBody>
       </p:sp>
@@ -8604,13 +8505,6 @@
   <p:clrMapOvr>
     <a:masterClrMapping/>
   </p:clrMapOvr>
-  <p:timing>
-    <p:tnLst>
-      <p:par>
-        <p:cTn id="1" dur="indefinite" restart="never" nodeType="tmRoot"/>
-      </p:par>
-    </p:tnLst>
-  </p:timing>
 </p:sld>
 </file>
 
@@ -8648,10 +8542,9 @@
           <a:p>
             <a:pPr algn="ctr"/>
             <a:r>
-              <a:rPr lang="zh-CN" altLang="en-US" dirty="0" smtClean="0"/>
+              <a:rPr lang="zh-CN" altLang="en-US" dirty="0"/>
               <a:t>事务消息</a:t>
             </a:r>
-            <a:endParaRPr lang="zh-CN" altLang="en-US" dirty="0"/>
           </a:p>
         </p:txBody>
       </p:sp>
@@ -8692,7 +8585,7 @@
           <a:p>
             <a:pPr algn="ctr"/>
             <a:r>
-              <a:rPr lang="en-US" altLang="zh-CN" dirty="0" smtClean="0"/>
+              <a:rPr lang="en-US" altLang="zh-CN" dirty="0"/>
               <a:t>Client</a:t>
             </a:r>
             <a:endParaRPr lang="zh-CN" altLang="en-US" dirty="0"/>
@@ -8736,7 +8629,7 @@
           <a:p>
             <a:pPr algn="ctr"/>
             <a:r>
-              <a:rPr lang="en-US" altLang="zh-CN" dirty="0" smtClean="0"/>
+              <a:rPr lang="en-US" altLang="zh-CN" dirty="0"/>
               <a:t>Broker</a:t>
             </a:r>
             <a:endParaRPr lang="zh-CN" altLang="en-US" dirty="0"/>
@@ -8780,7 +8673,7 @@
           <a:p>
             <a:pPr algn="ctr"/>
             <a:r>
-              <a:rPr lang="en-US" altLang="zh-CN" dirty="0" smtClean="0"/>
+              <a:rPr lang="en-US" altLang="zh-CN" dirty="0"/>
               <a:t>Client</a:t>
             </a:r>
             <a:endParaRPr lang="zh-CN" altLang="en-US" dirty="0"/>
@@ -8824,18 +8717,17 @@
           <a:p>
             <a:pPr algn="ctr"/>
             <a:r>
-              <a:rPr lang="zh-CN" altLang="en-US" dirty="0" smtClean="0"/>
+              <a:rPr lang="zh-CN" altLang="en-US" dirty="0"/>
               <a:t>发送</a:t>
             </a:r>
             <a:r>
-              <a:rPr lang="en-US" altLang="zh-CN" dirty="0" smtClean="0"/>
+              <a:rPr lang="en-US" altLang="zh-CN" dirty="0"/>
               <a:t>prepare</a:t>
             </a:r>
             <a:r>
-              <a:rPr lang="zh-CN" altLang="en-US" dirty="0" smtClean="0"/>
+              <a:rPr lang="zh-CN" altLang="en-US" dirty="0"/>
               <a:t>消息</a:t>
             </a:r>
-            <a:endParaRPr lang="zh-CN" altLang="en-US" dirty="0"/>
           </a:p>
         </p:txBody>
       </p:sp>
@@ -8876,18 +8768,13 @@
           <a:p>
             <a:pPr algn="ctr"/>
             <a:r>
-              <a:rPr lang="zh-CN" altLang="en-US" dirty="0" smtClean="0">
+              <a:rPr lang="zh-CN" altLang="en-US" dirty="0">
                 <a:solidFill>
                   <a:schemeClr val="tx1"/>
                 </a:solidFill>
               </a:rPr>
               <a:t>执行本地事务</a:t>
             </a:r>
-            <a:endParaRPr lang="zh-CN" altLang="en-US" dirty="0">
-              <a:solidFill>
-                <a:schemeClr val="tx1"/>
-              </a:solidFill>
-            </a:endParaRPr>
           </a:p>
         </p:txBody>
       </p:sp>
@@ -8928,18 +8815,17 @@
           <a:p>
             <a:pPr algn="ctr"/>
             <a:r>
-              <a:rPr lang="zh-CN" altLang="en-US" dirty="0" smtClean="0"/>
+              <a:rPr lang="zh-CN" altLang="en-US" dirty="0"/>
               <a:t>发送</a:t>
             </a:r>
             <a:r>
-              <a:rPr lang="en-US" altLang="zh-CN" dirty="0" smtClean="0"/>
+              <a:rPr lang="en-US" altLang="zh-CN" dirty="0"/>
               <a:t>commit</a:t>
             </a:r>
             <a:r>
-              <a:rPr lang="zh-CN" altLang="en-US" dirty="0" smtClean="0"/>
+              <a:rPr lang="zh-CN" altLang="en-US" dirty="0"/>
               <a:t>消息</a:t>
             </a:r>
-            <a:endParaRPr lang="zh-CN" altLang="en-US" dirty="0"/>
           </a:p>
         </p:txBody>
       </p:sp>
@@ -8987,18 +8873,17 @@
           <a:p>
             <a:pPr algn="ctr"/>
             <a:r>
-              <a:rPr lang="zh-CN" altLang="en-US" dirty="0" smtClean="0"/>
+              <a:rPr lang="zh-CN" altLang="en-US" dirty="0"/>
               <a:t>发送</a:t>
             </a:r>
             <a:r>
-              <a:rPr lang="en-US" altLang="zh-CN" dirty="0" smtClean="0"/>
+              <a:rPr lang="en-US" altLang="zh-CN" dirty="0"/>
               <a:t>rollback</a:t>
             </a:r>
             <a:r>
-              <a:rPr lang="zh-CN" altLang="en-US" dirty="0" smtClean="0"/>
+              <a:rPr lang="zh-CN" altLang="en-US" dirty="0"/>
               <a:t>消息</a:t>
             </a:r>
-            <a:endParaRPr lang="zh-CN" altLang="en-US" dirty="0"/>
           </a:p>
         </p:txBody>
       </p:sp>
@@ -9039,18 +8924,17 @@
           <a:p>
             <a:pPr algn="ctr"/>
             <a:r>
-              <a:rPr lang="zh-CN" altLang="en-US" dirty="0" smtClean="0"/>
+              <a:rPr lang="zh-CN" altLang="en-US" dirty="0"/>
               <a:t>发送</a:t>
             </a:r>
             <a:r>
-              <a:rPr lang="en-US" altLang="zh-CN" dirty="0" smtClean="0"/>
+              <a:rPr lang="en-US" altLang="zh-CN" dirty="0"/>
               <a:t>check</a:t>
             </a:r>
             <a:r>
-              <a:rPr lang="zh-CN" altLang="en-US" dirty="0" smtClean="0"/>
+              <a:rPr lang="zh-CN" altLang="en-US" dirty="0"/>
               <a:t>消息</a:t>
             </a:r>
-            <a:endParaRPr lang="zh-CN" altLang="en-US" dirty="0"/>
           </a:p>
         </p:txBody>
       </p:sp>
@@ -9091,18 +8975,17 @@
           <a:p>
             <a:pPr algn="ctr"/>
             <a:r>
-              <a:rPr lang="zh-CN" altLang="en-US" dirty="0" smtClean="0"/>
+              <a:rPr lang="zh-CN" altLang="en-US" dirty="0"/>
               <a:t>发送</a:t>
             </a:r>
             <a:r>
-              <a:rPr lang="en-US" altLang="zh-CN" dirty="0" smtClean="0"/>
+              <a:rPr lang="en-US" altLang="zh-CN" dirty="0"/>
               <a:t>commit</a:t>
             </a:r>
             <a:r>
-              <a:rPr lang="zh-CN" altLang="en-US" dirty="0" smtClean="0"/>
+              <a:rPr lang="zh-CN" altLang="en-US" dirty="0"/>
               <a:t>消息</a:t>
             </a:r>
-            <a:endParaRPr lang="zh-CN" altLang="en-US" dirty="0"/>
           </a:p>
         </p:txBody>
       </p:sp>
@@ -9150,18 +9033,17 @@
           <a:p>
             <a:pPr algn="ctr"/>
             <a:r>
-              <a:rPr lang="zh-CN" altLang="en-US" dirty="0" smtClean="0"/>
+              <a:rPr lang="zh-CN" altLang="en-US" dirty="0"/>
               <a:t>发送</a:t>
             </a:r>
             <a:r>
-              <a:rPr lang="en-US" altLang="zh-CN" dirty="0" smtClean="0"/>
+              <a:rPr lang="en-US" altLang="zh-CN" dirty="0"/>
               <a:t>rollback</a:t>
             </a:r>
             <a:r>
-              <a:rPr lang="zh-CN" altLang="en-US" dirty="0" smtClean="0"/>
+              <a:rPr lang="zh-CN" altLang="en-US" dirty="0"/>
               <a:t>消息</a:t>
             </a:r>
-            <a:endParaRPr lang="zh-CN" altLang="en-US" dirty="0"/>
           </a:p>
         </p:txBody>
       </p:sp>
@@ -9170,13 +9052,6 @@
   <p:clrMapOvr>
     <a:masterClrMapping/>
   </p:clrMapOvr>
-  <p:timing>
-    <p:tnLst>
-      <p:par>
-        <p:cTn id="1" dur="indefinite" restart="never" nodeType="tmRoot"/>
-      </p:par>
-    </p:tnLst>
-  </p:timing>
 </p:sld>
 </file>
 
@@ -9189,7 +9064,14 @@
         <p:cNvGrpSpPr/>
         <p:nvPr/>
       </p:nvGrpSpPr>
-      <p:grpSpPr/>
+      <p:grpSpPr>
+        <a:xfrm>
+          <a:off x="0" y="0"/>
+          <a:ext cx="0" cy="0"/>
+          <a:chOff x="0" y="0"/>
+          <a:chExt cx="0" cy="0"/>
+        </a:xfrm>
+      </p:grpSpPr>
       <p:sp>
         <p:nvSpPr>
           <p:cNvPr id="2" name="标题 1"/>
@@ -9205,10 +9087,11 @@
           <a:bodyPr>
             <a:normAutofit/>
           </a:bodyPr>
+          <a:lstStyle/>
           <a:p>
             <a:pPr algn="ctr"/>
             <a:r>
-              <a:rPr lang="zh-CN" altLang="en-US" dirty="0" smtClean="0">
+              <a:rPr lang="zh-CN" altLang="en-US" dirty="0">
                 <a:sym typeface="+mn-ea"/>
               </a:rPr>
               <a:t>顺序消息</a:t>
@@ -9230,14 +9113,15 @@
         <p:spPr/>
         <p:txBody>
           <a:bodyPr>
-            <a:normAutofit lnSpcReduction="10000"/>
+            <a:normAutofit/>
           </a:bodyPr>
-          <a:p>
-            <a:r>
-              <a:rPr lang="zh-CN" altLang="en-US" dirty="0" smtClean="0"/>
+          <a:lstStyle/>
+          <a:p>
+            <a:r>
+              <a:rPr lang="zh-CN" altLang="en-US" dirty="0"/>
               <a:t>场景</a:t>
             </a:r>
-            <a:endParaRPr lang="en-US" altLang="zh-CN" dirty="0" smtClean="0"/>
+            <a:endParaRPr lang="en-US" altLang="zh-CN" dirty="0"/>
           </a:p>
           <a:p>
             <a:pPr marL="448310" lvl="1" indent="0">
@@ -9249,7 +9133,7 @@
               </a:rPr>
               <a:t>一笔订单产生了 3 条消息，分别是订单创建、订单付款、订单完成。消费时，要按照顺序依次消费才有意义。</a:t>
             </a:r>
-            <a:endParaRPr lang="en-US" altLang="zh-CN" dirty="0" smtClean="0"/>
+            <a:endParaRPr lang="en-US" altLang="zh-CN" dirty="0"/>
           </a:p>
           <a:p>
             <a:r>
@@ -9264,7 +9148,7 @@
               </a:rPr>
               <a:t>实现</a:t>
             </a:r>
-            <a:endParaRPr lang="en-US" altLang="zh-CN" dirty="0" smtClean="0"/>
+            <a:endParaRPr lang="en-US" altLang="zh-CN" dirty="0"/>
           </a:p>
           <a:p>
             <a:pPr marL="36195" indent="0">
@@ -9347,7 +9231,14 @@
         <p:cNvGrpSpPr/>
         <p:nvPr/>
       </p:nvGrpSpPr>
-      <p:grpSpPr/>
+      <p:grpSpPr>
+        <a:xfrm>
+          <a:off x="0" y="0"/>
+          <a:ext cx="0" cy="0"/>
+          <a:chOff x="0" y="0"/>
+          <a:chExt cx="0" cy="0"/>
+        </a:xfrm>
+      </p:grpSpPr>
       <p:sp>
         <p:nvSpPr>
           <p:cNvPr id="2" name="标题 1"/>
@@ -9361,6 +9252,7 @@
         <p:spPr/>
         <p:txBody>
           <a:bodyPr/>
+          <a:lstStyle/>
           <a:p>
             <a:pPr algn="ctr"/>
             <a:r>
@@ -9371,7 +9263,6 @@
               <a:rPr lang="en-US" altLang="zh-CN"/>
               <a:t>tag</a:t>
             </a:r>
-            <a:endParaRPr lang="en-US" altLang="zh-CN"/>
           </a:p>
         </p:txBody>
       </p:sp>
@@ -9390,6 +9281,7 @@
           <a:bodyPr>
             <a:normAutofit/>
           </a:bodyPr>
+          <a:lstStyle/>
           <a:p>
             <a:r>
               <a:rPr lang="en-US" altLang="zh-CN"/>
@@ -9399,7 +9291,6 @@
               <a:rPr lang="zh-CN" altLang="en-US"/>
               <a:t>说明及注意事项</a:t>
             </a:r>
-            <a:endParaRPr lang="zh-CN" altLang="en-US"/>
           </a:p>
           <a:p>
             <a:pPr marL="36195" indent="0">
@@ -9413,7 +9304,6 @@
               <a:rPr lang="zh-CN" altLang="en-US"/>
               <a:t>注意：</a:t>
             </a:r>
-            <a:endParaRPr lang="zh-CN" altLang="en-US"/>
           </a:p>
           <a:p>
             <a:pPr marL="36195" indent="0">
@@ -9423,7 +9313,6 @@
               <a:rPr lang="zh-CN" altLang="en-US"/>
               <a:t>consumer订阅了topic:ATopic、tag:aTag，</a:t>
             </a:r>
-            <a:endParaRPr lang="zh-CN" altLang="en-US"/>
           </a:p>
           <a:p>
             <a:pPr marL="36195" indent="0">
@@ -9479,9 +9368,6 @@
               </a:rPr>
               <a:t>bTag消息，也无法消费到上次的消息</a:t>
             </a:r>
-            <a:endParaRPr lang="zh-CN" altLang="en-US">
-              <a:sym typeface="+mn-ea"/>
-            </a:endParaRPr>
           </a:p>
         </p:txBody>
       </p:sp>
@@ -9527,10 +9413,9 @@
           <a:p>
             <a:pPr algn="ctr"/>
             <a:r>
-              <a:rPr lang="zh-CN" altLang="en-US" dirty="0" smtClean="0"/>
+              <a:rPr lang="zh-CN" altLang="en-US" dirty="0"/>
               <a:t>消息结构</a:t>
             </a:r>
-            <a:endParaRPr lang="zh-CN" altLang="en-US" dirty="0"/>
           </a:p>
         </p:txBody>
       </p:sp>
@@ -9543,7 +9428,7 @@
           <p:nvPr/>
         </p:nvPicPr>
         <p:blipFill>
-          <a:blip r:embed="rId1">
+          <a:blip r:embed="rId2">
             <a:extLst>
               <a:ext uri="{28A0092B-C50C-407E-A947-70E740481C1C}">
                 <a14:useLocalDpi xmlns:a14="http://schemas.microsoft.com/office/drawing/2010/main" val="0"/>
@@ -9603,13 +9488,6 @@
   <p:clrMapOvr>
     <a:masterClrMapping/>
   </p:clrMapOvr>
-  <p:timing>
-    <p:tnLst>
-      <p:par>
-        <p:cTn id="1" dur="indefinite" restart="never" nodeType="tmRoot"/>
-      </p:par>
-    </p:tnLst>
-  </p:timing>
 </p:sld>
 </file>
 
@@ -9622,7 +9500,14 @@
         <p:cNvGrpSpPr/>
         <p:nvPr/>
       </p:nvGrpSpPr>
-      <p:grpSpPr/>
+      <p:grpSpPr>
+        <a:xfrm>
+          <a:off x="0" y="0"/>
+          <a:ext cx="0" cy="0"/>
+          <a:chOff x="0" y="0"/>
+          <a:chExt cx="0" cy="0"/>
+        </a:xfrm>
+      </p:grpSpPr>
       <p:sp>
         <p:nvSpPr>
           <p:cNvPr id="2" name="标题 1"/>
@@ -9636,13 +9521,13 @@
         <p:spPr/>
         <p:txBody>
           <a:bodyPr/>
+          <a:lstStyle/>
           <a:p>
             <a:pPr algn="ctr"/>
             <a:r>
               <a:rPr lang="zh-CN" altLang="en-US"/>
               <a:t>MQ特点</a:t>
             </a:r>
-            <a:endParaRPr lang="zh-CN" altLang="en-US"/>
           </a:p>
         </p:txBody>
       </p:sp>
@@ -9659,27 +9544,18 @@
         <p:spPr/>
         <p:txBody>
           <a:bodyPr/>
+          <a:lstStyle/>
           <a:p>
             <a:r>
               <a:rPr lang="zh-CN" altLang="en-US" sz="1800"/>
               <a:t>先进先出</a:t>
             </a:r>
-            <a:endParaRPr lang="zh-CN" altLang="en-US" sz="1800"/>
           </a:p>
           <a:p>
             <a:r>
               <a:rPr lang="zh-CN" altLang="en-US" sz="1800"/>
-              <a:t>发布订阅，一端发布消息，入队列操作，一端订阅消息从队列中取消息，出队列操作</a:t>
-            </a:r>
-            <a:r>
-              <a:rPr lang="zh-CN" altLang="en-US" sz="1800"/>
-              <a:t>，消费端没有消息可以一直阻塞，有消息立即感知到</a:t>
-            </a:r>
-            <a:r>
-              <a:rPr lang="zh-CN" altLang="en-US" sz="1800"/>
-              <a:t>，如果消息无堆积，基本可以当做是同步操作。</a:t>
-            </a:r>
-            <a:endParaRPr lang="zh-CN" altLang="en-US" sz="1800"/>
+              <a:t>发布订阅，一端发布消息，入队列操作，一端订阅消息从队列中取消息，出队列操作，消费端没有消息可以一直阻塞，有消息立即感知到，如果消息无堆积，基本可以当做是同步操作。</a:t>
+            </a:r>
           </a:p>
           <a:p>
             <a:r>
@@ -9700,24 +9576,14 @@
             </a:r>
             <a:r>
               <a:rPr lang="zh-CN" altLang="en-US" sz="1800"/>
-              <a:t>不需要持久化</a:t>
-            </a:r>
+              <a:t>不需要持久化，可靠性要求不高的情况下才会使用</a:t>
+            </a:r>
+          </a:p>
+          <a:p>
             <a:r>
               <a:rPr lang="zh-CN" altLang="en-US" sz="1800"/>
-              <a:t>，可靠性要求不高的情况下才会使用</a:t>
-            </a:r>
-            <a:endParaRPr lang="zh-CN" altLang="en-US" sz="1800"/>
-          </a:p>
-          <a:p>
-            <a:r>
-              <a:rPr lang="zh-CN" altLang="en-US" sz="1800"/>
-              <a:t>分布式，支持分布式，才能在</a:t>
-            </a:r>
-            <a:r>
-              <a:rPr lang="zh-CN" altLang="en-US" sz="1800"/>
-              <a:t>互联网的时代才能被被使用被推广</a:t>
-            </a:r>
-            <a:endParaRPr lang="zh-CN" altLang="en-US" sz="1800"/>
+              <a:t>分布式，支持分布式，才能在互联网的时代才能被被使用被推广</a:t>
+            </a:r>
           </a:p>
         </p:txBody>
       </p:sp>
@@ -9738,7 +9604,14 @@
         <p:cNvGrpSpPr/>
         <p:nvPr/>
       </p:nvGrpSpPr>
-      <p:grpSpPr/>
+      <p:grpSpPr>
+        <a:xfrm>
+          <a:off x="0" y="0"/>
+          <a:ext cx="0" cy="0"/>
+          <a:chOff x="0" y="0"/>
+          <a:chExt cx="0" cy="0"/>
+        </a:xfrm>
+      </p:grpSpPr>
       <p:sp>
         <p:nvSpPr>
           <p:cNvPr id="2" name="标题 1"/>
@@ -9752,13 +9625,13 @@
         <p:spPr/>
         <p:txBody>
           <a:bodyPr/>
+          <a:lstStyle/>
           <a:p>
             <a:pPr algn="ctr"/>
             <a:r>
               <a:rPr lang="zh-CN" altLang="en-US"/>
               <a:t>存储结构</a:t>
             </a:r>
-            <a:endParaRPr lang="zh-CN" altLang="en-US"/>
           </a:p>
         </p:txBody>
       </p:sp>
@@ -9766,7 +9639,7 @@
         <p:nvGraphicFramePr>
           <p:cNvPr id="6" name="内容占位符 5"/>
           <p:cNvGraphicFramePr>
-            <a:graphicFrameLocks noChangeAspect="1"/>
+            <a:graphicFrameLocks noGrp="1" noChangeAspect="1"/>
           </p:cNvGraphicFramePr>
           <p:nvPr>
             <p:ph idx="1"/>
@@ -9780,12 +9653,12 @@
           <a:graphicData uri="http://schemas.openxmlformats.org/presentationml/2006/ole">
             <mc:AlternateContent xmlns:mc="http://schemas.openxmlformats.org/markup-compatibility/2006">
               <mc:Choice xmlns:v="urn:schemas-microsoft-com:vml" Requires="v">
-                <p:oleObj spid="_x0000_s7" name="" r:id="rId1" imgW="10642600" imgH="8661400" progId="Visio.Drawing.15">
+                <p:oleObj spid="_x0000_s4099" r:id="rId3" imgW="10642600" imgH="8661400" progId="Visio.Drawing.15">
                   <p:embed/>
                 </p:oleObj>
               </mc:Choice>
               <mc:Fallback>
-                <p:oleObj name="" r:id="rId1" imgW="10642600" imgH="8661400" progId="Visio.Drawing.15">
+                <p:oleObj r:id="rId3" imgW="10642600" imgH="8661400" progId="Visio.Drawing.15">
                   <p:embed/>
                   <p:pic>
                     <p:nvPicPr>
@@ -9794,7 +9667,7 @@
                       <p:nvPr/>
                     </p:nvPicPr>
                     <p:blipFill>
-                      <a:blip r:embed="rId2"/>
+                      <a:blip r:embed="rId4"/>
                       <a:stretch>
                         <a:fillRect/>
                       </a:stretch>
@@ -9858,7 +9731,6 @@
               <a:rPr lang="zh-CN" altLang="en-US" sz="1600"/>
               <a:t>顺序写</a:t>
             </a:r>
-            <a:endParaRPr lang="zh-CN" altLang="en-US" sz="1600"/>
           </a:p>
         </p:txBody>
       </p:sp>
@@ -9879,7 +9751,14 @@
         <p:cNvGrpSpPr/>
         <p:nvPr/>
       </p:nvGrpSpPr>
-      <p:grpSpPr/>
+      <p:grpSpPr>
+        <a:xfrm>
+          <a:off x="0" y="0"/>
+          <a:ext cx="0" cy="0"/>
+          <a:chOff x="0" y="0"/>
+          <a:chExt cx="0" cy="0"/>
+        </a:xfrm>
+      </p:grpSpPr>
       <p:sp>
         <p:nvSpPr>
           <p:cNvPr id="2" name="标题 1"/>
@@ -9895,6 +9774,7 @@
           <a:bodyPr>
             <a:normAutofit/>
           </a:bodyPr>
+          <a:lstStyle/>
           <a:p>
             <a:pPr algn="ctr"/>
             <a:r>
@@ -9911,14 +9791,14 @@
         <p:nvPicPr>
           <p:cNvPr id="4" name="内容占位符 3"/>
           <p:cNvPicPr>
-            <a:picLocks noChangeAspect="1"/>
+            <a:picLocks noGrp="1" noChangeAspect="1"/>
           </p:cNvPicPr>
           <p:nvPr>
             <p:ph idx="1"/>
           </p:nvPr>
         </p:nvPicPr>
         <p:blipFill>
-          <a:blip r:embed="rId1"/>
+          <a:blip r:embed="rId2"/>
           <a:stretch>
             <a:fillRect/>
           </a:stretch>
@@ -9950,7 +9830,14 @@
         <p:cNvGrpSpPr/>
         <p:nvPr/>
       </p:nvGrpSpPr>
-      <p:grpSpPr/>
+      <p:grpSpPr>
+        <a:xfrm>
+          <a:off x="0" y="0"/>
+          <a:ext cx="0" cy="0"/>
+          <a:chOff x="0" y="0"/>
+          <a:chExt cx="0" cy="0"/>
+        </a:xfrm>
+      </p:grpSpPr>
       <p:sp>
         <p:nvSpPr>
           <p:cNvPr id="2" name="标题 1"/>
@@ -9964,6 +9851,7 @@
         <p:spPr/>
         <p:txBody>
           <a:bodyPr/>
+          <a:lstStyle/>
           <a:p>
             <a:pPr algn="ctr"/>
             <a:r>
@@ -9984,9 +9872,6 @@
               </a:rPr>
               <a:t>异步刷盘</a:t>
             </a:r>
-            <a:endParaRPr lang="zh-CN" altLang="en-US" dirty="0">
-              <a:sym typeface="+mn-ea"/>
-            </a:endParaRPr>
           </a:p>
         </p:txBody>
       </p:sp>
@@ -10008,8 +9893,9 @@
         </p:spPr>
         <p:txBody>
           <a:bodyPr>
-            <a:normAutofit fontScale="50000"/>
+            <a:normAutofit fontScale="57500" lnSpcReduction="10000"/>
           </a:bodyPr>
+          <a:lstStyle/>
           <a:p>
             <a:r>
               <a:rPr lang="en-US" altLang="zh-CN">
@@ -10024,7 +9910,6 @@
               <a:rPr lang="en-US" altLang="zh-CN"/>
               <a:t>异步刷盘方式：在返回写成功状态时，消息可能只是被写入了os内存的PAGECACHE，写操作的返回快，吞吐量大；当内存里的消息量积累到一定程度时，统一触发写磁盘操作，快速写入</a:t>
             </a:r>
-            <a:endParaRPr lang="en-US" altLang="zh-CN"/>
           </a:p>
           <a:p>
             <a:endParaRPr lang="en-US" altLang="zh-CN"/>
@@ -10040,7 +9925,7 @@
           <p:nvPr/>
         </p:nvPicPr>
         <p:blipFill>
-          <a:blip r:embed="rId1"/>
+          <a:blip r:embed="rId2"/>
           <a:stretch>
             <a:fillRect/>
           </a:stretch>
@@ -10072,7 +9957,14 @@
         <p:cNvGrpSpPr/>
         <p:nvPr/>
       </p:nvGrpSpPr>
-      <p:grpSpPr/>
+      <p:grpSpPr>
+        <a:xfrm>
+          <a:off x="0" y="0"/>
+          <a:ext cx="0" cy="0"/>
+          <a:chOff x="0" y="0"/>
+          <a:chExt cx="0" cy="0"/>
+        </a:xfrm>
+      </p:grpSpPr>
       <p:sp>
         <p:nvSpPr>
           <p:cNvPr id="2" name="标题 1"/>
@@ -10088,6 +9980,7 @@
           <a:bodyPr>
             <a:normAutofit/>
           </a:bodyPr>
+          <a:lstStyle/>
           <a:p>
             <a:pPr algn="ctr"/>
             <a:r>
@@ -10115,7 +10008,9 @@
       <p:sp>
         <p:nvSpPr>
           <p:cNvPr id="8" name="内容占位符 7"/>
-          <p:cNvSpPr/>
+          <p:cNvSpPr>
+            <a:spLocks noGrp="1"/>
+          </p:cNvSpPr>
           <p:nvPr>
             <p:ph idx="1"/>
           </p:nvPr>
@@ -10123,8 +10018,9 @@
         <p:spPr/>
         <p:txBody>
           <a:bodyPr>
-            <a:normAutofit fontScale="80000"/>
+            <a:normAutofit fontScale="87500" lnSpcReduction="10000"/>
           </a:bodyPr>
+          <a:lstStyle/>
           <a:p>
             <a:r>
               <a:rPr lang="zh-CN" altLang="en-US">
@@ -10315,9 +10211,6 @@
               </a:rPr>
               <a:t>lock</a:t>
             </a:r>
-            <a:endParaRPr lang="en-US" altLang="zh-CN">
-              <a:sym typeface="+mn-ea"/>
-            </a:endParaRPr>
           </a:p>
           <a:p>
             <a:pPr marL="36195" indent="0">
@@ -10431,9 +10324,6 @@
               </a:rPr>
               <a:t>如果同步落盘锁会增加加锁时间</a:t>
             </a:r>
-            <a:endParaRPr lang="zh-CN" altLang="en-US">
-              <a:sym typeface="+mn-ea"/>
-            </a:endParaRPr>
           </a:p>
         </p:txBody>
       </p:sp>
@@ -10454,7 +10344,14 @@
         <p:cNvGrpSpPr/>
         <p:nvPr/>
       </p:nvGrpSpPr>
-      <p:grpSpPr/>
+      <p:grpSpPr>
+        <a:xfrm>
+          <a:off x="0" y="0"/>
+          <a:ext cx="0" cy="0"/>
+          <a:chOff x="0" y="0"/>
+          <a:chExt cx="0" cy="0"/>
+        </a:xfrm>
+      </p:grpSpPr>
       <p:sp>
         <p:nvSpPr>
           <p:cNvPr id="2" name="标题 1"/>
@@ -10468,13 +10365,13 @@
         <p:spPr/>
         <p:txBody>
           <a:bodyPr/>
+          <a:lstStyle/>
           <a:p>
             <a:pPr algn="ctr"/>
             <a:r>
               <a:rPr lang="en-US" altLang="zh-CN"/>
               <a:t>master-slave</a:t>
             </a:r>
-            <a:endParaRPr lang="en-US" altLang="zh-CN"/>
           </a:p>
         </p:txBody>
       </p:sp>
@@ -10491,6 +10388,7 @@
         <p:spPr/>
         <p:txBody>
           <a:bodyPr/>
+          <a:lstStyle/>
           <a:p>
             <a:r>
               <a:rPr lang="zh-CN" altLang="en-US"/>
@@ -10504,7 +10402,6 @@
               <a:rPr lang="zh-CN" altLang="en-US"/>
               <a:t>之间复制消息</a:t>
             </a:r>
-            <a:endParaRPr lang="zh-CN" altLang="en-US"/>
           </a:p>
           <a:p>
             <a:pPr marL="36195" indent="0">
@@ -10604,7 +10501,6 @@
               <a:rPr lang="zh-CN" altLang="en-US"/>
               <a:t>自己考虑幂等</a:t>
             </a:r>
-            <a:endParaRPr lang="zh-CN" altLang="en-US"/>
           </a:p>
         </p:txBody>
       </p:sp>
@@ -10625,7 +10521,14 @@
         <p:cNvGrpSpPr/>
         <p:nvPr/>
       </p:nvGrpSpPr>
-      <p:grpSpPr/>
+      <p:grpSpPr>
+        <a:xfrm>
+          <a:off x="0" y="0"/>
+          <a:ext cx="0" cy="0"/>
+          <a:chOff x="0" y="0"/>
+          <a:chExt cx="0" cy="0"/>
+        </a:xfrm>
+      </p:grpSpPr>
       <p:sp>
         <p:nvSpPr>
           <p:cNvPr id="2" name="标题 1"/>
@@ -10639,6 +10542,7 @@
         <p:spPr/>
         <p:txBody>
           <a:bodyPr/>
+          <a:lstStyle/>
           <a:p>
             <a:pPr algn="ctr"/>
             <a:r>
@@ -10653,7 +10557,6 @@
               <a:rPr lang="zh-CN" altLang="en-US"/>
               <a:t>异步复制</a:t>
             </a:r>
-            <a:endParaRPr lang="zh-CN" altLang="en-US"/>
           </a:p>
         </p:txBody>
       </p:sp>
@@ -10672,6 +10575,7 @@
           <a:bodyPr>
             <a:normAutofit fontScale="90000"/>
           </a:bodyPr>
+          <a:lstStyle/>
           <a:p>
             <a:r>
               <a:rPr lang="zh-CN" altLang="en-US"/>
@@ -10709,7 +10613,6 @@
               <a:rPr lang="zh-CN" altLang="en-US"/>
               <a:t>的磁盘</a:t>
             </a:r>
-            <a:endParaRPr lang="zh-CN" altLang="en-US"/>
           </a:p>
           <a:p>
             <a:r>
@@ -10752,7 +10655,6 @@
               <a:rPr lang="en-US" altLang="zh-CN"/>
               <a:t>给slave</a:t>
             </a:r>
-            <a:endParaRPr lang="en-US" altLang="zh-CN"/>
           </a:p>
           <a:p>
             <a:r>
@@ -10795,7 +10697,6 @@
               <a:rPr lang="en-US" altLang="zh-CN"/>
               <a:t>producer</a:t>
             </a:r>
-            <a:endParaRPr lang="en-US" altLang="zh-CN"/>
           </a:p>
         </p:txBody>
       </p:sp>
@@ -10843,10 +10744,9 @@
           <a:p>
             <a:pPr algn="ctr"/>
             <a:r>
-              <a:rPr lang="zh-CN" altLang="en-US" dirty="0" smtClean="0"/>
+              <a:rPr lang="zh-CN" altLang="en-US" dirty="0"/>
               <a:t>监控控制台</a:t>
             </a:r>
-            <a:endParaRPr lang="zh-CN" altLang="en-US" dirty="0" smtClean="0"/>
           </a:p>
         </p:txBody>
       </p:sp>
@@ -10868,92 +10768,90 @@
         </p:spPr>
         <p:txBody>
           <a:bodyPr>
-            <a:normAutofit fontScale="80000"/>
+            <a:normAutofit fontScale="87500" lnSpcReduction="10000"/>
           </a:bodyPr>
           <a:lstStyle/>
           <a:p>
             <a:r>
-              <a:rPr lang="zh-CN" altLang="en-US" dirty="0" smtClean="0"/>
+              <a:rPr lang="zh-CN" altLang="en-US" dirty="0"/>
               <a:t>查看集群</a:t>
             </a:r>
-            <a:endParaRPr lang="en-US" altLang="zh-CN" dirty="0" smtClean="0"/>
-          </a:p>
-          <a:p>
-            <a:r>
-              <a:rPr lang="zh-CN" altLang="en-US" dirty="0" smtClean="0"/>
+            <a:endParaRPr lang="en-US" altLang="zh-CN" dirty="0"/>
+          </a:p>
+          <a:p>
+            <a:r>
+              <a:rPr lang="zh-CN" altLang="en-US" dirty="0"/>
               <a:t>更新</a:t>
             </a:r>
             <a:r>
-              <a:rPr lang="en-US" altLang="zh-CN" dirty="0" smtClean="0"/>
+              <a:rPr lang="en-US" altLang="zh-CN" dirty="0"/>
               <a:t>topic</a:t>
             </a:r>
             <a:r>
-              <a:rPr lang="zh-CN" altLang="en-US" dirty="0" smtClean="0"/>
+              <a:rPr lang="zh-CN" altLang="en-US" dirty="0"/>
               <a:t>配置</a:t>
             </a:r>
-            <a:endParaRPr lang="en-US" altLang="zh-CN" dirty="0" smtClean="0"/>
-          </a:p>
-          <a:p>
-            <a:r>
-              <a:rPr lang="zh-CN" altLang="en-US" dirty="0" smtClean="0"/>
+            <a:endParaRPr lang="en-US" altLang="zh-CN" dirty="0"/>
+          </a:p>
+          <a:p>
+            <a:r>
+              <a:rPr lang="zh-CN" altLang="en-US" dirty="0"/>
               <a:t>查看生产者、消费者连接</a:t>
             </a:r>
-            <a:endParaRPr lang="en-US" altLang="zh-CN" dirty="0" smtClean="0"/>
-          </a:p>
-          <a:p>
-            <a:r>
-              <a:rPr lang="zh-CN" altLang="en-US" dirty="0" smtClean="0"/>
+            <a:endParaRPr lang="en-US" altLang="zh-CN" dirty="0"/>
+          </a:p>
+          <a:p>
+            <a:r>
+              <a:rPr lang="zh-CN" altLang="en-US" dirty="0"/>
               <a:t>更新</a:t>
             </a:r>
             <a:r>
-              <a:rPr lang="en-US" altLang="zh-CN" dirty="0" smtClean="0"/>
+              <a:rPr lang="en-US" altLang="zh-CN" dirty="0"/>
               <a:t>name server</a:t>
             </a:r>
             <a:r>
-              <a:rPr lang="zh-CN" altLang="en-US" dirty="0" smtClean="0"/>
+              <a:rPr lang="zh-CN" altLang="en-US" dirty="0"/>
               <a:t>配置</a:t>
             </a:r>
-            <a:endParaRPr lang="en-US" altLang="zh-CN" dirty="0" smtClean="0"/>
-          </a:p>
-          <a:p>
-            <a:r>
-              <a:rPr lang="zh-CN" altLang="en-US" dirty="0" smtClean="0"/>
+            <a:endParaRPr lang="en-US" altLang="zh-CN" dirty="0"/>
+          </a:p>
+          <a:p>
+            <a:r>
+              <a:rPr lang="zh-CN" altLang="en-US" dirty="0"/>
               <a:t>查询消息</a:t>
             </a:r>
-            <a:endParaRPr lang="en-US" altLang="zh-CN" dirty="0" smtClean="0"/>
-          </a:p>
-          <a:p>
-            <a:r>
-              <a:rPr lang="zh-CN" altLang="en-US" dirty="0" smtClean="0"/>
+            <a:endParaRPr lang="en-US" altLang="zh-CN" dirty="0"/>
+          </a:p>
+          <a:p>
+            <a:r>
+              <a:rPr lang="zh-CN" altLang="en-US" dirty="0"/>
               <a:t>配置</a:t>
             </a:r>
             <a:r>
-              <a:rPr lang="en-US" altLang="zh-CN" dirty="0" smtClean="0"/>
+              <a:rPr lang="en-US" altLang="zh-CN" dirty="0"/>
               <a:t>broker</a:t>
             </a:r>
-            <a:endParaRPr lang="en-US" altLang="zh-CN" dirty="0" smtClean="0"/>
-          </a:p>
-          <a:p>
-            <a:r>
-              <a:rPr lang="zh-CN" altLang="en-US" dirty="0" smtClean="0"/>
+          </a:p>
+          <a:p>
+            <a:r>
+              <a:rPr lang="zh-CN" altLang="en-US" dirty="0"/>
               <a:t>更新</a:t>
             </a:r>
             <a:r>
-              <a:rPr lang="en-US" altLang="zh-CN" dirty="0" smtClean="0"/>
+              <a:rPr lang="en-US" altLang="zh-CN" dirty="0"/>
               <a:t>offset</a:t>
             </a:r>
             <a:r>
-              <a:rPr lang="zh-CN" altLang="en-US" dirty="0" smtClean="0"/>
+              <a:rPr lang="zh-CN" altLang="en-US" dirty="0"/>
               <a:t>消费位点，重新消费</a:t>
             </a:r>
-            <a:endParaRPr lang="en-US" altLang="zh-CN" dirty="0" smtClean="0"/>
-          </a:p>
-          <a:p>
-            <a:r>
-              <a:rPr lang="zh-CN" altLang="en-US" dirty="0" smtClean="0"/>
+            <a:endParaRPr lang="en-US" altLang="zh-CN" dirty="0"/>
+          </a:p>
+          <a:p>
+            <a:r>
+              <a:rPr lang="zh-CN" altLang="en-US" dirty="0"/>
               <a:t>更改订阅关系配置，查询消费进度</a:t>
             </a:r>
-            <a:endParaRPr lang="zh-CN" altLang="en-US" dirty="0" smtClean="0"/>
           </a:p>
           <a:p>
             <a:r>
@@ -10962,9 +10860,6 @@
               </a:rPr>
               <a:t>测试环境地址</a:t>
             </a:r>
-            <a:endParaRPr lang="zh-CN" altLang="en-US">
-              <a:sym typeface="+mn-ea"/>
-            </a:endParaRPr>
           </a:p>
           <a:p>
             <a:pPr marL="36195" indent="0">
@@ -10997,13 +10892,6 @@
   <p:clrMapOvr>
     <a:masterClrMapping/>
   </p:clrMapOvr>
-  <p:timing>
-    <p:tnLst>
-      <p:par>
-        <p:cTn id="1" dur="indefinite" restart="never" nodeType="tmRoot"/>
-      </p:par>
-    </p:tnLst>
-  </p:timing>
 </p:sld>
 </file>
 
@@ -11041,10 +10929,9 @@
           <a:p>
             <a:pPr algn="ctr"/>
             <a:r>
-              <a:rPr lang="zh-CN" altLang="en-US" dirty="0" smtClean="0"/>
+              <a:rPr lang="zh-CN" altLang="en-US" dirty="0"/>
               <a:t>监控界面</a:t>
             </a:r>
-            <a:endParaRPr lang="zh-CN" altLang="en-US" dirty="0"/>
           </a:p>
         </p:txBody>
       </p:sp>
@@ -11057,7 +10944,7 @@
           <p:nvPr/>
         </p:nvPicPr>
         <p:blipFill>
-          <a:blip r:embed="rId1"/>
+          <a:blip r:embed="rId2"/>
           <a:stretch>
             <a:fillRect/>
           </a:stretch>
@@ -11077,13 +10964,6 @@
   <p:clrMapOvr>
     <a:masterClrMapping/>
   </p:clrMapOvr>
-  <p:timing>
-    <p:tnLst>
-      <p:par>
-        <p:cTn id="1" dur="indefinite" restart="never" nodeType="tmRoot"/>
-      </p:par>
-    </p:tnLst>
-  </p:timing>
 </p:sld>
 </file>
 
@@ -11121,10 +11001,9 @@
           <a:p>
             <a:pPr algn="ctr"/>
             <a:r>
-              <a:rPr lang="zh-CN" altLang="en-US" dirty="0" smtClean="0"/>
+              <a:rPr lang="zh-CN" altLang="en-US" dirty="0"/>
               <a:t>重要配置</a:t>
             </a:r>
-            <a:endParaRPr lang="zh-CN" altLang="en-US" dirty="0"/>
           </a:p>
         </p:txBody>
       </p:sp>
@@ -11144,61 +11023,55 @@
           <a:lstStyle/>
           <a:p>
             <a:r>
-              <a:rPr lang="en-US" altLang="zh-CN" dirty="0" smtClean="0"/>
+              <a:rPr lang="en-US" altLang="zh-CN" dirty="0"/>
               <a:t>Producer Group</a:t>
             </a:r>
-            <a:endParaRPr lang="en-US" altLang="zh-CN" dirty="0" smtClean="0"/>
           </a:p>
           <a:p>
             <a:pPr lvl="1"/>
             <a:r>
-              <a:rPr lang="zh-CN" altLang="en-US" dirty="0" smtClean="0"/>
+              <a:rPr lang="zh-CN" altLang="en-US" dirty="0"/>
               <a:t>发送端应用集群的所有机器配置的，要全局唯一，跟其它应用区别</a:t>
             </a:r>
-            <a:endParaRPr lang="en-US" altLang="zh-CN" dirty="0" smtClean="0"/>
-          </a:p>
-          <a:p>
-            <a:r>
-              <a:rPr lang="en-US" altLang="zh-CN" dirty="0" smtClean="0"/>
+            <a:endParaRPr lang="en-US" altLang="zh-CN" dirty="0"/>
+          </a:p>
+          <a:p>
+            <a:r>
+              <a:rPr lang="en-US" altLang="zh-CN" dirty="0"/>
               <a:t>Consumer Group</a:t>
             </a:r>
-            <a:endParaRPr lang="en-US" altLang="zh-CN" dirty="0" smtClean="0"/>
           </a:p>
           <a:p>
             <a:pPr lvl="1"/>
             <a:r>
               <a:rPr lang="zh-CN" altLang="en-US" dirty="0"/>
-              <a:t>消费</a:t>
-            </a:r>
-            <a:r>
-              <a:rPr lang="zh-CN" altLang="en-US" dirty="0" smtClean="0"/>
-              <a:t>端应用集群所有机器配置的，要全局唯一，跟其它应用区别，要不然会出现消息投递问题</a:t>
-            </a:r>
-            <a:endParaRPr lang="en-US" altLang="zh-CN" dirty="0" smtClean="0"/>
-          </a:p>
-          <a:p>
-            <a:r>
-              <a:rPr lang="en-US" altLang="zh-CN" dirty="0" smtClean="0"/>
+              <a:t>消费端应用集群所有机器配置的，要全局唯一，跟其它应用区别，要不然会出现消息投递问题</a:t>
+            </a:r>
+            <a:endParaRPr lang="en-US" altLang="zh-CN" dirty="0"/>
+          </a:p>
+          <a:p>
+            <a:r>
+              <a:rPr lang="en-US" altLang="zh-CN" dirty="0"/>
               <a:t>Name Server</a:t>
             </a:r>
             <a:r>
-              <a:rPr lang="zh-CN" altLang="en-US" dirty="0" smtClean="0"/>
+              <a:rPr lang="zh-CN" altLang="en-US" dirty="0"/>
               <a:t>的地址</a:t>
             </a:r>
-            <a:endParaRPr lang="en-US" altLang="zh-CN" dirty="0" smtClean="0"/>
+            <a:endParaRPr lang="en-US" altLang="zh-CN" dirty="0"/>
           </a:p>
           <a:p>
             <a:pPr lvl="1"/>
             <a:r>
-              <a:rPr lang="zh-CN" altLang="en-US" dirty="0" smtClean="0"/>
+              <a:rPr lang="zh-CN" altLang="en-US" dirty="0"/>
               <a:t>格式为</a:t>
             </a:r>
             <a:r>
-              <a:rPr lang="en-US" altLang="zh-CN" smtClean="0"/>
+              <a:rPr lang="en-US" altLang="zh-CN"/>
               <a:t>”192.168.1.1:9876;192.168.1.2:9876</a:t>
             </a:r>
             <a:r>
-              <a:rPr lang="en-US" altLang="zh-CN" dirty="0" smtClean="0"/>
+              <a:rPr lang="en-US" altLang="zh-CN" dirty="0"/>
               <a:t>”</a:t>
             </a:r>
             <a:endParaRPr lang="zh-CN" altLang="en-US" dirty="0"/>
@@ -11210,13 +11083,6 @@
   <p:clrMapOvr>
     <a:masterClrMapping/>
   </p:clrMapOvr>
-  <p:timing>
-    <p:tnLst>
-      <p:par>
-        <p:cTn id="1" dur="indefinite" restart="never" nodeType="tmRoot"/>
-      </p:par>
-    </p:tnLst>
-  </p:timing>
 </p:sld>
 </file>
 
@@ -11254,10 +11120,9 @@
           <a:p>
             <a:pPr algn="ctr"/>
             <a:r>
-              <a:rPr lang="zh-CN" altLang="en-US" dirty="0" smtClean="0"/>
+              <a:rPr lang="zh-CN" altLang="en-US" dirty="0"/>
               <a:t>链接</a:t>
             </a:r>
-            <a:endParaRPr lang="zh-CN" altLang="en-US" dirty="0"/>
           </a:p>
         </p:txBody>
       </p:sp>
@@ -11282,7 +11147,6 @@
               <a:rPr lang="en-US" altLang="zh-CN" dirty="0"/>
               <a:t>apache:</a:t>
             </a:r>
-            <a:endParaRPr lang="en-US" altLang="zh-CN" dirty="0"/>
           </a:p>
           <a:p>
             <a:pPr marL="36195" indent="0">
@@ -11294,7 +11158,7 @@
             </a:r>
             <a:r>
               <a:rPr lang="en-US" altLang="zh-CN" dirty="0">
-                <a:hlinkClick r:id="rId1"/>
+                <a:hlinkClick r:id="rId2"/>
               </a:rPr>
               <a:t>https://github.com/apache/rocketmq</a:t>
             </a:r>
@@ -11316,14 +11180,10 @@
             <a:r>
               <a:rPr>
                 <a:sym typeface="+mn-ea"/>
-                <a:hlinkClick r:id="rId2"/>
+                <a:hlinkClick r:id="rId3"/>
               </a:rPr>
               <a:t>http://svn.66buy.com.cn:3443/svn/coding/third-jar/rocketmq</a:t>
             </a:r>
-            <a:endParaRPr>
-              <a:sym typeface="+mn-ea"/>
-              <a:hlinkClick r:id="rId2"/>
-            </a:endParaRPr>
           </a:p>
           <a:p>
             <a:r>
@@ -11332,9 +11192,6 @@
               </a:rPr>
               <a:t>监控平台测试环境：</a:t>
             </a:r>
-            <a:endParaRPr lang="zh-CN" altLang="en-US">
-              <a:sym typeface="+mn-ea"/>
-            </a:endParaRPr>
           </a:p>
           <a:p>
             <a:pPr marL="36195" indent="0">
@@ -11345,13 +11202,13 @@
             </a:r>
             <a:r>
               <a:rPr>
-                <a:hlinkClick r:id="rId3"/>
+                <a:hlinkClick r:id="rId4"/>
               </a:rPr>
               <a:t>http://mq-console.test.66buy.com.cn/#</a:t>
             </a:r>
             <a:r>
               <a:rPr lang="en-US">
-                <a:hlinkClick r:id="rId3"/>
+                <a:hlinkClick r:id="rId4"/>
               </a:rPr>
               <a:t>/</a:t>
             </a:r>
@@ -11361,8 +11218,8 @@
             <a:pPr marL="36195" indent="0">
               <a:buNone/>
             </a:pPr>
-            <a:endParaRPr lang="en-US" altLang="zh-CN" dirty="0" smtClean="0">
-              <a:hlinkClick r:id="rId4"/>
+            <a:endParaRPr lang="en-US" altLang="zh-CN" dirty="0">
+              <a:hlinkClick r:id="rId5"/>
             </a:endParaRPr>
           </a:p>
         </p:txBody>
@@ -11372,13 +11229,6 @@
   <p:clrMapOvr>
     <a:masterClrMapping/>
   </p:clrMapOvr>
-  <p:timing>
-    <p:tnLst>
-      <p:par>
-        <p:cTn id="1" dur="indefinite" restart="never" nodeType="tmRoot"/>
-      </p:par>
-    </p:tnLst>
-  </p:timing>
 </p:sld>
 </file>
 
@@ -11416,14 +11266,13 @@
           <a:p>
             <a:pPr algn="ctr"/>
             <a:r>
-              <a:rPr lang="en-US" altLang="zh-CN" dirty="0" smtClean="0"/>
+              <a:rPr lang="en-US" altLang="zh-CN" dirty="0"/>
               <a:t>MQ</a:t>
             </a:r>
             <a:r>
-              <a:rPr lang="zh-CN" altLang="en-US" dirty="0" smtClean="0"/>
+              <a:rPr lang="zh-CN" altLang="en-US" dirty="0"/>
               <a:t>使用场景</a:t>
             </a:r>
-            <a:endParaRPr lang="zh-CN" altLang="en-US" dirty="0"/>
           </a:p>
         </p:txBody>
       </p:sp>
@@ -11445,139 +11294,138 @@
           <a:lstStyle/>
           <a:p>
             <a:r>
-              <a:rPr lang="zh-CN" altLang="en-US" sz="1800" dirty="0" smtClean="0"/>
+              <a:rPr lang="zh-CN" altLang="en-US" sz="1800" dirty="0"/>
               <a:t>系统解耦；说说系统耦合的情况，用户调用</a:t>
             </a:r>
             <a:r>
-              <a:rPr lang="en-US" altLang="zh-CN" sz="1800" dirty="0" smtClean="0"/>
+              <a:rPr lang="en-US" altLang="zh-CN" sz="1800" dirty="0"/>
               <a:t>a</a:t>
             </a:r>
             <a:r>
-              <a:rPr lang="zh-CN" altLang="en-US" sz="1800" dirty="0" smtClean="0"/>
+              <a:rPr lang="zh-CN" altLang="en-US" sz="1800" dirty="0"/>
               <a:t>系统，</a:t>
             </a:r>
             <a:r>
-              <a:rPr lang="en-US" altLang="zh-CN" sz="1800" dirty="0" smtClean="0"/>
+              <a:rPr lang="en-US" altLang="zh-CN" sz="1800" dirty="0"/>
               <a:t>a</a:t>
             </a:r>
             <a:r>
-              <a:rPr lang="zh-CN" altLang="en-US" sz="1800" dirty="0" smtClean="0"/>
+              <a:rPr lang="zh-CN" altLang="en-US" sz="1800" dirty="0"/>
               <a:t>系统需要通知</a:t>
             </a:r>
             <a:r>
-              <a:rPr lang="en-US" altLang="zh-CN" sz="1800" dirty="0" smtClean="0"/>
+              <a:rPr lang="en-US" altLang="zh-CN" sz="1800" dirty="0"/>
               <a:t>b</a:t>
             </a:r>
             <a:r>
-              <a:rPr lang="zh-CN" altLang="en-US" sz="1800" dirty="0" smtClean="0"/>
+              <a:rPr lang="zh-CN" altLang="en-US" sz="1800" dirty="0"/>
               <a:t>、</a:t>
             </a:r>
             <a:r>
-              <a:rPr lang="en-US" altLang="zh-CN" sz="1800" dirty="0" smtClean="0"/>
+              <a:rPr lang="en-US" altLang="zh-CN" sz="1800" dirty="0"/>
               <a:t>c</a:t>
             </a:r>
             <a:r>
-              <a:rPr lang="zh-CN" altLang="en-US" sz="1800" dirty="0" smtClean="0"/>
+              <a:rPr lang="zh-CN" altLang="en-US" sz="1800" dirty="0"/>
               <a:t>系统，可以让</a:t>
             </a:r>
             <a:r>
-              <a:rPr lang="en-US" altLang="zh-CN" sz="1800" dirty="0" smtClean="0"/>
+              <a:rPr lang="en-US" altLang="zh-CN" sz="1800" dirty="0"/>
               <a:t>b/c</a:t>
             </a:r>
             <a:r>
-              <a:rPr lang="zh-CN" altLang="en-US" sz="1800" dirty="0" smtClean="0"/>
+              <a:rPr lang="zh-CN" altLang="en-US" sz="1800" dirty="0"/>
               <a:t>提供接口，</a:t>
             </a:r>
             <a:r>
-              <a:rPr lang="en-US" altLang="zh-CN" sz="1800" dirty="0" smtClean="0"/>
+              <a:rPr lang="en-US" altLang="zh-CN" sz="1800" dirty="0"/>
               <a:t>a</a:t>
             </a:r>
             <a:r>
-              <a:rPr lang="zh-CN" altLang="en-US" sz="1800" dirty="0" smtClean="0"/>
+              <a:rPr lang="zh-CN" altLang="en-US" sz="1800" dirty="0"/>
               <a:t>按照</a:t>
             </a:r>
             <a:r>
-              <a:rPr lang="en-US" altLang="zh-CN" sz="1800" dirty="0" smtClean="0"/>
+              <a:rPr lang="en-US" altLang="zh-CN" sz="1800" dirty="0"/>
               <a:t>b/c</a:t>
             </a:r>
             <a:r>
-              <a:rPr lang="zh-CN" altLang="en-US" sz="1800" dirty="0" smtClean="0"/>
+              <a:rPr lang="zh-CN" altLang="en-US" sz="1800" dirty="0"/>
               <a:t>要求的参数格式分别调用</a:t>
             </a:r>
             <a:r>
-              <a:rPr lang="en-US" altLang="zh-CN" sz="1800" dirty="0" smtClean="0"/>
+              <a:rPr lang="en-US" altLang="zh-CN" sz="1800" dirty="0"/>
               <a:t>bc</a:t>
             </a:r>
             <a:r>
-              <a:rPr lang="zh-CN" altLang="en-US" sz="1800" dirty="0" smtClean="0"/>
+              <a:rPr lang="zh-CN" altLang="en-US" sz="1800" dirty="0"/>
               <a:t>这就是一种耦合，如果使用</a:t>
             </a:r>
             <a:r>
-              <a:rPr lang="en-US" altLang="zh-CN" sz="1800" dirty="0" smtClean="0"/>
+              <a:rPr lang="en-US" altLang="zh-CN" sz="1800" dirty="0"/>
               <a:t>mq</a:t>
             </a:r>
             <a:r>
-              <a:rPr lang="zh-CN" altLang="en-US" sz="1800" dirty="0" smtClean="0"/>
+              <a:rPr lang="zh-CN" altLang="en-US" sz="1800" dirty="0"/>
               <a:t>，则</a:t>
             </a:r>
             <a:r>
-              <a:rPr lang="en-US" altLang="zh-CN" sz="1800" dirty="0" smtClean="0"/>
+              <a:rPr lang="en-US" altLang="zh-CN" sz="1800" dirty="0"/>
               <a:t>a</a:t>
             </a:r>
             <a:r>
-              <a:rPr lang="zh-CN" altLang="en-US" sz="1800" dirty="0" smtClean="0"/>
+              <a:rPr lang="zh-CN" altLang="en-US" sz="1800" dirty="0"/>
               <a:t>无需关心</a:t>
             </a:r>
             <a:r>
-              <a:rPr lang="en-US" altLang="zh-CN" sz="1800" dirty="0" smtClean="0"/>
+              <a:rPr lang="en-US" altLang="zh-CN" sz="1800" dirty="0"/>
               <a:t>bc</a:t>
             </a:r>
             <a:r>
-              <a:rPr lang="zh-CN" altLang="en-US" sz="1800" dirty="0" smtClean="0"/>
+              <a:rPr lang="zh-CN" altLang="en-US" sz="1800" dirty="0"/>
               <a:t>接口格式，只需要发出自己的消息即可，谁关心谁订阅</a:t>
             </a:r>
-            <a:endParaRPr lang="en-US" altLang="zh-CN" sz="1800" dirty="0" smtClean="0"/>
-          </a:p>
-          <a:p>
-            <a:r>
-              <a:rPr lang="zh-CN" altLang="en-US" sz="1800" dirty="0" smtClean="0"/>
+            <a:endParaRPr lang="en-US" altLang="zh-CN" sz="1800" dirty="0"/>
+          </a:p>
+          <a:p>
+            <a:r>
+              <a:rPr lang="zh-CN" altLang="en-US" sz="1800" dirty="0"/>
               <a:t>消除流量峰值；</a:t>
             </a:r>
             <a:r>
-              <a:rPr lang="en-US" altLang="zh-CN" sz="1800" dirty="0" smtClean="0"/>
+              <a:rPr lang="en-US" altLang="zh-CN" sz="1800" dirty="0"/>
               <a:t>consumer</a:t>
             </a:r>
             <a:r>
-              <a:rPr lang="zh-CN" altLang="en-US" sz="1800" dirty="0" smtClean="0"/>
+              <a:rPr lang="zh-CN" altLang="en-US" sz="1800" dirty="0"/>
               <a:t>根据自己的处理能力，每隔一定时间，或者每次拉取若干条消息，实施流控，达到保护自身的效果。https://blog.csdn.net/u011676417/article/details/70168194</a:t>
             </a:r>
-            <a:endParaRPr lang="zh-CN" altLang="en-US" sz="1800" dirty="0" smtClean="0"/>
-          </a:p>
-          <a:p>
-            <a:r>
-              <a:rPr lang="zh-CN" altLang="en-US" sz="1800" dirty="0" smtClean="0"/>
+          </a:p>
+          <a:p>
+            <a:r>
+              <a:rPr lang="zh-CN" altLang="en-US" sz="1800" dirty="0"/>
               <a:t>提高应用响应速度；耗时的同步调用，可改为异步</a:t>
             </a:r>
             <a:r>
-              <a:rPr lang="en-US" altLang="zh-CN" sz="1800" dirty="0" smtClean="0"/>
+              <a:rPr lang="en-US" altLang="zh-CN" sz="1800" dirty="0"/>
               <a:t>mq</a:t>
             </a:r>
             <a:r>
-              <a:rPr lang="zh-CN" altLang="en-US" sz="1800" dirty="0" smtClean="0"/>
+              <a:rPr lang="zh-CN" altLang="en-US" sz="1800" dirty="0"/>
               <a:t>通知，可提高接口响应速度</a:t>
             </a:r>
-            <a:endParaRPr lang="en-US" altLang="zh-CN" sz="1800" dirty="0" smtClean="0"/>
-          </a:p>
-          <a:p>
-            <a:r>
-              <a:rPr lang="zh-CN" altLang="en-US" sz="1800" dirty="0" smtClean="0"/>
+            <a:endParaRPr lang="en-US" altLang="zh-CN" sz="1800" dirty="0"/>
+          </a:p>
+          <a:p>
+            <a:r>
+              <a:rPr lang="zh-CN" altLang="en-US" sz="1800" dirty="0"/>
               <a:t>消息分发；应用发出的消息可以分发给很多应用</a:t>
             </a:r>
-            <a:endParaRPr lang="en-US" altLang="zh-CN" sz="1800" dirty="0" smtClean="0"/>
-          </a:p>
-          <a:p>
-            <a:r>
-              <a:rPr sz="1800" dirty="0" smtClean="0">
+            <a:endParaRPr lang="en-US" altLang="zh-CN" sz="1800" dirty="0"/>
+          </a:p>
+          <a:p>
+            <a:r>
+              <a:rPr sz="1800" dirty="0" err="1">
                 <a:latin typeface="黑体" panose="02010609060101010101" charset="-122"/>
                 <a:ea typeface="黑体" panose="02010609060101010101" charset="-122"/>
                 <a:cs typeface="黑体" panose="02010609060101010101" charset="-122"/>
@@ -11585,7 +11433,7 @@
               <a:t>分布式事务</a:t>
             </a:r>
             <a:r>
-              <a:rPr lang="en-US" altLang="zh-CN" sz="1800" dirty="0" smtClean="0">
+              <a:rPr lang="en-US" altLang="zh-CN" sz="1800" dirty="0">
                 <a:latin typeface="黑体" panose="02010609060101010101" charset="-122"/>
                 <a:ea typeface="黑体" panose="02010609060101010101" charset="-122"/>
                 <a:cs typeface="黑体" panose="02010609060101010101" charset="-122"/>
@@ -11593,7 +11441,7 @@
               <a:t>(</a:t>
             </a:r>
             <a:r>
-              <a:rPr lang="zh-CN" altLang="en-US" sz="1800" dirty="0" smtClean="0">
+              <a:rPr lang="zh-CN" altLang="en-US" sz="1800" dirty="0">
                 <a:latin typeface="黑体" panose="02010609060101010101" charset="-122"/>
                 <a:ea typeface="黑体" panose="02010609060101010101" charset="-122"/>
                 <a:cs typeface="黑体" panose="02010609060101010101" charset="-122"/>
@@ -11601,37 +11449,36 @@
               <a:t>有些</a:t>
             </a:r>
             <a:r>
-              <a:rPr lang="en-US" altLang="zh-CN" sz="1800" dirty="0" smtClean="0"/>
+              <a:rPr lang="en-US" altLang="zh-CN" sz="1800" dirty="0" err="1"/>
               <a:t>mq</a:t>
             </a:r>
             <a:r>
-              <a:rPr lang="zh-CN" altLang="en-US" sz="1800" dirty="0" smtClean="0"/>
+              <a:rPr lang="zh-CN" altLang="en-US" sz="1800" dirty="0"/>
               <a:t>不支持</a:t>
             </a:r>
             <a:r>
-              <a:rPr lang="en-US" altLang="zh-CN" sz="1800" dirty="0" smtClean="0"/>
+              <a:rPr lang="en-US" altLang="zh-CN" sz="1800" dirty="0"/>
               <a:t>)</a:t>
             </a:r>
             <a:r>
-              <a:rPr lang="zh-CN" altLang="en-US" sz="1800" dirty="0" smtClean="0"/>
+              <a:rPr lang="zh-CN" altLang="en-US" sz="1800" dirty="0"/>
               <a:t>，多个应用保证同时成功或失败，</a:t>
             </a:r>
             <a:r>
-              <a:rPr lang="en-US" altLang="zh-CN" sz="1800" dirty="0" smtClean="0"/>
+              <a:rPr lang="en-US" altLang="zh-CN" sz="1800" dirty="0" err="1"/>
               <a:t>mq</a:t>
             </a:r>
             <a:r>
-              <a:rPr lang="zh-CN" altLang="en-US" sz="1800" dirty="0" smtClean="0"/>
+              <a:rPr lang="zh-CN" altLang="en-US" sz="1800" dirty="0"/>
               <a:t>的事务功能，可以帮应用进行重试，保证业务的最终一致性</a:t>
             </a:r>
-            <a:endParaRPr lang="en-US" altLang="zh-CN" sz="1800" dirty="0" smtClean="0"/>
-          </a:p>
-          <a:p>
-            <a:r>
-              <a:rPr lang="zh-CN" altLang="en-US" sz="1800" dirty="0" smtClean="0"/>
+            <a:endParaRPr lang="en-US" altLang="zh-CN" sz="1800" dirty="0"/>
+          </a:p>
+          <a:p>
+            <a:r>
+              <a:rPr lang="zh-CN" altLang="en-US" sz="1800" dirty="0"/>
               <a:t>以上所有都需要考虑是否接受异步</a:t>
             </a:r>
-            <a:endParaRPr lang="zh-CN" altLang="en-US" sz="1800" dirty="0"/>
           </a:p>
         </p:txBody>
       </p:sp>
@@ -11640,13 +11487,6 @@
   <p:clrMapOvr>
     <a:masterClrMapping/>
   </p:clrMapOvr>
-  <p:timing>
-    <p:tnLst>
-      <p:par>
-        <p:cTn id="1" dur="indefinite" restart="never" nodeType="tmRoot"/>
-      </p:par>
-    </p:tnLst>
-  </p:timing>
 </p:sld>
 </file>
 
@@ -11659,7 +11499,14 @@
         <p:cNvGrpSpPr/>
         <p:nvPr/>
       </p:nvGrpSpPr>
-      <p:grpSpPr/>
+      <p:grpSpPr>
+        <a:xfrm>
+          <a:off x="0" y="0"/>
+          <a:ext cx="0" cy="0"/>
+          <a:chOff x="0" y="0"/>
+          <a:chExt cx="0" cy="0"/>
+        </a:xfrm>
+      </p:grpSpPr>
       <p:sp>
         <p:nvSpPr>
           <p:cNvPr id="2" name="标题 1"/>
@@ -11673,6 +11520,7 @@
         <p:spPr/>
         <p:txBody>
           <a:bodyPr/>
+          <a:lstStyle/>
           <a:p>
             <a:pPr algn="ctr"/>
             <a:r>
@@ -11683,7 +11531,6 @@
               <a:rPr lang="en-US" altLang="zh-CN"/>
               <a:t>4.4.0</a:t>
             </a:r>
-            <a:endParaRPr lang="en-US" altLang="zh-CN"/>
           </a:p>
         </p:txBody>
       </p:sp>
@@ -11700,12 +11547,12 @@
         <p:spPr/>
         <p:txBody>
           <a:bodyPr/>
+          <a:lstStyle/>
           <a:p>
             <a:r>
               <a:rPr lang="zh-CN" altLang="en-US"/>
               <a:t>https://c.51tiangou.com/pages/viewpage.action?pageId=27099874</a:t>
             </a:r>
-            <a:endParaRPr lang="zh-CN" altLang="en-US"/>
           </a:p>
           <a:p>
             <a:endParaRPr lang="zh-CN" altLang="en-US"/>
@@ -11757,7 +11604,6 @@
               <a:rPr lang="zh-CN" altLang="en-US" dirty="0"/>
               <a:t>总结</a:t>
             </a:r>
-            <a:endParaRPr lang="zh-CN" altLang="en-US" dirty="0"/>
           </a:p>
         </p:txBody>
       </p:sp>
@@ -11777,21 +11623,20 @@
           <a:lstStyle/>
           <a:p>
             <a:r>
-              <a:rPr lang="en-US" altLang="zh-CN" dirty="0" err="1" smtClean="0"/>
+              <a:rPr lang="en-US" altLang="zh-CN" dirty="0" err="1"/>
               <a:t>RocketMQ</a:t>
             </a:r>
             <a:r>
-              <a:rPr lang="zh-CN" altLang="en-US" dirty="0" smtClean="0"/>
+              <a:rPr lang="zh-CN" altLang="en-US" dirty="0"/>
               <a:t>挺好用的</a:t>
             </a:r>
-            <a:endParaRPr lang="en-US" altLang="zh-CN" dirty="0" smtClean="0"/>
-          </a:p>
-          <a:p>
-            <a:r>
-              <a:rPr lang="zh-CN" altLang="en-US" dirty="0" smtClean="0"/>
+            <a:endParaRPr lang="en-US" altLang="zh-CN" dirty="0"/>
+          </a:p>
+          <a:p>
+            <a:r>
+              <a:rPr lang="zh-CN" altLang="en-US" dirty="0"/>
               <a:t>有问题随时找姜洋，姜洋不会找高鹏</a:t>
             </a:r>
-            <a:endParaRPr lang="zh-CN" altLang="en-US" dirty="0" smtClean="0"/>
           </a:p>
         </p:txBody>
       </p:sp>
@@ -11800,13 +11645,6 @@
   <p:clrMapOvr>
     <a:masterClrMapping/>
   </p:clrMapOvr>
-  <p:timing>
-    <p:tnLst>
-      <p:par>
-        <p:cTn id="1" dur="indefinite" restart="never" nodeType="tmRoot"/>
-      </p:par>
-    </p:tnLst>
-  </p:timing>
 </p:sld>
 </file>
 
@@ -11849,11 +11687,11 @@
           <a:p>
             <a:pPr algn="ctr"/>
             <a:r>
-              <a:rPr lang="zh-CN" altLang="en-US" dirty="0" smtClean="0"/>
+              <a:rPr lang="zh-CN" altLang="en-US" dirty="0"/>
               <a:t>常用</a:t>
             </a:r>
             <a:r>
-              <a:rPr lang="en-US" altLang="zh-CN" dirty="0" smtClean="0"/>
+              <a:rPr lang="en-US" altLang="zh-CN" dirty="0"/>
               <a:t>MQ</a:t>
             </a:r>
             <a:endParaRPr lang="zh-CN" altLang="en-US" dirty="0"/>
@@ -11874,12 +11712,12 @@
           <a:graphicData uri="http://schemas.openxmlformats.org/presentationml/2006/ole">
             <mc:AlternateContent xmlns:mc="http://schemas.openxmlformats.org/markup-compatibility/2006">
               <mc:Choice xmlns:v="urn:schemas-microsoft-com:vml" Requires="v">
-                <p:oleObj spid="_x0000_s4" name="" r:id="rId1" imgW="7505700" imgH="11874500" progId="Visio.Drawing.15">
+                <p:oleObj spid="_x0000_s1027" r:id="rId3" imgW="7505700" imgH="11874500" progId="Visio.Drawing.15">
                   <p:embed/>
                 </p:oleObj>
               </mc:Choice>
               <mc:Fallback>
-                <p:oleObj name="" r:id="rId1" imgW="7505700" imgH="11874500" progId="Visio.Drawing.15">
+                <p:oleObj r:id="rId3" imgW="7505700" imgH="11874500" progId="Visio.Drawing.15">
                   <p:embed/>
                   <p:pic>
                     <p:nvPicPr>
@@ -11888,7 +11726,7 @@
                       <p:nvPr/>
                     </p:nvPicPr>
                     <p:blipFill>
-                      <a:blip r:embed="rId2"/>
+                      <a:blip r:embed="rId4"/>
                       <a:stretch>
                         <a:fillRect/>
                       </a:stretch>
@@ -11914,13 +11752,6 @@
   <p:clrMapOvr>
     <a:masterClrMapping/>
   </p:clrMapOvr>
-  <p:timing>
-    <p:tnLst>
-      <p:par>
-        <p:cTn id="1" dur="indefinite" restart="never" nodeType="tmRoot"/>
-      </p:par>
-    </p:tnLst>
-  </p:timing>
 </p:sld>
 </file>
 
@@ -11933,7 +11764,14 @@
         <p:cNvGrpSpPr/>
         <p:nvPr/>
       </p:nvGrpSpPr>
-      <p:grpSpPr/>
+      <p:grpSpPr>
+        <a:xfrm>
+          <a:off x="0" y="0"/>
+          <a:ext cx="0" cy="0"/>
+          <a:chOff x="0" y="0"/>
+          <a:chExt cx="0" cy="0"/>
+        </a:xfrm>
+      </p:grpSpPr>
       <p:sp>
         <p:nvSpPr>
           <p:cNvPr id="2" name="标题 1"/>
@@ -11947,15 +11785,16 @@
         <p:spPr/>
         <p:txBody>
           <a:bodyPr/>
+          <a:lstStyle/>
           <a:p>
             <a:pPr algn="ctr"/>
             <a:r>
-              <a:rPr lang="en-US" altLang="zh-CN" dirty="0" smtClean="0">
+              <a:rPr lang="en-US" altLang="zh-CN" dirty="0">
                 <a:sym typeface="+mn-ea"/>
               </a:rPr>
               <a:t>rocketmq vs kafka</a:t>
             </a:r>
-            <a:endParaRPr lang="zh-CN" altLang="en-US" dirty="0" smtClean="0">
+            <a:endParaRPr lang="zh-CN" altLang="en-US" dirty="0">
               <a:sym typeface="+mn-ea"/>
             </a:endParaRPr>
           </a:p>
@@ -11979,289 +11818,290 @@
         </p:spPr>
         <p:txBody>
           <a:bodyPr>
-            <a:normAutofit fontScale="60000"/>
+            <a:normAutofit fontScale="67500" lnSpcReduction="10000"/>
           </a:bodyPr>
-          <a:p>
-            <a:r>
-              <a:rPr lang="en-US" altLang="zh-CN" b="1" dirty="0" smtClean="0">
+          <a:lstStyle/>
+          <a:p>
+            <a:r>
+              <a:rPr lang="en-US" altLang="zh-CN" b="1" dirty="0">
                 <a:sym typeface="+mn-ea"/>
               </a:rPr>
               <a:t>Kafka,topic</a:t>
             </a:r>
             <a:r>
-              <a:rPr lang="zh-CN" altLang="en-US" b="1" dirty="0" smtClean="0">
+              <a:rPr lang="zh-CN" altLang="en-US" b="1" dirty="0">
                 <a:sym typeface="+mn-ea"/>
               </a:rPr>
               <a:t>少的时</a:t>
             </a:r>
             <a:r>
-              <a:rPr lang="en-US" altLang="zh-CN" b="1" dirty="0" smtClean="0">
+              <a:rPr lang="en-US" altLang="zh-CN" b="1" dirty="0">
                 <a:sym typeface="+mn-ea"/>
               </a:rPr>
               <a:t>tps</a:t>
             </a:r>
             <a:r>
-              <a:rPr lang="zh-CN" altLang="en-US" b="1" dirty="0" smtClean="0">
+              <a:rPr lang="zh-CN" altLang="en-US" b="1" dirty="0">
                 <a:sym typeface="+mn-ea"/>
               </a:rPr>
               <a:t>高因为Producer端将多个小消息合并</a:t>
             </a:r>
             <a:r>
-              <a:rPr lang="en-US" altLang="zh-CN" b="1" dirty="0" smtClean="0">
+              <a:rPr lang="en-US" altLang="zh-CN" b="1" dirty="0">
                 <a:sym typeface="+mn-ea"/>
               </a:rPr>
               <a:t>,</a:t>
             </a:r>
             <a:r>
-              <a:rPr lang="zh-CN" altLang="en-US" b="1" dirty="0" smtClean="0">
+              <a:rPr lang="zh-CN" altLang="en-US" b="1" dirty="0">
                 <a:sym typeface="+mn-ea"/>
               </a:rPr>
               <a:t>批量发向Broker</a:t>
             </a:r>
             <a:r>
-              <a:rPr lang="en-US" altLang="zh-CN" b="1" dirty="0" smtClean="0">
+              <a:rPr lang="en-US" altLang="zh-CN" b="1" dirty="0">
                 <a:sym typeface="+mn-ea"/>
               </a:rPr>
               <a:t>,</a:t>
             </a:r>
             <a:r>
-              <a:rPr lang="zh-CN" altLang="en-US" b="1" dirty="0" smtClean="0">
+              <a:rPr lang="zh-CN" altLang="en-US" b="1" dirty="0">
                 <a:sym typeface="+mn-ea"/>
               </a:rPr>
               <a:t>但是不可靠</a:t>
             </a:r>
             <a:r>
-              <a:rPr lang="en-US" altLang="zh-CN" b="1" dirty="0" smtClean="0">
+              <a:rPr lang="en-US" altLang="zh-CN" b="1" dirty="0">
                 <a:sym typeface="+mn-ea"/>
               </a:rPr>
               <a:t>;topic</a:t>
             </a:r>
             <a:r>
-              <a:rPr lang="zh-CN" altLang="en-US" b="1" dirty="0" smtClean="0">
+              <a:rPr lang="zh-CN" altLang="en-US" b="1" dirty="0">
                 <a:sym typeface="+mn-ea"/>
               </a:rPr>
               <a:t>多的时候</a:t>
             </a:r>
             <a:r>
-              <a:rPr lang="en-US" altLang="zh-CN" b="1" dirty="0" smtClean="0">
+              <a:rPr lang="en-US" altLang="zh-CN" b="1" dirty="0">
                 <a:sym typeface="+mn-ea"/>
               </a:rPr>
               <a:t>tps</a:t>
             </a:r>
             <a:r>
-              <a:rPr lang="zh-CN" altLang="en-US" b="1" dirty="0" smtClean="0">
+              <a:rPr lang="zh-CN" altLang="en-US" b="1" dirty="0">
                 <a:sym typeface="+mn-ea"/>
               </a:rPr>
               <a:t>下降因为</a:t>
             </a:r>
             <a:r>
-              <a:rPr lang="en-US" altLang="zh-CN" b="1" dirty="0" smtClean="0">
+              <a:rPr lang="en-US" altLang="zh-CN" b="1" dirty="0">
                 <a:sym typeface="+mn-ea"/>
               </a:rPr>
               <a:t>,</a:t>
             </a:r>
             <a:r>
-              <a:rPr lang="zh-CN" altLang="en-US" b="1" dirty="0" smtClean="0">
+              <a:rPr lang="zh-CN" altLang="en-US" b="1" dirty="0">
                 <a:sym typeface="+mn-ea"/>
               </a:rPr>
               <a:t>每个</a:t>
             </a:r>
             <a:r>
-              <a:rPr lang="en-US" altLang="zh-CN" b="1" dirty="0" smtClean="0">
+              <a:rPr lang="en-US" altLang="zh-CN" b="1" dirty="0">
                 <a:sym typeface="+mn-ea"/>
               </a:rPr>
               <a:t>topic</a:t>
             </a:r>
             <a:r>
-              <a:rPr lang="zh-CN" altLang="en-US" b="1" dirty="0" smtClean="0">
+              <a:rPr lang="zh-CN" altLang="en-US" b="1" dirty="0">
                 <a:sym typeface="+mn-ea"/>
               </a:rPr>
               <a:t>一个</a:t>
             </a:r>
             <a:r>
-              <a:rPr lang="en-US" altLang="zh-CN" b="1" dirty="0" smtClean="0">
+              <a:rPr lang="en-US" altLang="zh-CN" b="1" dirty="0">
                 <a:sym typeface="+mn-ea"/>
               </a:rPr>
               <a:t>partition,topic</a:t>
             </a:r>
             <a:r>
-              <a:rPr lang="zh-CN" altLang="en-US" b="1" dirty="0" smtClean="0">
+              <a:rPr lang="zh-CN" altLang="en-US" b="1" dirty="0">
                 <a:sym typeface="+mn-ea"/>
               </a:rPr>
               <a:t>多时写数据时磁盘更加不连续</a:t>
             </a:r>
-            <a:endParaRPr lang="en-US" altLang="zh-CN" b="1" dirty="0" smtClean="0"/>
-          </a:p>
-          <a:p>
-            <a:r>
-              <a:rPr lang="en-US" altLang="zh-CN" b="1" dirty="0" err="1" smtClean="0">
+            <a:endParaRPr lang="en-US" altLang="zh-CN" b="1" dirty="0"/>
+          </a:p>
+          <a:p>
+            <a:r>
+              <a:rPr lang="en-US" altLang="zh-CN" b="1" dirty="0" err="1">
                 <a:sym typeface="+mn-ea"/>
               </a:rPr>
               <a:t>RocketMQ,</a:t>
             </a:r>
             <a:r>
-              <a:rPr lang="zh-CN" altLang="en-US" b="1" dirty="0" err="1" smtClean="0">
+              <a:rPr lang="zh-CN" altLang="en-US" b="1" dirty="0" err="1">
                 <a:sym typeface="+mn-ea"/>
               </a:rPr>
               <a:t>也支持批量发送</a:t>
             </a:r>
             <a:r>
-              <a:rPr lang="en-US" altLang="zh-CN" b="1" dirty="0" err="1" smtClean="0">
+              <a:rPr lang="en-US" altLang="zh-CN" b="1" dirty="0" err="1">
                 <a:sym typeface="+mn-ea"/>
               </a:rPr>
               <a:t>,</a:t>
             </a:r>
             <a:r>
-              <a:rPr lang="zh-CN" altLang="en-US" b="1" dirty="0" err="1" smtClean="0">
+              <a:rPr lang="zh-CN" altLang="en-US" b="1" dirty="0" err="1">
                 <a:sym typeface="+mn-ea"/>
               </a:rPr>
               <a:t>如果使用</a:t>
             </a:r>
             <a:r>
-              <a:rPr lang="en-US" altLang="zh-CN" b="1" dirty="0" err="1" smtClean="0">
+              <a:rPr lang="en-US" altLang="zh-CN" b="1" dirty="0" err="1">
                 <a:sym typeface="+mn-ea"/>
               </a:rPr>
               <a:t>,</a:t>
             </a:r>
             <a:r>
-              <a:rPr lang="zh-CN" altLang="en-US" b="1" dirty="0" err="1" smtClean="0">
+              <a:rPr lang="zh-CN" altLang="en-US" b="1" dirty="0" err="1">
                 <a:sym typeface="+mn-ea"/>
               </a:rPr>
               <a:t>吞吐量比上图还要高</a:t>
             </a:r>
             <a:r>
-              <a:rPr lang="en-US" altLang="zh-CN" b="1" dirty="0" err="1" smtClean="0">
+              <a:rPr lang="en-US" altLang="zh-CN" b="1" dirty="0" err="1">
                 <a:sym typeface="+mn-ea"/>
               </a:rPr>
               <a:t>,</a:t>
             </a:r>
             <a:r>
-              <a:rPr lang="zh-CN" altLang="en-US" b="1" dirty="0" err="1" smtClean="0">
+              <a:rPr lang="zh-CN" altLang="en-US" b="1" dirty="0" err="1">
                 <a:sym typeface="+mn-ea"/>
               </a:rPr>
               <a:t>所有消息</a:t>
             </a:r>
             <a:r>
-              <a:rPr lang="en-US" altLang="zh-CN" b="1" dirty="0" err="1" smtClean="0">
+              <a:rPr lang="en-US" altLang="zh-CN" b="1" dirty="0" err="1">
                 <a:sym typeface="+mn-ea"/>
               </a:rPr>
               <a:t>(</a:t>
             </a:r>
             <a:r>
-              <a:rPr lang="zh-CN" altLang="en-US" b="1" dirty="0" err="1" smtClean="0">
+              <a:rPr lang="zh-CN" altLang="en-US" b="1" dirty="0" err="1">
                 <a:sym typeface="+mn-ea"/>
               </a:rPr>
               <a:t>即使不同</a:t>
             </a:r>
             <a:r>
-              <a:rPr lang="en-US" altLang="zh-CN" b="1" dirty="0" err="1" smtClean="0">
+              <a:rPr lang="en-US" altLang="zh-CN" b="1" dirty="0" err="1">
                 <a:sym typeface="+mn-ea"/>
               </a:rPr>
               <a:t>topic)</a:t>
             </a:r>
             <a:r>
-              <a:rPr lang="zh-CN" altLang="en-US" b="1" dirty="0" err="1" smtClean="0">
+              <a:rPr lang="zh-CN" altLang="en-US" b="1" dirty="0" err="1">
                 <a:sym typeface="+mn-ea"/>
               </a:rPr>
               <a:t>连续存储</a:t>
             </a:r>
             <a:r>
-              <a:rPr lang="en-US" altLang="zh-CN" b="1" dirty="0" err="1" smtClean="0">
+              <a:rPr lang="en-US" altLang="zh-CN" b="1" dirty="0" err="1">
                 <a:sym typeface="+mn-ea"/>
               </a:rPr>
               <a:t>,</a:t>
             </a:r>
             <a:r>
-              <a:rPr lang="zh-CN" altLang="en-US" b="1" dirty="0" err="1" smtClean="0">
+              <a:rPr lang="zh-CN" altLang="en-US" b="1" dirty="0" err="1">
                 <a:sym typeface="+mn-ea"/>
               </a:rPr>
               <a:t>顺序写磁盘</a:t>
             </a:r>
             <a:r>
-              <a:rPr lang="en-US" altLang="zh-CN" b="1" dirty="0" err="1" smtClean="0">
+              <a:rPr lang="en-US" altLang="zh-CN" b="1" dirty="0" err="1">
                 <a:sym typeface="+mn-ea"/>
               </a:rPr>
               <a:t>,</a:t>
             </a:r>
             <a:r>
-              <a:rPr lang="zh-CN" altLang="en-US" b="1" dirty="0" err="1" smtClean="0">
+              <a:rPr lang="zh-CN" altLang="en-US" b="1" dirty="0" err="1">
                 <a:sym typeface="+mn-ea"/>
               </a:rPr>
               <a:t>增加</a:t>
             </a:r>
             <a:r>
-              <a:rPr lang="en-US" altLang="zh-CN" b="1" dirty="0" err="1" smtClean="0">
+              <a:rPr lang="en-US" altLang="zh-CN" b="1" dirty="0" err="1">
                 <a:sym typeface="+mn-ea"/>
               </a:rPr>
               <a:t>topic</a:t>
             </a:r>
             <a:r>
-              <a:rPr lang="zh-CN" altLang="en-US" b="1" dirty="0" err="1" smtClean="0">
+              <a:rPr lang="zh-CN" altLang="en-US" b="1" dirty="0" err="1">
                 <a:sym typeface="+mn-ea"/>
               </a:rPr>
               <a:t>对写无影响</a:t>
             </a:r>
-            <a:endParaRPr lang="zh-CN" altLang="en-US" b="1" dirty="0" err="1" smtClean="0"/>
-          </a:p>
-          <a:p>
-            <a:r>
-              <a:rPr lang="zh-CN" altLang="en-US" b="1" dirty="0" err="1" smtClean="0">
+            <a:endParaRPr lang="zh-CN" altLang="en-US" b="1" dirty="0" err="1"/>
+          </a:p>
+          <a:p>
+            <a:r>
+              <a:rPr lang="zh-CN" altLang="en-US" b="1" dirty="0" err="1">
                 <a:sym typeface="+mn-ea"/>
               </a:rPr>
               <a:t>更多</a:t>
             </a:r>
             <a:r>
-              <a:rPr lang="en-US" altLang="zh-CN" b="1" dirty="0" err="1" smtClean="0">
+              <a:rPr lang="en-US" altLang="zh-CN" b="1" dirty="0" err="1">
                 <a:sym typeface="+mn-ea"/>
               </a:rPr>
               <a:t>:</a:t>
             </a:r>
-            <a:endParaRPr lang="en-US" altLang="zh-CN" b="1" dirty="0" err="1" smtClean="0"/>
-          </a:p>
-          <a:p>
-            <a:r>
-              <a:rPr lang="en-US" altLang="zh-CN" b="1" dirty="0" err="1" smtClean="0">
+            <a:endParaRPr lang="en-US" altLang="zh-CN" b="1" dirty="0" err="1"/>
+          </a:p>
+          <a:p>
+            <a:r>
+              <a:rPr lang="en-US" altLang="zh-CN" b="1" dirty="0" err="1">
                 <a:sym typeface="+mn-ea"/>
               </a:rPr>
               <a:t>https://blog.csdn.net/damacheng/article/details/42846549(</a:t>
             </a:r>
             <a:r>
-              <a:rPr lang="zh-CN" altLang="en-US" b="1" dirty="0" err="1" smtClean="0">
+              <a:rPr lang="zh-CN" altLang="en-US" b="1" dirty="0" err="1">
                 <a:sym typeface="+mn-ea"/>
               </a:rPr>
               <a:t>其中</a:t>
             </a:r>
             <a:r>
-              <a:rPr lang="en-US" b="1" dirty="0" err="1" smtClean="0">
+              <a:rPr lang="en-US" b="1" dirty="0" err="1">
                 <a:sym typeface="+mn-ea"/>
               </a:rPr>
               <a:t>1</a:t>
             </a:r>
             <a:r>
-              <a:rPr lang="zh-CN" altLang="en-US" b="1" dirty="0" err="1" smtClean="0">
+              <a:rPr lang="zh-CN" altLang="en-US" b="1" dirty="0" err="1">
                 <a:sym typeface="+mn-ea"/>
               </a:rPr>
               <a:t>点问题</a:t>
             </a:r>
             <a:r>
-              <a:rPr lang="en-US" altLang="zh-CN" b="1" dirty="0" err="1" smtClean="0">
+              <a:rPr lang="en-US" altLang="zh-CN" b="1" dirty="0" err="1">
                 <a:sym typeface="+mn-ea"/>
               </a:rPr>
               <a:t>:rcketmq</a:t>
             </a:r>
             <a:r>
-              <a:rPr lang="zh-CN" altLang="en-US" b="1" dirty="0" err="1" smtClean="0">
+              <a:rPr lang="zh-CN" altLang="en-US" b="1" dirty="0" err="1">
                 <a:sym typeface="+mn-ea"/>
               </a:rPr>
               <a:t>已经支持事务</a:t>
             </a:r>
             <a:r>
-              <a:rPr lang="en-US" altLang="zh-CN" b="1" dirty="0" err="1" smtClean="0">
+              <a:rPr lang="en-US" altLang="zh-CN" b="1" dirty="0" err="1">
                 <a:sym typeface="+mn-ea"/>
               </a:rPr>
               <a:t>)</a:t>
             </a:r>
-            <a:endParaRPr lang="zh-CN" altLang="en-US" b="1" dirty="0" err="1" smtClean="0"/>
+            <a:endParaRPr lang="zh-CN" altLang="en-US" b="1" dirty="0" err="1"/>
           </a:p>
         </p:txBody>
       </p:sp>
@@ -12274,7 +12114,7 @@
           <p:nvPr/>
         </p:nvPicPr>
         <p:blipFill>
-          <a:blip r:embed="rId1"/>
+          <a:blip r:embed="rId2"/>
           <a:stretch>
             <a:fillRect/>
           </a:stretch>
@@ -12298,7 +12138,7 @@
           <p:nvPr/>
         </p:nvPicPr>
         <p:blipFill>
-          <a:blip r:embed="rId2"/>
+          <a:blip r:embed="rId3"/>
           <a:stretch>
             <a:fillRect/>
           </a:stretch>
@@ -12322,7 +12162,7 @@
           <p:nvPr/>
         </p:nvPicPr>
         <p:blipFill>
-          <a:blip r:embed="rId3"/>
+          <a:blip r:embed="rId4"/>
           <a:stretch>
             <a:fillRect/>
           </a:stretch>
@@ -12379,10 +12219,9 @@
           <a:p>
             <a:pPr algn="ctr"/>
             <a:r>
-              <a:rPr lang="zh-CN" altLang="en-US" dirty="0" smtClean="0"/>
+              <a:rPr lang="zh-CN" altLang="en-US" dirty="0"/>
               <a:t>专业术语</a:t>
             </a:r>
-            <a:endParaRPr lang="zh-CN" altLang="en-US" dirty="0"/>
           </a:p>
         </p:txBody>
       </p:sp>
@@ -12404,42 +12243,36 @@
         </p:spPr>
         <p:txBody>
           <a:bodyPr>
-            <a:normAutofit fontScale="70000"/>
+            <a:normAutofit fontScale="77500" lnSpcReduction="10000"/>
           </a:bodyPr>
           <a:lstStyle/>
           <a:p>
             <a:r>
-              <a:rPr lang="en-US" altLang="zh-CN" sz="3000" dirty="0" smtClean="0">
+              <a:rPr lang="en-US" altLang="zh-CN" sz="3000" dirty="0">
                 <a:sym typeface="+mn-ea"/>
               </a:rPr>
               <a:t>Producer</a:t>
             </a:r>
-            <a:endParaRPr lang="en-US" altLang="zh-CN" sz="3000" dirty="0" smtClean="0"/>
+            <a:endParaRPr lang="en-US" altLang="zh-CN" sz="3000" dirty="0"/>
           </a:p>
           <a:p>
             <a:pPr lvl="1"/>
             <a:r>
-              <a:rPr lang="zh-CN" altLang="en-US" sz="3000" dirty="0" smtClean="0">
-                <a:sym typeface="+mn-ea"/>
-              </a:rPr>
-              <a:t>消息</a:t>
-            </a:r>
-            <a:r>
               <a:rPr lang="zh-CN" altLang="en-US" sz="3000" dirty="0">
                 <a:sym typeface="+mn-ea"/>
               </a:rPr>
-              <a:t>生产者，负责产生消息，一般由业务系统负责产生消息。 </a:t>
+              <a:t>消息生产者，负责产生消息，一般由业务系统负责产生消息。 </a:t>
             </a:r>
             <a:endParaRPr lang="zh-CN" altLang="en-US" sz="3000" dirty="0"/>
           </a:p>
           <a:p>
             <a:r>
-              <a:rPr lang="en-US" altLang="zh-CN" sz="3000" dirty="0" smtClean="0">
+              <a:rPr lang="en-US" altLang="zh-CN" sz="3000" dirty="0">
                 <a:sym typeface="+mn-ea"/>
               </a:rPr>
               <a:t>Consumer</a:t>
             </a:r>
-            <a:endParaRPr lang="en-US" altLang="zh-CN" sz="3000" dirty="0" smtClean="0"/>
+            <a:endParaRPr lang="en-US" altLang="zh-CN" sz="3000" dirty="0"/>
           </a:p>
           <a:p>
             <a:pPr lvl="1"/>
@@ -12449,16 +12282,16 @@
               </a:rPr>
               <a:t>消息消费者，负责消费消息，一般是后台系统负责异步消费。 </a:t>
             </a:r>
-            <a:endParaRPr lang="en-US" altLang="zh-CN" sz="3000" dirty="0" smtClean="0"/>
-          </a:p>
-          <a:p>
-            <a:r>
-              <a:rPr lang="en-US" altLang="zh-CN" sz="3000" dirty="0" smtClean="0">
+            <a:endParaRPr lang="en-US" altLang="zh-CN" sz="3000" dirty="0"/>
+          </a:p>
+          <a:p>
+            <a:r>
+              <a:rPr lang="en-US" altLang="zh-CN" sz="3000" dirty="0">
                 <a:sym typeface="+mn-ea"/>
               </a:rPr>
               <a:t>Push Consumer</a:t>
             </a:r>
-            <a:endParaRPr lang="en-US" altLang="zh-CN" sz="3000" dirty="0" smtClean="0"/>
+            <a:endParaRPr lang="en-US" altLang="zh-CN" sz="3000" dirty="0"/>
           </a:p>
           <a:p>
             <a:pPr lvl="1"/>
@@ -12517,27 +12350,21 @@
               <a:t>Listener</a:t>
             </a:r>
             <a:r>
-              <a:rPr lang="zh-CN" altLang="en-US" sz="3000" dirty="0" smtClean="0">
+              <a:rPr lang="zh-CN" altLang="en-US" sz="3000" dirty="0">
                 <a:sym typeface="+mn-ea"/>
               </a:rPr>
               <a:t>。优点：及时性、服务端统一处理实现方便；缺点：容易造成堆积、负载性能不可控</a:t>
             </a:r>
-            <a:endParaRPr lang="zh-CN" altLang="en-US" sz="3000" dirty="0" smtClean="0"/>
+            <a:endParaRPr lang="zh-CN" altLang="en-US" sz="3000" dirty="0"/>
           </a:p>
           <a:p>
             <a:r>
               <a:rPr lang="en-US" altLang="zh-CN" sz="3000" dirty="0">
                 <a:sym typeface="+mn-ea"/>
               </a:rPr>
-              <a:t>Pull </a:t>
-            </a:r>
-            <a:r>
-              <a:rPr lang="en-US" altLang="zh-CN" sz="3000" dirty="0" smtClean="0">
-                <a:sym typeface="+mn-ea"/>
-              </a:rPr>
-              <a:t>Consumer</a:t>
-            </a:r>
-            <a:endParaRPr lang="en-US" altLang="zh-CN" sz="3000" dirty="0" smtClean="0"/>
+              <a:t>Pull Consumer</a:t>
+            </a:r>
+            <a:endParaRPr lang="en-US" altLang="zh-CN" sz="3000" dirty="0"/>
           </a:p>
           <a:p>
             <a:pPr lvl="1"/>
@@ -12586,13 +12413,6 @@
   <p:clrMapOvr>
     <a:masterClrMapping/>
   </p:clrMapOvr>
-  <p:timing>
-    <p:tnLst>
-      <p:par>
-        <p:cTn id="1" dur="indefinite" restart="never" nodeType="tmRoot"/>
-      </p:par>
-    </p:tnLst>
-  </p:timing>
 </p:sld>
 </file>
 
@@ -12633,7 +12453,6 @@
               <a:rPr lang="zh-CN" altLang="en-US" dirty="0"/>
               <a:t>专业术语</a:t>
             </a:r>
-            <a:endParaRPr lang="zh-CN" altLang="en-US" dirty="0"/>
           </a:p>
         </p:txBody>
       </p:sp>
@@ -12650,15 +12469,14 @@
         <p:spPr/>
         <p:txBody>
           <a:bodyPr>
-            <a:normAutofit fontScale="70000"/>
+            <a:normAutofit fontScale="85000" lnSpcReduction="10000"/>
           </a:bodyPr>
           <a:lstStyle/>
           <a:p>
             <a:r>
-              <a:rPr lang="en-US" altLang="zh-CN" dirty="0" smtClean="0"/>
+              <a:rPr lang="en-US" altLang="zh-CN" dirty="0"/>
               <a:t>Producer Group</a:t>
             </a:r>
-            <a:endParaRPr lang="en-US" altLang="zh-CN" dirty="0" smtClean="0"/>
           </a:p>
           <a:p>
             <a:pPr lvl="1"/>
@@ -12698,14 +12516,13 @@
               <a:rPr lang="zh-CN" altLang="en-US" dirty="0"/>
               <a:t>下的消息发送逻辑相同</a:t>
             </a:r>
-            <a:endParaRPr lang="en-US" altLang="zh-CN" dirty="0" smtClean="0"/>
-          </a:p>
-          <a:p>
-            <a:r>
-              <a:rPr lang="en-US" altLang="zh-CN" dirty="0" smtClean="0"/>
+            <a:endParaRPr lang="en-US" altLang="zh-CN" dirty="0"/>
+          </a:p>
+          <a:p>
+            <a:r>
+              <a:rPr lang="en-US" altLang="zh-CN" dirty="0"/>
               <a:t>Consumer Group</a:t>
             </a:r>
-            <a:endParaRPr lang="en-US" altLang="zh-CN" dirty="0" smtClean="0"/>
           </a:p>
           <a:p>
             <a:pPr lvl="1"/>
@@ -12745,11 +12562,7 @@
             </a:r>
             <a:r>
               <a:rPr lang="zh-CN" altLang="en-US" dirty="0"/>
-              <a:t>消息</a:t>
-            </a:r>
-            <a:r>
-              <a:rPr lang="zh-CN" altLang="en-US" dirty="0" smtClean="0"/>
-              <a:t>，</a:t>
+              <a:t>消息，</a:t>
             </a:r>
             <a:r>
               <a:rPr lang="zh-CN" altLang="en-US" dirty="0">
@@ -12769,63 +12582,54 @@
               </a:rPr>
               <a:t>的消息消费逻辑相同</a:t>
             </a:r>
-            <a:endParaRPr lang="en-US" altLang="zh-CN" dirty="0" smtClean="0"/>
-          </a:p>
-          <a:p>
-            <a:r>
-              <a:rPr lang="en-US" altLang="zh-CN" dirty="0" smtClean="0"/>
-              <a:t>topic</a:t>
-            </a:r>
-            <a:endParaRPr lang="en-US" altLang="zh-CN" dirty="0" smtClean="0"/>
-          </a:p>
-          <a:p>
-            <a:pPr lvl="1"/>
-            <a:r>
-              <a:rPr lang="zh-CN" altLang="en-US" dirty="0"/>
-              <a:t>一类消息的集合，同一类消息往往具有相同消息格式</a:t>
-            </a:r>
-            <a:endParaRPr lang="en-US" altLang="zh-CN" dirty="0" smtClean="0"/>
-          </a:p>
-          <a:p>
-            <a:r>
-              <a:rPr lang="en-US" altLang="zh-CN" dirty="0" smtClean="0"/>
-              <a:t>tag</a:t>
-            </a:r>
-            <a:r>
-              <a:rPr lang="zh-CN" altLang="en-US" dirty="0" smtClean="0"/>
-              <a:t>（</a:t>
-            </a:r>
-            <a:r>
-              <a:rPr lang="en-US" altLang="zh-CN" dirty="0" smtClean="0"/>
-              <a:t>rocketmq</a:t>
-            </a:r>
-            <a:r>
-              <a:rPr lang="zh-CN" altLang="en-US" dirty="0" smtClean="0"/>
-              <a:t>）</a:t>
-            </a:r>
-            <a:endParaRPr lang="en-US" altLang="zh-CN" dirty="0" smtClean="0"/>
-          </a:p>
-          <a:p>
-            <a:pPr lvl="1"/>
-            <a:r>
-              <a:rPr lang="zh-CN" altLang="en-US" dirty="0"/>
-              <a:t> 同一</a:t>
-            </a:r>
+            <a:endParaRPr lang="en-US" altLang="zh-CN" dirty="0"/>
+          </a:p>
+          <a:p>
             <a:r>
               <a:rPr lang="en-US" altLang="zh-CN" dirty="0"/>
               <a:t>topic</a:t>
             </a:r>
-            <a:r>
-              <a:rPr lang="zh-CN" altLang="en-US" dirty="0"/>
-              <a:t>可以指定不同的</a:t>
-            </a:r>
+          </a:p>
+          <a:p>
+            <a:pPr lvl="1"/>
+            <a:r>
+              <a:rPr lang="zh-CN" altLang="en-US" dirty="0"/>
+              <a:t>一类消息的集合，同一类消息往往具有相同消息格式</a:t>
+            </a:r>
+            <a:endParaRPr lang="en-US" altLang="zh-CN" dirty="0"/>
+          </a:p>
+          <a:p>
             <a:r>
               <a:rPr lang="en-US" altLang="zh-CN" dirty="0"/>
               <a:t>tag</a:t>
             </a:r>
             <a:r>
               <a:rPr lang="zh-CN" altLang="en-US" dirty="0"/>
-              <a:t>，消费者也可指定</a:t>
+              <a:t>（</a:t>
+            </a:r>
+            <a:r>
+              <a:rPr lang="en-US" altLang="zh-CN" dirty="0"/>
+              <a:t>rocketmq</a:t>
+            </a:r>
+            <a:r>
+              <a:rPr lang="zh-CN" altLang="en-US" dirty="0"/>
+              <a:t>）</a:t>
+            </a:r>
+            <a:endParaRPr lang="en-US" altLang="zh-CN" dirty="0"/>
+          </a:p>
+          <a:p>
+            <a:pPr lvl="1"/>
+            <a:r>
+              <a:rPr lang="zh-CN" altLang="en-US" dirty="0"/>
+              <a:t> 同一</a:t>
+            </a:r>
+            <a:r>
+              <a:rPr lang="en-US" altLang="zh-CN" dirty="0"/>
+              <a:t>topic</a:t>
+            </a:r>
+            <a:r>
+              <a:rPr lang="zh-CN" altLang="en-US" dirty="0"/>
+              <a:t>可以指定不同的</a:t>
             </a:r>
             <a:r>
               <a:rPr lang="en-US" altLang="zh-CN" dirty="0"/>
@@ -12833,9 +12637,16 @@
             </a:r>
             <a:r>
               <a:rPr lang="zh-CN" altLang="en-US" dirty="0"/>
+              <a:t>，消费者也可指定</a:t>
+            </a:r>
+            <a:r>
+              <a:rPr lang="en-US" altLang="zh-CN" dirty="0"/>
+              <a:t>tag</a:t>
+            </a:r>
+            <a:r>
+              <a:rPr lang="zh-CN" altLang="en-US" dirty="0"/>
               <a:t>消费</a:t>
             </a:r>
-            <a:endParaRPr lang="zh-CN" altLang="en-US" dirty="0"/>
           </a:p>
         </p:txBody>
       </p:sp>
@@ -12844,13 +12655,6 @@
   <p:clrMapOvr>
     <a:masterClrMapping/>
   </p:clrMapOvr>
-  <p:timing>
-    <p:tnLst>
-      <p:par>
-        <p:cTn id="1" dur="indefinite" restart="never" nodeType="tmRoot"/>
-      </p:par>
-    </p:tnLst>
-  </p:timing>
 </p:sld>
 </file>
 
@@ -12891,7 +12695,6 @@
               <a:rPr lang="zh-CN" altLang="en-US" dirty="0"/>
               <a:t>专业术语</a:t>
             </a:r>
-            <a:endParaRPr lang="zh-CN" altLang="en-US" dirty="0"/>
           </a:p>
         </p:txBody>
       </p:sp>
@@ -12913,12 +12716,12 @@
           <a:lstStyle/>
           <a:p>
             <a:r>
-              <a:rPr lang="en-US" altLang="zh-CN" sz="3000" dirty="0" smtClean="0">
+              <a:rPr lang="en-US" altLang="zh-CN" sz="3000" dirty="0">
                 <a:sym typeface="+mn-ea"/>
               </a:rPr>
               <a:t>Broker</a:t>
             </a:r>
-            <a:endParaRPr lang="en-US" altLang="zh-CN" sz="3000" dirty="0" smtClean="0"/>
+            <a:endParaRPr lang="en-US" altLang="zh-CN" sz="3000" dirty="0"/>
           </a:p>
           <a:p>
             <a:pPr lvl="1"/>
@@ -12964,16 +12767,16 @@
               </a:rPr>
               <a:t>。 </a:t>
             </a:r>
-            <a:endParaRPr lang="en-US" altLang="zh-CN" sz="3000" dirty="0" smtClean="0"/>
-          </a:p>
-          <a:p>
-            <a:r>
-              <a:rPr lang="en-US" altLang="zh-CN" sz="3000" dirty="0" smtClean="0">
+            <a:endParaRPr lang="en-US" altLang="zh-CN" sz="3000" dirty="0"/>
+          </a:p>
+          <a:p>
+            <a:r>
+              <a:rPr lang="en-US" altLang="zh-CN" sz="3000" dirty="0">
                 <a:sym typeface="+mn-ea"/>
               </a:rPr>
               <a:t>Message Queue</a:t>
             </a:r>
-            <a:endParaRPr lang="en-US" altLang="zh-CN" sz="3000" dirty="0" smtClean="0"/>
+            <a:endParaRPr lang="en-US" altLang="zh-CN" sz="3000" dirty="0"/>
           </a:p>
           <a:p>
             <a:pPr lvl="1"/>
@@ -13008,22 +12811,16 @@
               <a:t>一个元素，元素按照先进先出的顺序放在</a:t>
             </a:r>
             <a:r>
-              <a:rPr lang="en-US" altLang="zh-CN" sz="3000" dirty="0" smtClean="0">
+              <a:rPr lang="en-US" altLang="zh-CN" sz="3000" dirty="0">
                 <a:sym typeface="+mn-ea"/>
               </a:rPr>
               <a:t>Message Queue</a:t>
             </a:r>
             <a:r>
-              <a:rPr lang="zh-CN" altLang="en-US" sz="3000" dirty="0" smtClean="0">
-                <a:sym typeface="+mn-ea"/>
-              </a:rPr>
-              <a:t>中</a:t>
-            </a:r>
-            <a:r>
               <a:rPr lang="zh-CN" altLang="en-US" sz="3000" dirty="0">
                 <a:sym typeface="+mn-ea"/>
               </a:rPr>
-              <a:t> </a:t>
+              <a:t>中 </a:t>
             </a:r>
             <a:endParaRPr lang="zh-CN" altLang="en-US" dirty="0"/>
           </a:p>
@@ -13034,13 +12831,6 @@
   <p:clrMapOvr>
     <a:masterClrMapping/>
   </p:clrMapOvr>
-  <p:timing>
-    <p:tnLst>
-      <p:par>
-        <p:cTn id="1" dur="indefinite" restart="never" nodeType="tmRoot"/>
-      </p:par>
-    </p:tnLst>
-  </p:timing>
 </p:sld>
 </file>
 
@@ -13369,6 +13159,8 @@
       </a:bgFillStyleLst>
     </a:fmtScheme>
   </a:themeElements>
+  <a:objectDefaults/>
+  <a:extraClrSchemeLst/>
   <a:extLst>
     <a:ext uri="{05A4C25C-085E-4340-85A3-A5531E510DB2}">
       <thm15:themeFamily xmlns:thm15="http://schemas.microsoft.com/office/thememl/2012/main" name="Office Theme" id="{62F939B6-93AF-4DB8-9C6B-D6C7DFDC589F}" vid="{4A3C46E8-61CC-4603-A589-7422A47A8E4A}"/>
@@ -13628,6 +13420,8 @@
       </a:bgFillStyleLst>
     </a:fmtScheme>
   </a:themeElements>
+  <a:objectDefaults/>
+  <a:extraClrSchemeLst/>
   <a:extLst>
     <a:ext uri="{05A4C25C-085E-4340-85A3-A5531E510DB2}">
       <thm15:themeFamily xmlns:thm15="http://schemas.microsoft.com/office/thememl/2012/main" name="Office Theme" id="{62F939B6-93AF-4DB8-9C6B-D6C7DFDC589F}" vid="{4A3C46E8-61CC-4603-A589-7422A47A8E4A}"/>
